--- a/slides/Azure-CaaS.pptx
+++ b/slides/Azure-CaaS.pptx
@@ -5,31 +5,36 @@
     <p:sldMasterId id="2147483648" r:id="rId4"/>
   </p:sldMasterIdLst>
   <p:notesMasterIdLst>
-    <p:notesMasterId r:id="rId24"/>
+    <p:notesMasterId r:id="rId29"/>
   </p:notesMasterIdLst>
   <p:handoutMasterIdLst>
-    <p:handoutMasterId r:id="rId25"/>
+    <p:handoutMasterId r:id="rId30"/>
   </p:handoutMasterIdLst>
   <p:sldIdLst>
     <p:sldId id="377" r:id="rId5"/>
-    <p:sldId id="380" r:id="rId6"/>
-    <p:sldId id="381" r:id="rId7"/>
-    <p:sldId id="383" r:id="rId8"/>
-    <p:sldId id="382" r:id="rId9"/>
-    <p:sldId id="384" r:id="rId10"/>
-    <p:sldId id="385" r:id="rId11"/>
-    <p:sldId id="386" r:id="rId12"/>
-    <p:sldId id="387" r:id="rId13"/>
-    <p:sldId id="378" r:id="rId14"/>
-    <p:sldId id="379" r:id="rId15"/>
-    <p:sldId id="392" r:id="rId16"/>
-    <p:sldId id="394" r:id="rId17"/>
-    <p:sldId id="388" r:id="rId18"/>
-    <p:sldId id="393" r:id="rId19"/>
-    <p:sldId id="389" r:id="rId20"/>
-    <p:sldId id="390" r:id="rId21"/>
-    <p:sldId id="391" r:id="rId22"/>
-    <p:sldId id="362" r:id="rId23"/>
+    <p:sldId id="397" r:id="rId6"/>
+    <p:sldId id="380" r:id="rId7"/>
+    <p:sldId id="381" r:id="rId8"/>
+    <p:sldId id="383" r:id="rId9"/>
+    <p:sldId id="382" r:id="rId10"/>
+    <p:sldId id="384" r:id="rId11"/>
+    <p:sldId id="385" r:id="rId12"/>
+    <p:sldId id="386" r:id="rId13"/>
+    <p:sldId id="387" r:id="rId14"/>
+    <p:sldId id="398" r:id="rId15"/>
+    <p:sldId id="399" r:id="rId16"/>
+    <p:sldId id="378" r:id="rId17"/>
+    <p:sldId id="379" r:id="rId18"/>
+    <p:sldId id="392" r:id="rId19"/>
+    <p:sldId id="394" r:id="rId20"/>
+    <p:sldId id="388" r:id="rId21"/>
+    <p:sldId id="395" r:id="rId22"/>
+    <p:sldId id="393" r:id="rId23"/>
+    <p:sldId id="389" r:id="rId24"/>
+    <p:sldId id="390" r:id="rId25"/>
+    <p:sldId id="391" r:id="rId26"/>
+    <p:sldId id="396" r:id="rId27"/>
+    <p:sldId id="362" r:id="rId28"/>
   </p:sldIdLst>
   <p:sldSz cx="9144000" cy="5143500" type="screen16x9"/>
   <p:notesSz cx="6858000" cy="9144000"/>
@@ -243,7 +248,7 @@
           <a:p>
             <a:fld id="{D3FDC4BA-F62C-46A2-87C1-2103180CFF88}" type="datetimeFigureOut">
               <a:rPr lang="de-AT" smtClean="0"/>
-              <a:t>16.02.2018</a:t>
+              <a:t>04.10.2018</a:t>
             </a:fld>
             <a:endParaRPr lang="de-AT"/>
           </a:p>
@@ -409,7 +414,7 @@
             <a:fld id="{3612A09C-9A01-4873-9E29-1DA9CA5B5B01}" type="datetimeFigureOut">
               <a:rPr lang="de-DE" smtClean="0"/>
               <a:pPr/>
-              <a:t>16.02.2018</a:t>
+              <a:t>04.10.2018</a:t>
             </a:fld>
             <a:endParaRPr lang="de-AT"/>
           </a:p>
@@ -12052,6 +12057,634 @@
           <p:cNvPr id="2" name="Title 1">
             <a:extLst>
               <a:ext uri="{FF2B5EF4-FFF2-40B4-BE49-F238E27FC236}">
+                <a16:creationId xmlns:a16="http://schemas.microsoft.com/office/drawing/2014/main" id="{25AD9DA0-0FEE-4602-BE90-C190707FCC7C}"/>
+              </a:ext>
+            </a:extLst>
+          </p:cNvPr>
+          <p:cNvSpPr>
+            <a:spLocks noGrp="1"/>
+          </p:cNvSpPr>
+          <p:nvPr>
+            <p:ph type="title"/>
+          </p:nvPr>
+        </p:nvSpPr>
+        <p:spPr/>
+        <p:txBody>
+          <a:bodyPr/>
+          <a:lstStyle/>
+          <a:p>
+            <a:r>
+              <a:rPr lang="en-US"/>
+              <a:t>Demo</a:t>
+            </a:r>
+          </a:p>
+        </p:txBody>
+      </p:sp>
+      <p:sp>
+        <p:nvSpPr>
+          <p:cNvPr id="9" name="Content Placeholder 8">
+            <a:extLst>
+              <a:ext uri="{FF2B5EF4-FFF2-40B4-BE49-F238E27FC236}">
+                <a16:creationId xmlns:a16="http://schemas.microsoft.com/office/drawing/2014/main" id="{5E43D4B1-0BE9-4CA9-9A44-66749743FCCD}"/>
+              </a:ext>
+            </a:extLst>
+          </p:cNvPr>
+          <p:cNvSpPr>
+            <a:spLocks noGrp="1"/>
+          </p:cNvSpPr>
+          <p:nvPr>
+            <p:ph sz="quarter" idx="22"/>
+          </p:nvPr>
+        </p:nvSpPr>
+        <p:spPr/>
+        <p:txBody>
+          <a:bodyPr/>
+          <a:lstStyle/>
+          <a:p>
+            <a:r>
+              <a:rPr lang="en-US" noProof="1">
+                <a:solidFill>
+                  <a:schemeClr val="tx1">
+                    <a:lumMod val="60000"/>
+                    <a:lumOff val="40000"/>
+                  </a:schemeClr>
+                </a:solidFill>
+              </a:rPr>
+              <a:t># Get ACR password</a:t>
+            </a:r>
+          </a:p>
+          <a:p>
+            <a:r>
+              <a:rPr lang="en-US" noProof="1"/>
+              <a:t>az acr credential show --name azurecaas --query "passwords[0].value"</a:t>
+            </a:r>
+          </a:p>
+          <a:p>
+            <a:endParaRPr lang="en-US" noProof="1"/>
+          </a:p>
+          <a:p>
+            <a:r>
+              <a:rPr lang="en-US" noProof="1"/>
+              <a:t># Create container from </a:t>
+            </a:r>
+          </a:p>
+          <a:p>
+            <a:r>
+              <a:rPr lang="en-US" noProof="1"/>
+              <a:t>az container create --resource-group azure-caas-demo --name web-demo --image azurecaas.azurecr.io/web-demo:1 --cpu 1 --memory 1 --ip-address public --ports 80 --registry-password ...</a:t>
+            </a:r>
+          </a:p>
+          <a:p>
+            <a:endParaRPr lang="en-US" noProof="1"/>
+          </a:p>
+          <a:p>
+            <a:r>
+              <a:rPr lang="en-US" noProof="1"/>
+              <a:t>az container show --resource-group azure-caas-demo \</a:t>
+            </a:r>
+          </a:p>
+          <a:p>
+            <a:r>
+              <a:rPr lang="en-US" noProof="1"/>
+              <a:t>	--name web-demo --query ipAddress.ip</a:t>
+            </a:r>
+          </a:p>
+          <a:p>
+            <a:endParaRPr lang="en-US" noProof="1"/>
+          </a:p>
+          <a:p>
+            <a:r>
+              <a:rPr lang="en-US" noProof="1"/>
+              <a:t>az container logs --resource-group azure-caas-demo \</a:t>
+            </a:r>
+          </a:p>
+          <a:p>
+            <a:r>
+              <a:rPr lang="en-US" noProof="1"/>
+              <a:t>	--name web-demo</a:t>
+            </a:r>
+          </a:p>
+          <a:p>
+            <a:endParaRPr lang="en-US" noProof="1"/>
+          </a:p>
+        </p:txBody>
+      </p:sp>
+      <p:sp>
+        <p:nvSpPr>
+          <p:cNvPr id="6" name="Text Placeholder 5">
+            <a:extLst>
+              <a:ext uri="{FF2B5EF4-FFF2-40B4-BE49-F238E27FC236}">
+                <a16:creationId xmlns:a16="http://schemas.microsoft.com/office/drawing/2014/main" id="{F8A11F8D-0CB6-495C-B124-0A2FB159DB76}"/>
+              </a:ext>
+            </a:extLst>
+          </p:cNvPr>
+          <p:cNvSpPr>
+            <a:spLocks noGrp="1"/>
+          </p:cNvSpPr>
+          <p:nvPr>
+            <p:ph type="body" sz="quarter" idx="23"/>
+          </p:nvPr>
+        </p:nvSpPr>
+        <p:spPr/>
+        <p:txBody>
+          <a:bodyPr/>
+          <a:lstStyle/>
+          <a:p>
+            <a:r>
+              <a:rPr lang="en-US" dirty="0"/>
+              <a:t>Create Container in ACI</a:t>
+            </a:r>
+          </a:p>
+        </p:txBody>
+      </p:sp>
+      <p:sp>
+        <p:nvSpPr>
+          <p:cNvPr id="10" name="Text Placeholder 9">
+            <a:extLst>
+              <a:ext uri="{FF2B5EF4-FFF2-40B4-BE49-F238E27FC236}">
+                <a16:creationId xmlns:a16="http://schemas.microsoft.com/office/drawing/2014/main" id="{A44AEF77-FACC-4670-8D58-D0BB6F115CAA}"/>
+              </a:ext>
+            </a:extLst>
+          </p:cNvPr>
+          <p:cNvSpPr>
+            <a:spLocks noGrp="1"/>
+          </p:cNvSpPr>
+          <p:nvPr>
+            <p:ph type="body" sz="quarter" idx="24"/>
+          </p:nvPr>
+        </p:nvSpPr>
+        <p:spPr/>
+        <p:txBody>
+          <a:bodyPr/>
+          <a:lstStyle/>
+          <a:p>
+            <a:r>
+              <a:rPr lang="en-US" dirty="0"/>
+              <a:t>Create container</a:t>
+            </a:r>
+          </a:p>
+          <a:p>
+            <a:pPr lvl="1"/>
+            <a:r>
+              <a:rPr lang="en-US" dirty="0"/>
+              <a:t>From image in ACR</a:t>
+            </a:r>
+          </a:p>
+          <a:p>
+            <a:r>
+              <a:rPr lang="en-US" dirty="0"/>
+              <a:t>Access container</a:t>
+            </a:r>
+          </a:p>
+          <a:p>
+            <a:r>
+              <a:rPr lang="en-US" dirty="0"/>
+              <a:t>View logs</a:t>
+            </a:r>
+          </a:p>
+        </p:txBody>
+      </p:sp>
+      <p:sp>
+        <p:nvSpPr>
+          <p:cNvPr id="11" name="Text Placeholder 10">
+            <a:extLst>
+              <a:ext uri="{FF2B5EF4-FFF2-40B4-BE49-F238E27FC236}">
+                <a16:creationId xmlns:a16="http://schemas.microsoft.com/office/drawing/2014/main" id="{07D091DA-9215-420B-8F52-AF755EE465BC}"/>
+              </a:ext>
+            </a:extLst>
+          </p:cNvPr>
+          <p:cNvSpPr>
+            <a:spLocks noGrp="1"/>
+          </p:cNvSpPr>
+          <p:nvPr>
+            <p:ph type="body" sz="quarter" idx="25"/>
+          </p:nvPr>
+        </p:nvSpPr>
+        <p:spPr/>
+        <p:txBody>
+          <a:bodyPr/>
+          <a:lstStyle/>
+          <a:p>
+            <a:r>
+              <a:rPr lang="en-US" dirty="0">
+                <a:hlinkClick r:id="rId2"/>
+              </a:rPr>
+              <a:t>https://docs.microsoft.com/en-us/azure/container-instances/container-instances-quickstart</a:t>
+            </a:r>
+            <a:endParaRPr lang="en-US" dirty="0"/>
+          </a:p>
+        </p:txBody>
+      </p:sp>
+    </p:spTree>
+    <p:extLst>
+      <p:ext uri="{BB962C8B-B14F-4D97-AF65-F5344CB8AC3E}">
+        <p14:creationId xmlns:p14="http://schemas.microsoft.com/office/powerpoint/2010/main" val="1150745866"/>
+      </p:ext>
+    </p:extLst>
+  </p:cSld>
+  <p:clrMapOvr>
+    <a:masterClrMapping/>
+  </p:clrMapOvr>
+  <mc:AlternateContent xmlns:mc="http://schemas.openxmlformats.org/markup-compatibility/2006" xmlns:p14="http://schemas.microsoft.com/office/powerpoint/2010/main">
+    <mc:Choice Requires="p14">
+      <p:transition spd="med" p14:dur="700">
+        <p:fade/>
+      </p:transition>
+    </mc:Choice>
+    <mc:Fallback xmlns="">
+      <p:transition spd="med">
+        <p:fade/>
+      </p:transition>
+    </mc:Fallback>
+  </mc:AlternateContent>
+</p:sld>
+</file>
+
+<file path=ppt/slides/slide11.xml><?xml version="1.0" encoding="utf-8"?>
+<p:sld xmlns:a="http://schemas.openxmlformats.org/drawingml/2006/main" xmlns:r="http://schemas.openxmlformats.org/officeDocument/2006/relationships" xmlns:p="http://schemas.openxmlformats.org/presentationml/2006/main">
+  <p:cSld>
+    <p:spTree>
+      <p:nvGrpSpPr>
+        <p:cNvPr id="1" name=""/>
+        <p:cNvGrpSpPr/>
+        <p:nvPr/>
+      </p:nvGrpSpPr>
+      <p:grpSpPr>
+        <a:xfrm>
+          <a:off x="0" y="0"/>
+          <a:ext cx="0" cy="0"/>
+          <a:chOff x="0" y="0"/>
+          <a:chExt cx="0" cy="0"/>
+        </a:xfrm>
+      </p:grpSpPr>
+      <p:sp>
+        <p:nvSpPr>
+          <p:cNvPr id="2" name="Title 1">
+            <a:extLst>
+              <a:ext uri="{FF2B5EF4-FFF2-40B4-BE49-F238E27FC236}">
+                <a16:creationId xmlns:a16="http://schemas.microsoft.com/office/drawing/2014/main" id="{591F063E-7512-4522-8E8F-8EE30935C26B}"/>
+              </a:ext>
+            </a:extLst>
+          </p:cNvPr>
+          <p:cNvSpPr>
+            <a:spLocks noGrp="1"/>
+          </p:cNvSpPr>
+          <p:nvPr>
+            <p:ph type="title"/>
+          </p:nvPr>
+        </p:nvSpPr>
+        <p:spPr/>
+        <p:txBody>
+          <a:bodyPr/>
+          <a:lstStyle/>
+          <a:p>
+            <a:r>
+              <a:rPr lang="en-US" dirty="0"/>
+              <a:t>App Service</a:t>
+            </a:r>
+          </a:p>
+        </p:txBody>
+      </p:sp>
+      <p:sp>
+        <p:nvSpPr>
+          <p:cNvPr id="3" name="Text Placeholder 2">
+            <a:extLst>
+              <a:ext uri="{FF2B5EF4-FFF2-40B4-BE49-F238E27FC236}">
+                <a16:creationId xmlns:a16="http://schemas.microsoft.com/office/drawing/2014/main" id="{8CA49FD8-43AA-49D3-BC3D-D9071FCF54D8}"/>
+              </a:ext>
+            </a:extLst>
+          </p:cNvPr>
+          <p:cNvSpPr>
+            <a:spLocks noGrp="1"/>
+          </p:cNvSpPr>
+          <p:nvPr>
+            <p:ph type="body" sz="quarter" idx="25"/>
+          </p:nvPr>
+        </p:nvSpPr>
+        <p:spPr/>
+        <p:txBody>
+          <a:bodyPr/>
+          <a:lstStyle/>
+          <a:p>
+            <a:r>
+              <a:rPr lang="en-US" dirty="0"/>
+              <a:t>Containers for Web Frontends</a:t>
+            </a:r>
+          </a:p>
+        </p:txBody>
+      </p:sp>
+    </p:spTree>
+    <p:extLst>
+      <p:ext uri="{BB962C8B-B14F-4D97-AF65-F5344CB8AC3E}">
+        <p14:creationId xmlns:p14="http://schemas.microsoft.com/office/powerpoint/2010/main" val="2864799427"/>
+      </p:ext>
+    </p:extLst>
+  </p:cSld>
+  <p:clrMapOvr>
+    <a:masterClrMapping/>
+  </p:clrMapOvr>
+  <mc:AlternateContent xmlns:mc="http://schemas.openxmlformats.org/markup-compatibility/2006" xmlns:p14="http://schemas.microsoft.com/office/powerpoint/2010/main">
+    <mc:Choice Requires="p14">
+      <p:transition spd="med" p14:dur="700">
+        <p:fade/>
+      </p:transition>
+    </mc:Choice>
+    <mc:Fallback xmlns="">
+      <p:transition spd="med">
+        <p:fade/>
+      </p:transition>
+    </mc:Fallback>
+  </mc:AlternateContent>
+</p:sld>
+</file>
+
+<file path=ppt/slides/slide12.xml><?xml version="1.0" encoding="utf-8"?>
+<p:sld xmlns:a="http://schemas.openxmlformats.org/drawingml/2006/main" xmlns:r="http://schemas.openxmlformats.org/officeDocument/2006/relationships" xmlns:p="http://schemas.openxmlformats.org/presentationml/2006/main">
+  <p:cSld>
+    <p:spTree>
+      <p:nvGrpSpPr>
+        <p:cNvPr id="1" name=""/>
+        <p:cNvGrpSpPr/>
+        <p:nvPr/>
+      </p:nvGrpSpPr>
+      <p:grpSpPr>
+        <a:xfrm>
+          <a:off x="0" y="0"/>
+          <a:ext cx="0" cy="0"/>
+          <a:chOff x="0" y="0"/>
+          <a:chExt cx="0" cy="0"/>
+        </a:xfrm>
+      </p:grpSpPr>
+      <p:sp>
+        <p:nvSpPr>
+          <p:cNvPr id="2" name="Title 1">
+            <a:extLst>
+              <a:ext uri="{FF2B5EF4-FFF2-40B4-BE49-F238E27FC236}">
+                <a16:creationId xmlns:a16="http://schemas.microsoft.com/office/drawing/2014/main" id="{25AD9DA0-0FEE-4602-BE90-C190707FCC7C}"/>
+              </a:ext>
+            </a:extLst>
+          </p:cNvPr>
+          <p:cNvSpPr>
+            <a:spLocks noGrp="1"/>
+          </p:cNvSpPr>
+          <p:nvPr>
+            <p:ph type="title"/>
+          </p:nvPr>
+        </p:nvSpPr>
+        <p:spPr/>
+        <p:txBody>
+          <a:bodyPr/>
+          <a:lstStyle/>
+          <a:p>
+            <a:r>
+              <a:rPr lang="en-US"/>
+              <a:t>Demo</a:t>
+            </a:r>
+          </a:p>
+        </p:txBody>
+      </p:sp>
+      <p:sp>
+        <p:nvSpPr>
+          <p:cNvPr id="9" name="Content Placeholder 8">
+            <a:extLst>
+              <a:ext uri="{FF2B5EF4-FFF2-40B4-BE49-F238E27FC236}">
+                <a16:creationId xmlns:a16="http://schemas.microsoft.com/office/drawing/2014/main" id="{5E43D4B1-0BE9-4CA9-9A44-66749743FCCD}"/>
+              </a:ext>
+            </a:extLst>
+          </p:cNvPr>
+          <p:cNvSpPr>
+            <a:spLocks noGrp="1"/>
+          </p:cNvSpPr>
+          <p:nvPr>
+            <p:ph sz="quarter" idx="22"/>
+          </p:nvPr>
+        </p:nvSpPr>
+        <p:spPr/>
+        <p:txBody>
+          <a:bodyPr/>
+          <a:lstStyle/>
+          <a:p>
+            <a:r>
+              <a:rPr lang="en-US" noProof="1">
+                <a:solidFill>
+                  <a:schemeClr val="tx1">
+                    <a:lumMod val="60000"/>
+                    <a:lumOff val="40000"/>
+                  </a:schemeClr>
+                </a:solidFill>
+              </a:rPr>
+              <a:t># Create App Service Plan</a:t>
+            </a:r>
+          </a:p>
+          <a:p>
+            <a:r>
+              <a:rPr lang="en-US" noProof="1"/>
+              <a:t>az appservice plan create --name caas-plan --resource-group softday-caas-demo --is-linux --location westeurope </a:t>
+            </a:r>
+          </a:p>
+          <a:p>
+            <a:endParaRPr lang="en-US" noProof="1"/>
+          </a:p>
+          <a:p>
+            <a:r>
+              <a:rPr lang="en-US" noProof="1"/>
+              <a:t># Create Web App</a:t>
+            </a:r>
+          </a:p>
+          <a:p>
+            <a:r>
+              <a:rPr lang="en-US" noProof="1"/>
+              <a:t>az webapp create --name softday-web-demo --resource-group softday-caas-demo --plan caas-plan --deployment-container-image-name hello-world</a:t>
+            </a:r>
+          </a:p>
+          <a:p>
+            <a:endParaRPr lang="en-US" noProof="1"/>
+          </a:p>
+          <a:p>
+            <a:r>
+              <a:rPr lang="en-US" noProof="1"/>
+              <a:t># Enable logging</a:t>
+            </a:r>
+          </a:p>
+          <a:p>
+            <a:r>
+              <a:rPr lang="en-US" noProof="1"/>
+              <a:t>az webapp log config --name softday-web-demo --resource-group softday-caas-demo --web-server-logging filesystem</a:t>
+            </a:r>
+          </a:p>
+          <a:p>
+            <a:endParaRPr lang="en-US" noProof="1"/>
+          </a:p>
+          <a:p>
+            <a:r>
+              <a:rPr lang="en-US" noProof="1"/>
+              <a:t># Deploy image</a:t>
+            </a:r>
+          </a:p>
+          <a:p>
+            <a:r>
+              <a:rPr lang="en-US" noProof="1"/>
+              <a:t>az webapp config container set --docker-registry-server-url http://azurecaas.azurecr.io --docker-custom-image-name azurecaas.azurecr.io/nginx-demo:1 --docker-registry-server-user azurecaas --docker-registry-server-password ... --name softday-web-demo --resource-group softday-caas-demo</a:t>
+            </a:r>
+          </a:p>
+          <a:p>
+            <a:endParaRPr lang="en-US" noProof="1"/>
+          </a:p>
+        </p:txBody>
+      </p:sp>
+      <p:sp>
+        <p:nvSpPr>
+          <p:cNvPr id="6" name="Text Placeholder 5">
+            <a:extLst>
+              <a:ext uri="{FF2B5EF4-FFF2-40B4-BE49-F238E27FC236}">
+                <a16:creationId xmlns:a16="http://schemas.microsoft.com/office/drawing/2014/main" id="{F8A11F8D-0CB6-495C-B124-0A2FB159DB76}"/>
+              </a:ext>
+            </a:extLst>
+          </p:cNvPr>
+          <p:cNvSpPr>
+            <a:spLocks noGrp="1"/>
+          </p:cNvSpPr>
+          <p:nvPr>
+            <p:ph type="body" sz="quarter" idx="23"/>
+          </p:nvPr>
+        </p:nvSpPr>
+        <p:spPr/>
+        <p:txBody>
+          <a:bodyPr/>
+          <a:lstStyle/>
+          <a:p>
+            <a:r>
+              <a:rPr lang="en-US" dirty="0"/>
+              <a:t>Create Container in ACI</a:t>
+            </a:r>
+          </a:p>
+        </p:txBody>
+      </p:sp>
+      <p:sp>
+        <p:nvSpPr>
+          <p:cNvPr id="10" name="Text Placeholder 9">
+            <a:extLst>
+              <a:ext uri="{FF2B5EF4-FFF2-40B4-BE49-F238E27FC236}">
+                <a16:creationId xmlns:a16="http://schemas.microsoft.com/office/drawing/2014/main" id="{A44AEF77-FACC-4670-8D58-D0BB6F115CAA}"/>
+              </a:ext>
+            </a:extLst>
+          </p:cNvPr>
+          <p:cNvSpPr>
+            <a:spLocks noGrp="1"/>
+          </p:cNvSpPr>
+          <p:nvPr>
+            <p:ph type="body" sz="quarter" idx="24"/>
+          </p:nvPr>
+        </p:nvSpPr>
+        <p:spPr/>
+        <p:txBody>
+          <a:bodyPr/>
+          <a:lstStyle/>
+          <a:p>
+            <a:r>
+              <a:rPr lang="en-US" dirty="0"/>
+              <a:t>Create container</a:t>
+            </a:r>
+          </a:p>
+          <a:p>
+            <a:pPr lvl="1"/>
+            <a:r>
+              <a:rPr lang="en-US" dirty="0"/>
+              <a:t>From image in ACR</a:t>
+            </a:r>
+          </a:p>
+          <a:p>
+            <a:r>
+              <a:rPr lang="en-US" dirty="0"/>
+              <a:t>Access container</a:t>
+            </a:r>
+          </a:p>
+          <a:p>
+            <a:r>
+              <a:rPr lang="en-US" dirty="0"/>
+              <a:t>View logs</a:t>
+            </a:r>
+          </a:p>
+        </p:txBody>
+      </p:sp>
+      <p:sp>
+        <p:nvSpPr>
+          <p:cNvPr id="11" name="Text Placeholder 10">
+            <a:extLst>
+              <a:ext uri="{FF2B5EF4-FFF2-40B4-BE49-F238E27FC236}">
+                <a16:creationId xmlns:a16="http://schemas.microsoft.com/office/drawing/2014/main" id="{07D091DA-9215-420B-8F52-AF755EE465BC}"/>
+              </a:ext>
+            </a:extLst>
+          </p:cNvPr>
+          <p:cNvSpPr>
+            <a:spLocks noGrp="1"/>
+          </p:cNvSpPr>
+          <p:nvPr>
+            <p:ph type="body" sz="quarter" idx="25"/>
+          </p:nvPr>
+        </p:nvSpPr>
+        <p:spPr/>
+        <p:txBody>
+          <a:bodyPr/>
+          <a:lstStyle/>
+          <a:p>
+            <a:r>
+              <a:rPr lang="en-US" dirty="0">
+                <a:hlinkClick r:id="rId2"/>
+              </a:rPr>
+              <a:t>https://docs.microsoft.com/en-us/azure/container-instances/container-instances-quickstart</a:t>
+            </a:r>
+            <a:endParaRPr lang="en-US" dirty="0"/>
+          </a:p>
+        </p:txBody>
+      </p:sp>
+    </p:spTree>
+    <p:extLst>
+      <p:ext uri="{BB962C8B-B14F-4D97-AF65-F5344CB8AC3E}">
+        <p14:creationId xmlns:p14="http://schemas.microsoft.com/office/powerpoint/2010/main" val="4196412747"/>
+      </p:ext>
+    </p:extLst>
+  </p:cSld>
+  <p:clrMapOvr>
+    <a:masterClrMapping/>
+  </p:clrMapOvr>
+  <mc:AlternateContent xmlns:mc="http://schemas.openxmlformats.org/markup-compatibility/2006" xmlns:p14="http://schemas.microsoft.com/office/powerpoint/2010/main">
+    <mc:Choice Requires="p14">
+      <p:transition spd="med" p14:dur="700">
+        <p:fade/>
+      </p:transition>
+    </mc:Choice>
+    <mc:Fallback xmlns="">
+      <p:transition spd="med">
+        <p:fade/>
+      </p:transition>
+    </mc:Fallback>
+  </mc:AlternateContent>
+</p:sld>
+</file>
+
+<file path=ppt/slides/slide13.xml><?xml version="1.0" encoding="utf-8"?>
+<p:sld xmlns:a="http://schemas.openxmlformats.org/drawingml/2006/main" xmlns:r="http://schemas.openxmlformats.org/officeDocument/2006/relationships" xmlns:p="http://schemas.openxmlformats.org/presentationml/2006/main">
+  <p:cSld>
+    <p:spTree>
+      <p:nvGrpSpPr>
+        <p:cNvPr id="1" name=""/>
+        <p:cNvGrpSpPr/>
+        <p:nvPr/>
+      </p:nvGrpSpPr>
+      <p:grpSpPr>
+        <a:xfrm>
+          <a:off x="0" y="0"/>
+          <a:ext cx="0" cy="0"/>
+          <a:chOff x="0" y="0"/>
+          <a:chExt cx="0" cy="0"/>
+        </a:xfrm>
+      </p:grpSpPr>
+      <p:sp>
+        <p:nvSpPr>
+          <p:cNvPr id="2" name="Title 1">
+            <a:extLst>
+              <a:ext uri="{FF2B5EF4-FFF2-40B4-BE49-F238E27FC236}">
                 <a16:creationId xmlns:a16="http://schemas.microsoft.com/office/drawing/2014/main" id="{591F063E-7512-4522-8E8F-8EE30935C26B}"/>
               </a:ext>
             </a:extLst>
@@ -12175,578 +12808,6 @@
 </p:sld>
 </file>
 
-<file path=ppt/slides/slide11.xml><?xml version="1.0" encoding="utf-8"?>
-<p:sld xmlns:a="http://schemas.openxmlformats.org/drawingml/2006/main" xmlns:r="http://schemas.openxmlformats.org/officeDocument/2006/relationships" xmlns:p="http://schemas.openxmlformats.org/presentationml/2006/main">
-  <p:cSld>
-    <p:spTree>
-      <p:nvGrpSpPr>
-        <p:cNvPr id="1" name=""/>
-        <p:cNvGrpSpPr/>
-        <p:nvPr/>
-      </p:nvGrpSpPr>
-      <p:grpSpPr>
-        <a:xfrm>
-          <a:off x="0" y="0"/>
-          <a:ext cx="0" cy="0"/>
-          <a:chOff x="0" y="0"/>
-          <a:chExt cx="0" cy="0"/>
-        </a:xfrm>
-      </p:grpSpPr>
-      <p:sp>
-        <p:nvSpPr>
-          <p:cNvPr id="4" name="Title 3">
-            <a:extLst>
-              <a:ext uri="{FF2B5EF4-FFF2-40B4-BE49-F238E27FC236}">
-                <a16:creationId xmlns:a16="http://schemas.microsoft.com/office/drawing/2014/main" id="{071972D3-D5EE-4EFF-86B9-C2D8076365D3}"/>
-              </a:ext>
-            </a:extLst>
-          </p:cNvPr>
-          <p:cNvSpPr>
-            <a:spLocks noGrp="1"/>
-          </p:cNvSpPr>
-          <p:nvPr>
-            <p:ph type="title"/>
-          </p:nvPr>
-        </p:nvSpPr>
-        <p:spPr/>
-        <p:txBody>
-          <a:bodyPr/>
-          <a:lstStyle/>
-          <a:p>
-            <a:r>
-              <a:rPr lang="en-US" dirty="0"/>
-              <a:t>Kubernetes 101</a:t>
-            </a:r>
-          </a:p>
-        </p:txBody>
-      </p:sp>
-      <p:sp>
-        <p:nvSpPr>
-          <p:cNvPr id="5" name="Content Placeholder 4">
-            <a:extLst>
-              <a:ext uri="{FF2B5EF4-FFF2-40B4-BE49-F238E27FC236}">
-                <a16:creationId xmlns:a16="http://schemas.microsoft.com/office/drawing/2014/main" id="{8625C482-1685-437D-96BF-8685E035E320}"/>
-              </a:ext>
-            </a:extLst>
-          </p:cNvPr>
-          <p:cNvSpPr>
-            <a:spLocks noGrp="1"/>
-          </p:cNvSpPr>
-          <p:nvPr>
-            <p:ph sz="quarter" idx="12"/>
-          </p:nvPr>
-        </p:nvSpPr>
-        <p:spPr/>
-        <p:txBody>
-          <a:bodyPr/>
-          <a:lstStyle/>
-          <a:p>
-            <a:r>
-              <a:rPr lang="en-US" dirty="0"/>
-              <a:t>A </a:t>
-            </a:r>
-            <a:r>
-              <a:rPr lang="en-US" i="1" dirty="0"/>
-              <a:t>data center OS</a:t>
-            </a:r>
-            <a:endParaRPr lang="en-US" dirty="0"/>
-          </a:p>
-          <a:p>
-            <a:pPr lvl="1"/>
-            <a:r>
-              <a:rPr lang="en-US" i="1" dirty="0"/>
-              <a:t>Orchestrator </a:t>
-            </a:r>
-            <a:r>
-              <a:rPr lang="en-US" dirty="0"/>
-              <a:t>for microservice apps</a:t>
-            </a:r>
-          </a:p>
-          <a:p>
-            <a:pPr lvl="1"/>
-            <a:r>
-              <a:rPr lang="en-US" dirty="0"/>
-              <a:t>Masters (aka control plane) and nodes</a:t>
-            </a:r>
-          </a:p>
-          <a:p>
-            <a:r>
-              <a:rPr lang="en-US" dirty="0"/>
-              <a:t>Created by Google, open source </a:t>
-            </a:r>
-            <a:r>
-              <a:rPr lang="en-US" dirty="0" err="1"/>
-              <a:t>sind</a:t>
-            </a:r>
-            <a:r>
-              <a:rPr lang="en-US" dirty="0"/>
-              <a:t> 2014</a:t>
-            </a:r>
-          </a:p>
-          <a:p>
-            <a:pPr lvl="1"/>
-            <a:r>
-              <a:rPr lang="en-US" i="1" dirty="0"/>
-              <a:t>Go </a:t>
-            </a:r>
-            <a:r>
-              <a:rPr lang="en-US" dirty="0"/>
-              <a:t>sources on GitHub at </a:t>
-            </a:r>
-            <a:r>
-              <a:rPr lang="en-US" dirty="0">
-                <a:hlinkClick r:id="rId2"/>
-              </a:rPr>
-              <a:t>https://github.com/kubernetes/kubernetes</a:t>
-            </a:r>
-            <a:endParaRPr lang="en-US" dirty="0"/>
-          </a:p>
-          <a:p>
-            <a:r>
-              <a:rPr lang="en-US" dirty="0"/>
-              <a:t>Pods</a:t>
-            </a:r>
-          </a:p>
-          <a:p>
-            <a:pPr lvl="1"/>
-            <a:r>
-              <a:rPr lang="en-US" dirty="0"/>
-              <a:t>Typically one, sometimes multiple containers (tightly-coupled)</a:t>
-            </a:r>
-          </a:p>
-          <a:p>
-            <a:pPr lvl="1"/>
-            <a:r>
-              <a:rPr lang="en-US" dirty="0"/>
-              <a:t>Common Pod environment (e.g. IP address, </a:t>
-            </a:r>
-            <a:r>
-              <a:rPr lang="en-US" i="1" dirty="0"/>
-              <a:t>localhost</a:t>
-            </a:r>
-            <a:r>
-              <a:rPr lang="en-US" dirty="0"/>
-              <a:t>)</a:t>
-            </a:r>
-          </a:p>
-          <a:p>
-            <a:pPr lvl="1"/>
-            <a:r>
-              <a:rPr lang="en-US" dirty="0">
-                <a:sym typeface="Wingdings" panose="05000000000000000000" pitchFamily="2" charset="2"/>
-              </a:rPr>
-              <a:t>Atomic unit (all-or-nothing)</a:t>
-            </a:r>
-            <a:endParaRPr lang="en-US" dirty="0"/>
-          </a:p>
-        </p:txBody>
-      </p:sp>
-      <p:sp>
-        <p:nvSpPr>
-          <p:cNvPr id="6" name="Text Placeholder 5">
-            <a:extLst>
-              <a:ext uri="{FF2B5EF4-FFF2-40B4-BE49-F238E27FC236}">
-                <a16:creationId xmlns:a16="http://schemas.microsoft.com/office/drawing/2014/main" id="{A4C76904-CE6C-4A92-AA71-AF608490E6BA}"/>
-              </a:ext>
-            </a:extLst>
-          </p:cNvPr>
-          <p:cNvSpPr>
-            <a:spLocks noGrp="1"/>
-          </p:cNvSpPr>
-          <p:nvPr>
-            <p:ph type="body" sz="quarter" idx="23"/>
-          </p:nvPr>
-        </p:nvSpPr>
-        <p:spPr/>
-        <p:txBody>
-          <a:bodyPr/>
-          <a:lstStyle/>
-          <a:p>
-            <a:r>
-              <a:rPr lang="en-US" dirty="0">
-                <a:hlinkClick r:id="rId3"/>
-              </a:rPr>
-              <a:t>https://kubernetes.io/docs/</a:t>
-            </a:r>
-            <a:endParaRPr lang="en-US" dirty="0"/>
-          </a:p>
-        </p:txBody>
-      </p:sp>
-    </p:spTree>
-    <p:extLst>
-      <p:ext uri="{BB962C8B-B14F-4D97-AF65-F5344CB8AC3E}">
-        <p14:creationId xmlns:p14="http://schemas.microsoft.com/office/powerpoint/2010/main" val="3167228676"/>
-      </p:ext>
-    </p:extLst>
-  </p:cSld>
-  <p:clrMapOvr>
-    <a:masterClrMapping/>
-  </p:clrMapOvr>
-  <p:transition spd="slow">
-    <p:push/>
-  </p:transition>
-</p:sld>
-</file>
-
-<file path=ppt/slides/slide12.xml><?xml version="1.0" encoding="utf-8"?>
-<p:sld xmlns:a="http://schemas.openxmlformats.org/drawingml/2006/main" xmlns:r="http://schemas.openxmlformats.org/officeDocument/2006/relationships" xmlns:p="http://schemas.openxmlformats.org/presentationml/2006/main">
-  <p:cSld>
-    <p:spTree>
-      <p:nvGrpSpPr>
-        <p:cNvPr id="1" name=""/>
-        <p:cNvGrpSpPr/>
-        <p:nvPr/>
-      </p:nvGrpSpPr>
-      <p:grpSpPr>
-        <a:xfrm>
-          <a:off x="0" y="0"/>
-          <a:ext cx="0" cy="0"/>
-          <a:chOff x="0" y="0"/>
-          <a:chExt cx="0" cy="0"/>
-        </a:xfrm>
-      </p:grpSpPr>
-      <p:sp>
-        <p:nvSpPr>
-          <p:cNvPr id="4" name="Title 3">
-            <a:extLst>
-              <a:ext uri="{FF2B5EF4-FFF2-40B4-BE49-F238E27FC236}">
-                <a16:creationId xmlns:a16="http://schemas.microsoft.com/office/drawing/2014/main" id="{071972D3-D5EE-4EFF-86B9-C2D8076365D3}"/>
-              </a:ext>
-            </a:extLst>
-          </p:cNvPr>
-          <p:cNvSpPr>
-            <a:spLocks noGrp="1"/>
-          </p:cNvSpPr>
-          <p:nvPr>
-            <p:ph type="title"/>
-          </p:nvPr>
-        </p:nvSpPr>
-        <p:spPr/>
-        <p:txBody>
-          <a:bodyPr/>
-          <a:lstStyle/>
-          <a:p>
-            <a:r>
-              <a:rPr lang="en-US" dirty="0"/>
-              <a:t>Kubernetes 101</a:t>
-            </a:r>
-          </a:p>
-        </p:txBody>
-      </p:sp>
-      <p:sp>
-        <p:nvSpPr>
-          <p:cNvPr id="5" name="Content Placeholder 4">
-            <a:extLst>
-              <a:ext uri="{FF2B5EF4-FFF2-40B4-BE49-F238E27FC236}">
-                <a16:creationId xmlns:a16="http://schemas.microsoft.com/office/drawing/2014/main" id="{8625C482-1685-437D-96BF-8685E035E320}"/>
-              </a:ext>
-            </a:extLst>
-          </p:cNvPr>
-          <p:cNvSpPr>
-            <a:spLocks noGrp="1"/>
-          </p:cNvSpPr>
-          <p:nvPr>
-            <p:ph sz="quarter" idx="12"/>
-          </p:nvPr>
-        </p:nvSpPr>
-        <p:spPr/>
-        <p:txBody>
-          <a:bodyPr/>
-          <a:lstStyle/>
-          <a:p>
-            <a:r>
-              <a:rPr lang="en-US" dirty="0"/>
-              <a:t>Service</a:t>
-            </a:r>
-          </a:p>
-          <a:p>
-            <a:pPr lvl="1"/>
-            <a:r>
-              <a:rPr lang="en-US" dirty="0"/>
-              <a:t>Each services gets its own stable IP address, DNS name, and port</a:t>
-            </a:r>
-          </a:p>
-          <a:p>
-            <a:pPr lvl="1"/>
-            <a:r>
-              <a:rPr lang="en-US" dirty="0"/>
-              <a:t>Uses </a:t>
-            </a:r>
-            <a:r>
-              <a:rPr lang="en-US" i="1" dirty="0"/>
-              <a:t>labels </a:t>
-            </a:r>
-            <a:r>
-              <a:rPr lang="en-US" dirty="0"/>
-              <a:t>to dynamically associate with Pods</a:t>
-            </a:r>
-          </a:p>
-          <a:p>
-            <a:pPr lvl="1"/>
-            <a:r>
-              <a:rPr lang="en-US" dirty="0"/>
-              <a:t>Load-balances requests across Pods</a:t>
-            </a:r>
-          </a:p>
-          <a:p>
-            <a:pPr lvl="1"/>
-            <a:r>
-              <a:rPr lang="en-US" dirty="0"/>
-              <a:t>Service type </a:t>
-            </a:r>
-            <a:r>
-              <a:rPr lang="en-US" i="1" dirty="0" err="1"/>
-              <a:t>LoadBalancer</a:t>
-            </a:r>
-            <a:r>
-              <a:rPr lang="en-US" dirty="0"/>
-              <a:t> </a:t>
-            </a:r>
-            <a:r>
-              <a:rPr lang="en-US" dirty="0">
-                <a:sym typeface="Wingdings" panose="05000000000000000000" pitchFamily="2" charset="2"/>
-              </a:rPr>
-              <a:t> make service available outside the cluster</a:t>
-            </a:r>
-            <a:endParaRPr lang="en-US" dirty="0"/>
-          </a:p>
-          <a:p>
-            <a:r>
-              <a:rPr lang="en-US" dirty="0"/>
-              <a:t>Replication controllers</a:t>
-            </a:r>
-          </a:p>
-          <a:p>
-            <a:pPr lvl="1"/>
-            <a:r>
-              <a:rPr lang="en-US" dirty="0"/>
-              <a:t>Number of replicas for a Pod</a:t>
-            </a:r>
-          </a:p>
-          <a:p>
-            <a:pPr lvl="1"/>
-            <a:r>
-              <a:rPr lang="en-US" i="1" dirty="0"/>
-              <a:t>Desired State</a:t>
-            </a:r>
-          </a:p>
-          <a:p>
-            <a:r>
-              <a:rPr lang="en-US" dirty="0"/>
-              <a:t>Deployments</a:t>
-            </a:r>
-          </a:p>
-          <a:p>
-            <a:pPr lvl="1"/>
-            <a:r>
-              <a:rPr lang="en-US" dirty="0"/>
-              <a:t>Replication controller + </a:t>
-            </a:r>
-            <a:r>
-              <a:rPr lang="en-US" i="1" dirty="0"/>
-              <a:t>rolling updates</a:t>
-            </a:r>
-          </a:p>
-        </p:txBody>
-      </p:sp>
-      <p:sp>
-        <p:nvSpPr>
-          <p:cNvPr id="6" name="Text Placeholder 5">
-            <a:extLst>
-              <a:ext uri="{FF2B5EF4-FFF2-40B4-BE49-F238E27FC236}">
-                <a16:creationId xmlns:a16="http://schemas.microsoft.com/office/drawing/2014/main" id="{A4C76904-CE6C-4A92-AA71-AF608490E6BA}"/>
-              </a:ext>
-            </a:extLst>
-          </p:cNvPr>
-          <p:cNvSpPr>
-            <a:spLocks noGrp="1"/>
-          </p:cNvSpPr>
-          <p:nvPr>
-            <p:ph type="body" sz="quarter" idx="23"/>
-          </p:nvPr>
-        </p:nvSpPr>
-        <p:spPr/>
-        <p:txBody>
-          <a:bodyPr/>
-          <a:lstStyle/>
-          <a:p>
-            <a:endParaRPr lang="en-US"/>
-          </a:p>
-        </p:txBody>
-      </p:sp>
-    </p:spTree>
-    <p:extLst>
-      <p:ext uri="{BB962C8B-B14F-4D97-AF65-F5344CB8AC3E}">
-        <p14:creationId xmlns:p14="http://schemas.microsoft.com/office/powerpoint/2010/main" val="1622866409"/>
-      </p:ext>
-    </p:extLst>
-  </p:cSld>
-  <p:clrMapOvr>
-    <a:masterClrMapping/>
-  </p:clrMapOvr>
-  <p:transition spd="slow">
-    <p:push/>
-  </p:transition>
-</p:sld>
-</file>
-
-<file path=ppt/slides/slide13.xml><?xml version="1.0" encoding="utf-8"?>
-<p:sld xmlns:a="http://schemas.openxmlformats.org/drawingml/2006/main" xmlns:r="http://schemas.openxmlformats.org/officeDocument/2006/relationships" xmlns:p="http://schemas.openxmlformats.org/presentationml/2006/main">
-  <p:cSld>
-    <p:spTree>
-      <p:nvGrpSpPr>
-        <p:cNvPr id="1" name=""/>
-        <p:cNvGrpSpPr/>
-        <p:nvPr/>
-      </p:nvGrpSpPr>
-      <p:grpSpPr>
-        <a:xfrm>
-          <a:off x="0" y="0"/>
-          <a:ext cx="0" cy="0"/>
-          <a:chOff x="0" y="0"/>
-          <a:chExt cx="0" cy="0"/>
-        </a:xfrm>
-      </p:grpSpPr>
-      <p:sp>
-        <p:nvSpPr>
-          <p:cNvPr id="4" name="Title 3">
-            <a:extLst>
-              <a:ext uri="{FF2B5EF4-FFF2-40B4-BE49-F238E27FC236}">
-                <a16:creationId xmlns:a16="http://schemas.microsoft.com/office/drawing/2014/main" id="{071972D3-D5EE-4EFF-86B9-C2D8076365D3}"/>
-              </a:ext>
-            </a:extLst>
-          </p:cNvPr>
-          <p:cNvSpPr>
-            <a:spLocks noGrp="1"/>
-          </p:cNvSpPr>
-          <p:nvPr>
-            <p:ph type="title"/>
-          </p:nvPr>
-        </p:nvSpPr>
-        <p:spPr/>
-        <p:txBody>
-          <a:bodyPr/>
-          <a:lstStyle/>
-          <a:p>
-            <a:r>
-              <a:rPr lang="en-US" dirty="0"/>
-              <a:t>AKS</a:t>
-            </a:r>
-          </a:p>
-        </p:txBody>
-      </p:sp>
-      <p:sp>
-        <p:nvSpPr>
-          <p:cNvPr id="5" name="Content Placeholder 4">
-            <a:extLst>
-              <a:ext uri="{FF2B5EF4-FFF2-40B4-BE49-F238E27FC236}">
-                <a16:creationId xmlns:a16="http://schemas.microsoft.com/office/drawing/2014/main" id="{8625C482-1685-437D-96BF-8685E035E320}"/>
-              </a:ext>
-            </a:extLst>
-          </p:cNvPr>
-          <p:cNvSpPr>
-            <a:spLocks noGrp="1"/>
-          </p:cNvSpPr>
-          <p:nvPr>
-            <p:ph sz="quarter" idx="12"/>
-          </p:nvPr>
-        </p:nvSpPr>
-        <p:spPr/>
-        <p:txBody>
-          <a:bodyPr/>
-          <a:lstStyle/>
-          <a:p>
-            <a:r>
-              <a:rPr lang="en-US" i="1" dirty="0"/>
-              <a:t>Managed </a:t>
-            </a:r>
-            <a:r>
-              <a:rPr lang="en-US" dirty="0"/>
-              <a:t>Kubernetes in Azure</a:t>
-            </a:r>
-          </a:p>
-          <a:p>
-            <a:pPr lvl="1"/>
-            <a:r>
-              <a:rPr lang="en-US" dirty="0"/>
-              <a:t>No direct access (SSH) to the cluster</a:t>
-            </a:r>
-          </a:p>
-          <a:p>
-            <a:r>
-              <a:rPr lang="en-US" dirty="0"/>
-              <a:t>Note preview limitations</a:t>
-            </a:r>
-          </a:p>
-          <a:p>
-            <a:pPr lvl="1"/>
-            <a:r>
-              <a:rPr lang="en-US" dirty="0"/>
-              <a:t>At the time of writing, no deployments possible in West Europe</a:t>
-            </a:r>
-            <a:endParaRPr lang="en-US" dirty="0">
-              <a:hlinkClick r:id="rId2"/>
-            </a:endParaRPr>
-          </a:p>
-          <a:p>
-            <a:pPr lvl="1"/>
-            <a:r>
-              <a:rPr lang="en-US" dirty="0">
-                <a:hlinkClick r:id="rId2"/>
-              </a:rPr>
-              <a:t>Read more…</a:t>
-            </a:r>
-            <a:endParaRPr lang="en-US" dirty="0"/>
-          </a:p>
-        </p:txBody>
-      </p:sp>
-      <p:sp>
-        <p:nvSpPr>
-          <p:cNvPr id="6" name="Text Placeholder 5">
-            <a:extLst>
-              <a:ext uri="{FF2B5EF4-FFF2-40B4-BE49-F238E27FC236}">
-                <a16:creationId xmlns:a16="http://schemas.microsoft.com/office/drawing/2014/main" id="{A4C76904-CE6C-4A92-AA71-AF608490E6BA}"/>
-              </a:ext>
-            </a:extLst>
-          </p:cNvPr>
-          <p:cNvSpPr>
-            <a:spLocks noGrp="1"/>
-          </p:cNvSpPr>
-          <p:nvPr>
-            <p:ph type="body" sz="quarter" idx="23"/>
-          </p:nvPr>
-        </p:nvSpPr>
-        <p:spPr/>
-        <p:txBody>
-          <a:bodyPr/>
-          <a:lstStyle/>
-          <a:p>
-            <a:r>
-              <a:rPr lang="en-US" dirty="0">
-                <a:hlinkClick r:id="rId3"/>
-              </a:rPr>
-              <a:t>https://docs.microsoft.com/en-us/azure/aks/intro-kubernetes</a:t>
-            </a:r>
-            <a:endParaRPr lang="en-US" dirty="0"/>
-          </a:p>
-        </p:txBody>
-      </p:sp>
-    </p:spTree>
-    <p:extLst>
-      <p:ext uri="{BB962C8B-B14F-4D97-AF65-F5344CB8AC3E}">
-        <p14:creationId xmlns:p14="http://schemas.microsoft.com/office/powerpoint/2010/main" val="1088021400"/>
-      </p:ext>
-    </p:extLst>
-  </p:cSld>
-  <p:clrMapOvr>
-    <a:masterClrMapping/>
-  </p:clrMapOvr>
-  <p:transition spd="slow">
-    <p:push/>
-  </p:transition>
-</p:sld>
-</file>
-
 <file path=ppt/slides/slide14.xml><?xml version="1.0" encoding="utf-8"?>
 <p:sld xmlns:a="http://schemas.openxmlformats.org/drawingml/2006/main" xmlns:r="http://schemas.openxmlformats.org/officeDocument/2006/relationships" xmlns:p="http://schemas.openxmlformats.org/presentationml/2006/main">
   <p:cSld>
@@ -12766,10 +12827,10 @@
       </p:grpSpPr>
       <p:sp>
         <p:nvSpPr>
-          <p:cNvPr id="2" name="Title 1">
+          <p:cNvPr id="4" name="Title 3">
             <a:extLst>
               <a:ext uri="{FF2B5EF4-FFF2-40B4-BE49-F238E27FC236}">
-                <a16:creationId xmlns:a16="http://schemas.microsoft.com/office/drawing/2014/main" id="{25AD9DA0-0FEE-4602-BE90-C190707FCC7C}"/>
+                <a16:creationId xmlns:a16="http://schemas.microsoft.com/office/drawing/2014/main" id="{071972D3-D5EE-4EFF-86B9-C2D8076365D3}"/>
               </a:ext>
             </a:extLst>
           </p:cNvPr>
@@ -12786,18 +12847,18 @@
           <a:lstStyle/>
           <a:p>
             <a:r>
-              <a:rPr lang="en-US"/>
-              <a:t>Demo</a:t>
-            </a:r>
-          </a:p>
-        </p:txBody>
-      </p:sp>
-      <p:sp>
-        <p:nvSpPr>
-          <p:cNvPr id="9" name="Content Placeholder 8">
+              <a:rPr lang="en-US" dirty="0"/>
+              <a:t>Kubernetes 101</a:t>
+            </a:r>
+          </a:p>
+        </p:txBody>
+      </p:sp>
+      <p:sp>
+        <p:nvSpPr>
+          <p:cNvPr id="5" name="Content Placeholder 4">
             <a:extLst>
               <a:ext uri="{FF2B5EF4-FFF2-40B4-BE49-F238E27FC236}">
-                <a16:creationId xmlns:a16="http://schemas.microsoft.com/office/drawing/2014/main" id="{5E43D4B1-0BE9-4CA9-9A44-66749743FCCD}"/>
+                <a16:creationId xmlns:a16="http://schemas.microsoft.com/office/drawing/2014/main" id="{8625C482-1685-437D-96BF-8685E035E320}"/>
               </a:ext>
             </a:extLst>
           </p:cNvPr>
@@ -12805,7 +12866,7 @@
             <a:spLocks noGrp="1"/>
           </p:cNvSpPr>
           <p:nvPr>
-            <p:ph sz="quarter" idx="22"/>
+            <p:ph sz="quarter" idx="12"/>
           </p:nvPr>
         </p:nvSpPr>
         <p:spPr/>
@@ -12814,171 +12875,102 @@
           <a:lstStyle/>
           <a:p>
             <a:r>
-              <a:rPr lang="pt-BR" noProof="1"/>
-              <a:t>az provider register -n Microsoft.ContainerService</a:t>
-            </a:r>
-          </a:p>
-          <a:p>
-            <a:endParaRPr lang="pt-BR" noProof="1"/>
-          </a:p>
-          <a:p>
-            <a:r>
-              <a:rPr lang="pt-BR" noProof="1">
-                <a:solidFill>
-                  <a:schemeClr val="tx1">
-                    <a:lumMod val="60000"/>
-                    <a:lumOff val="40000"/>
-                  </a:schemeClr>
-                </a:solidFill>
+              <a:rPr lang="en-US" dirty="0"/>
+              <a:t>A </a:t>
+            </a:r>
+            <a:r>
+              <a:rPr lang="en-US" i="1" dirty="0"/>
+              <a:t>data center OS</a:t>
+            </a:r>
+            <a:endParaRPr lang="en-US" dirty="0"/>
+          </a:p>
+          <a:p>
+            <a:pPr lvl="1"/>
+            <a:r>
+              <a:rPr lang="en-US" i="1" dirty="0"/>
+              <a:t>Orchestrator </a:t>
+            </a:r>
+            <a:r>
+              <a:rPr lang="en-US" dirty="0"/>
+              <a:t>for microservice apps</a:t>
+            </a:r>
+          </a:p>
+          <a:p>
+            <a:pPr lvl="1"/>
+            <a:r>
+              <a:rPr lang="en-US" dirty="0"/>
+              <a:t>Masters (aka control plane) and nodes</a:t>
+            </a:r>
+          </a:p>
+          <a:p>
+            <a:r>
+              <a:rPr lang="en-US" dirty="0"/>
+              <a:t>Created by Google, open source </a:t>
+            </a:r>
+            <a:r>
+              <a:rPr lang="en-US" dirty="0" err="1"/>
+              <a:t>sind</a:t>
+            </a:r>
+            <a:r>
+              <a:rPr lang="en-US" dirty="0"/>
+              <a:t> 2014</a:t>
+            </a:r>
+          </a:p>
+          <a:p>
+            <a:pPr lvl="1"/>
+            <a:r>
+              <a:rPr lang="en-US" i="1" dirty="0"/>
+              <a:t>Go </a:t>
+            </a:r>
+            <a:r>
+              <a:rPr lang="en-US" dirty="0"/>
+              <a:t>sources on GitHub at </a:t>
+            </a:r>
+            <a:r>
+              <a:rPr lang="en-US" dirty="0">
+                <a:hlinkClick r:id="rId2"/>
               </a:rPr>
-              <a:t># Push demo docker image to ACR (web frontend)</a:t>
-            </a:r>
-          </a:p>
-          <a:p>
-            <a:r>
-              <a:rPr lang="pt-BR" noProof="1"/>
-              <a:t>docker tag azure-vote-front \</a:t>
-            </a:r>
-          </a:p>
-          <a:p>
-            <a:r>
-              <a:rPr lang="pt-BR" noProof="1"/>
-              <a:t>	</a:t>
-            </a:r>
-            <a:r>
-              <a:rPr lang="en-US" noProof="1"/>
-              <a:t>azurecaas.azurecr.io</a:t>
-            </a:r>
-            <a:r>
-              <a:rPr lang="pt-BR" noProof="1"/>
-              <a:t>/azure-vote-front:v1</a:t>
-            </a:r>
-          </a:p>
-          <a:p>
-            <a:r>
-              <a:rPr lang="en-US" noProof="1"/>
-              <a:t>docker push azurecaas.azurecr.io/azure-vote-front:v1</a:t>
-            </a:r>
-          </a:p>
-          <a:p>
-            <a:endParaRPr lang="pt-BR" noProof="1"/>
-          </a:p>
-          <a:p>
-            <a:r>
-              <a:rPr lang="pt-BR" noProof="1">
-                <a:solidFill>
-                  <a:schemeClr val="tx1">
-                    <a:lumMod val="60000"/>
-                    <a:lumOff val="40000"/>
-                  </a:schemeClr>
-                </a:solidFill>
+              <a:t>https://github.com/kubernetes/kubernetes</a:t>
+            </a:r>
+            <a:endParaRPr lang="en-US" dirty="0"/>
+          </a:p>
+          <a:p>
+            <a:r>
+              <a:rPr lang="en-US" dirty="0"/>
+              <a:t>Pods</a:t>
+            </a:r>
+          </a:p>
+          <a:p>
+            <a:pPr lvl="1"/>
+            <a:r>
+              <a:rPr lang="en-US" dirty="0"/>
+              <a:t>Typically one, sometimes multiple containers (tightly-coupled)</a:t>
+            </a:r>
+          </a:p>
+          <a:p>
+            <a:pPr lvl="1"/>
+            <a:r>
+              <a:rPr lang="en-US" dirty="0"/>
+              <a:t>Common Pod environment (e.g. IP address, </a:t>
+            </a:r>
+            <a:r>
+              <a:rPr lang="en-US" i="1" dirty="0"/>
+              <a:t>localhost</a:t>
+            </a:r>
+            <a:r>
+              <a:rPr lang="en-US" dirty="0"/>
+              <a:t>)</a:t>
+            </a:r>
+          </a:p>
+          <a:p>
+            <a:pPr lvl="1"/>
+            <a:r>
+              <a:rPr lang="en-US" dirty="0">
+                <a:sym typeface="Wingdings" panose="05000000000000000000" pitchFamily="2" charset="2"/>
               </a:rPr>
-              <a:t># Create service principal for AKS (or change password)</a:t>
-            </a:r>
-          </a:p>
-          <a:p>
-            <a:r>
-              <a:rPr lang="en-US" noProof="1"/>
-              <a:t>az ad sp create-for-rbac --name azurecaas \</a:t>
-            </a:r>
-          </a:p>
-          <a:p>
-            <a:r>
-              <a:rPr lang="en-US" noProof="1"/>
-              <a:t>	--password P@ssw0rd123</a:t>
-            </a:r>
-          </a:p>
-          <a:p>
-            <a:r>
-              <a:rPr lang="en-US" noProof="1"/>
-              <a:t>az ad sp reset-credentials --name azurecaas \</a:t>
-            </a:r>
-          </a:p>
-          <a:p>
-            <a:r>
-              <a:rPr lang="en-US" noProof="1"/>
-              <a:t>	--password P@ssw0rd123</a:t>
-            </a:r>
-          </a:p>
-          <a:p>
-            <a:endParaRPr lang="pt-BR" noProof="1"/>
-          </a:p>
-          <a:p>
-            <a:r>
-              <a:rPr lang="pt-BR" noProof="1">
-                <a:solidFill>
-                  <a:schemeClr val="tx1">
-                    <a:lumMod val="60000"/>
-                    <a:lumOff val="40000"/>
-                  </a:schemeClr>
-                </a:solidFill>
-              </a:rPr>
-              <a:t># Assign “reader” role for ACR to AKS service principal</a:t>
-            </a:r>
-          </a:p>
-          <a:p>
-            <a:r>
-              <a:rPr lang="pt-BR" noProof="1"/>
-              <a:t>az acr show --name azurecaas --resource-group azure-caas-demo \</a:t>
-            </a:r>
-          </a:p>
-          <a:p>
-            <a:r>
-              <a:rPr lang="pt-BR" noProof="1"/>
-              <a:t>	--query "id"</a:t>
-            </a:r>
-          </a:p>
-          <a:p>
-            <a:r>
-              <a:rPr lang="pt-BR" noProof="1"/>
-              <a:t>az role assignment create \</a:t>
-            </a:r>
-          </a:p>
-          <a:p>
-            <a:r>
-              <a:rPr lang="pt-BR" noProof="1"/>
-              <a:t>	--assignee ...(app id) --role Reader --scope ...(ACR id)</a:t>
-            </a:r>
-          </a:p>
-          <a:p>
-            <a:endParaRPr lang="pt-BR" noProof="1"/>
-          </a:p>
-          <a:p>
-            <a:r>
-              <a:rPr lang="pt-BR" noProof="1">
-                <a:solidFill>
-                  <a:schemeClr val="tx1">
-                    <a:lumMod val="60000"/>
-                    <a:lumOff val="40000"/>
-                  </a:schemeClr>
-                </a:solidFill>
-              </a:rPr>
-              <a:t># Create AKS cluster</a:t>
-            </a:r>
-          </a:p>
-          <a:p>
-            <a:r>
-              <a:rPr lang="en-US" noProof="1"/>
-              <a:t>az aks create --resource-group azure-caas-demo \</a:t>
-            </a:r>
-          </a:p>
-          <a:p>
-            <a:r>
-              <a:rPr lang="en-US" noProof="1"/>
-              <a:t>	--name azure-caas-kube --node-count 1 --generate-ssh-keys \</a:t>
-            </a:r>
-          </a:p>
-          <a:p>
-            <a:r>
-              <a:rPr lang="en-US" noProof="1"/>
-              <a:t>  --location eastus --client-secret P@ssw0rd123 \</a:t>
-            </a:r>
-          </a:p>
-          <a:p>
-            <a:r>
-              <a:rPr lang="en-US" noProof="1"/>
-              <a:t>	 --service-principal ...(app id)</a:t>
-            </a:r>
+              <a:t>Atomic unit (all-or-nothing)</a:t>
+            </a:r>
+            <a:endParaRPr lang="en-US" dirty="0"/>
           </a:p>
         </p:txBody>
       </p:sp>
@@ -12987,7 +12979,7 @@
           <p:cNvPr id="6" name="Text Placeholder 5">
             <a:extLst>
               <a:ext uri="{FF2B5EF4-FFF2-40B4-BE49-F238E27FC236}">
-                <a16:creationId xmlns:a16="http://schemas.microsoft.com/office/drawing/2014/main" id="{F8A11F8D-0CB6-495C-B124-0A2FB159DB76}"/>
+                <a16:creationId xmlns:a16="http://schemas.microsoft.com/office/drawing/2014/main" id="{A4C76904-CE6C-4A92-AA71-AF608490E6BA}"/>
               </a:ext>
             </a:extLst>
           </p:cNvPr>
@@ -13004,139 +12996,37 @@
           <a:lstStyle/>
           <a:p>
             <a:r>
-              <a:rPr lang="en-US" dirty="0"/>
-              <a:t>Create AKS Cluster</a:t>
-            </a:r>
-          </a:p>
-        </p:txBody>
-      </p:sp>
-      <p:sp>
-        <p:nvSpPr>
-          <p:cNvPr id="10" name="Text Placeholder 9">
-            <a:extLst>
-              <a:ext uri="{FF2B5EF4-FFF2-40B4-BE49-F238E27FC236}">
-                <a16:creationId xmlns:a16="http://schemas.microsoft.com/office/drawing/2014/main" id="{A44AEF77-FACC-4670-8D58-D0BB6F115CAA}"/>
-              </a:ext>
-            </a:extLst>
-          </p:cNvPr>
-          <p:cNvSpPr>
-            <a:spLocks noGrp="1"/>
-          </p:cNvSpPr>
-          <p:nvPr>
-            <p:ph type="body" sz="quarter" idx="24"/>
-          </p:nvPr>
-        </p:nvSpPr>
-        <p:spPr/>
-        <p:txBody>
-          <a:bodyPr/>
-          <a:lstStyle/>
-          <a:p>
-            <a:r>
-              <a:rPr lang="en-US" dirty="0"/>
-              <a:t>Push demo image to ACR</a:t>
-            </a:r>
-          </a:p>
-          <a:p>
-            <a:r>
-              <a:rPr lang="en-US" dirty="0"/>
-              <a:t>Create service principal for AKS</a:t>
-            </a:r>
-          </a:p>
-          <a:p>
-            <a:r>
-              <a:rPr lang="en-US" dirty="0"/>
-              <a:t>Create AKS cluster</a:t>
-            </a:r>
-          </a:p>
-        </p:txBody>
-      </p:sp>
-      <p:sp>
-        <p:nvSpPr>
-          <p:cNvPr id="11" name="Text Placeholder 10">
-            <a:extLst>
-              <a:ext uri="{FF2B5EF4-FFF2-40B4-BE49-F238E27FC236}">
-                <a16:creationId xmlns:a16="http://schemas.microsoft.com/office/drawing/2014/main" id="{07D091DA-9215-420B-8F52-AF755EE465BC}"/>
-              </a:ext>
-            </a:extLst>
-          </p:cNvPr>
-          <p:cNvSpPr>
-            <a:spLocks noGrp="1"/>
-          </p:cNvSpPr>
-          <p:nvPr>
-            <p:ph type="body" sz="quarter" idx="25"/>
-          </p:nvPr>
-        </p:nvSpPr>
-        <p:spPr/>
-        <p:txBody>
-          <a:bodyPr/>
-          <a:lstStyle/>
-          <a:p>
-            <a:r>
-              <a:rPr lang="en-US" sz="700" dirty="0">
-                <a:hlinkClick r:id="rId2"/>
-              </a:rPr>
-              <a:t>https://docs.microsoft.com/en-us/azure/aks/kubernetes-walkthrough</a:t>
-            </a:r>
-            <a:br>
-              <a:rPr lang="en-US" sz="700" dirty="0"/>
-            </a:br>
-            <a:endParaRPr lang="en-US" sz="700" dirty="0"/>
-          </a:p>
-          <a:p>
-            <a:r>
-              <a:rPr lang="en-US" sz="700" dirty="0"/>
-              <a:t>Note: Due to preview limitations, location has to be </a:t>
-            </a:r>
-            <a:r>
-              <a:rPr lang="en-US" sz="700" i="1" dirty="0" err="1"/>
-              <a:t>eastus</a:t>
-            </a:r>
-            <a:r>
-              <a:rPr lang="en-US" sz="700" dirty="0"/>
-              <a:t>, for details see </a:t>
-            </a:r>
-            <a:r>
-              <a:rPr lang="en-US" sz="700" dirty="0">
+              <a:rPr lang="en-US" dirty="0">
                 <a:hlinkClick r:id="rId3"/>
               </a:rPr>
-              <a:t>https://github.com/Azure/AKS/blob/master/preview_regions.md</a:t>
-            </a:r>
-            <a:r>
-              <a:rPr lang="en-US" sz="700" dirty="0"/>
-              <a:t> </a:t>
-            </a:r>
-          </a:p>
-          <a:p>
-            <a:endParaRPr lang="en-US" sz="700" dirty="0"/>
-          </a:p>
-          <a:p>
-            <a:r>
-              <a:rPr lang="en-US" sz="700" dirty="0"/>
-              <a:t>Note: Uses demo app from git clone </a:t>
-            </a:r>
-            <a:r>
-              <a:rPr lang="en-US" sz="700" dirty="0">
-                <a:hlinkClick r:id="rId4"/>
-              </a:rPr>
-              <a:t>https://github.com/Azure-Samples/azure-voting-app-redis.git</a:t>
-            </a:r>
-            <a:endParaRPr lang="en-US" sz="700" dirty="0"/>
+              <a:t>https://kubernetes.io/docs/</a:t>
+            </a:r>
+            <a:endParaRPr lang="en-US" dirty="0"/>
           </a:p>
         </p:txBody>
       </p:sp>
     </p:spTree>
     <p:extLst>
       <p:ext uri="{BB962C8B-B14F-4D97-AF65-F5344CB8AC3E}">
-        <p14:creationId xmlns:p14="http://schemas.microsoft.com/office/powerpoint/2010/main" val="3399747740"/>
+        <p14:creationId xmlns:p14="http://schemas.microsoft.com/office/powerpoint/2010/main" val="3167228676"/>
       </p:ext>
     </p:extLst>
   </p:cSld>
   <p:clrMapOvr>
     <a:masterClrMapping/>
   </p:clrMapOvr>
-  <p:transition spd="slow">
-    <p:push/>
-  </p:transition>
+  <mc:AlternateContent xmlns:mc="http://schemas.openxmlformats.org/markup-compatibility/2006" xmlns:p14="http://schemas.microsoft.com/office/powerpoint/2010/main">
+    <mc:Choice Requires="p14">
+      <p:transition spd="med" p14:dur="700">
+        <p:fade/>
+      </p:transition>
+    </mc:Choice>
+    <mc:Fallback xmlns="">
+      <p:transition spd="med">
+        <p:fade/>
+      </p:transition>
+    </mc:Fallback>
+  </mc:AlternateContent>
 </p:sld>
 </file>
 
@@ -13159,10 +13049,10 @@
       </p:grpSpPr>
       <p:sp>
         <p:nvSpPr>
-          <p:cNvPr id="2" name="Title 1">
+          <p:cNvPr id="4" name="Title 3">
             <a:extLst>
               <a:ext uri="{FF2B5EF4-FFF2-40B4-BE49-F238E27FC236}">
-                <a16:creationId xmlns:a16="http://schemas.microsoft.com/office/drawing/2014/main" id="{25AD9DA0-0FEE-4602-BE90-C190707FCC7C}"/>
+                <a16:creationId xmlns:a16="http://schemas.microsoft.com/office/drawing/2014/main" id="{071972D3-D5EE-4EFF-86B9-C2D8076365D3}"/>
               </a:ext>
             </a:extLst>
           </p:cNvPr>
@@ -13179,18 +13069,18 @@
           <a:lstStyle/>
           <a:p>
             <a:r>
-              <a:rPr lang="en-US"/>
-              <a:t>Demo</a:t>
-            </a:r>
-          </a:p>
-        </p:txBody>
-      </p:sp>
-      <p:sp>
-        <p:nvSpPr>
-          <p:cNvPr id="9" name="Content Placeholder 8">
+              <a:rPr lang="en-US" dirty="0"/>
+              <a:t>Kubernetes 101</a:t>
+            </a:r>
+          </a:p>
+        </p:txBody>
+      </p:sp>
+      <p:sp>
+        <p:nvSpPr>
+          <p:cNvPr id="5" name="Content Placeholder 4">
             <a:extLst>
               <a:ext uri="{FF2B5EF4-FFF2-40B4-BE49-F238E27FC236}">
-                <a16:creationId xmlns:a16="http://schemas.microsoft.com/office/drawing/2014/main" id="{5E43D4B1-0BE9-4CA9-9A44-66749743FCCD}"/>
+                <a16:creationId xmlns:a16="http://schemas.microsoft.com/office/drawing/2014/main" id="{8625C482-1685-437D-96BF-8685E035E320}"/>
               </a:ext>
             </a:extLst>
           </p:cNvPr>
@@ -13198,205 +13088,106 @@
             <a:spLocks noGrp="1"/>
           </p:cNvSpPr>
           <p:nvPr>
-            <p:ph sz="quarter" idx="22"/>
+            <p:ph sz="quarter" idx="12"/>
           </p:nvPr>
         </p:nvSpPr>
-        <p:spPr>
-          <a:xfrm>
-            <a:off x="467544" y="178629"/>
-            <a:ext cx="5328592" cy="4721065"/>
-          </a:xfrm>
-        </p:spPr>
+        <p:spPr/>
         <p:txBody>
           <a:bodyPr/>
           <a:lstStyle/>
           <a:p>
             <a:r>
-              <a:rPr lang="en-US" noProof="1">
-                <a:solidFill>
-                  <a:schemeClr val="tx1">
-                    <a:lumMod val="60000"/>
-                    <a:lumOff val="40000"/>
-                  </a:schemeClr>
-                </a:solidFill>
+              <a:rPr lang="en-US" dirty="0"/>
+              <a:t>Service</a:t>
+            </a:r>
+          </a:p>
+          <a:p>
+            <a:pPr lvl="1"/>
+            <a:r>
+              <a:rPr lang="en-US" dirty="0"/>
+              <a:t>Each services gets its own stable IP address, DNS name, and port</a:t>
+            </a:r>
+          </a:p>
+          <a:p>
+            <a:pPr lvl="1"/>
+            <a:r>
+              <a:rPr lang="en-US" dirty="0"/>
+              <a:t>Uses </a:t>
+            </a:r>
+            <a:r>
+              <a:rPr lang="en-US" i="1" dirty="0"/>
+              <a:t>labels </a:t>
+            </a:r>
+            <a:r>
+              <a:rPr lang="en-US" dirty="0"/>
+              <a:t>to dynamically associate with Pods</a:t>
+            </a:r>
+          </a:p>
+          <a:p>
+            <a:pPr lvl="1"/>
+            <a:r>
+              <a:rPr lang="en-US" dirty="0"/>
+              <a:t>Load-balances requests across Pods</a:t>
+            </a:r>
+          </a:p>
+          <a:p>
+            <a:pPr lvl="1"/>
+            <a:r>
+              <a:rPr lang="en-US" dirty="0"/>
+              <a:t>Service type </a:t>
+            </a:r>
+            <a:r>
+              <a:rPr lang="en-US" i="1" dirty="0" err="1"/>
+              <a:t>LoadBalancer</a:t>
+            </a:r>
+            <a:r>
+              <a:rPr lang="en-US" dirty="0"/>
+              <a:t> </a:t>
+            </a:r>
+            <a:r>
+              <a:rPr lang="en-US" dirty="0">
+                <a:sym typeface="Wingdings" panose="05000000000000000000" pitchFamily="2" charset="2"/>
               </a:rPr>
-              <a:t># Connect kubectl with AKS</a:t>
-            </a:r>
-          </a:p>
-          <a:p>
-            <a:r>
-              <a:rPr lang="en-US" noProof="1"/>
-              <a:t>az aks get-credentials --resource-group azure-caas-demo \</a:t>
-            </a:r>
-          </a:p>
-          <a:p>
-            <a:r>
-              <a:rPr lang="en-US" noProof="1"/>
-              <a:t>	--name azure-caas-kube</a:t>
-            </a:r>
-          </a:p>
-          <a:p>
-            <a:endParaRPr lang="en-US" noProof="1"/>
-          </a:p>
-          <a:p>
-            <a:r>
-              <a:rPr lang="en-US" noProof="1">
-                <a:solidFill>
-                  <a:schemeClr val="tx1">
-                    <a:lumMod val="60000"/>
-                    <a:lumOff val="40000"/>
-                  </a:schemeClr>
-                </a:solidFill>
-              </a:rPr>
-              <a:t># Check connection to AKS</a:t>
-            </a:r>
-          </a:p>
-          <a:p>
-            <a:r>
-              <a:rPr lang="en-US" noProof="1"/>
-              <a:t>kubectl get nodes</a:t>
-            </a:r>
-          </a:p>
-          <a:p>
-            <a:endParaRPr lang="en-US" noProof="1"/>
-          </a:p>
-          <a:p>
-            <a:r>
-              <a:rPr lang="en-US" noProof="1">
-                <a:solidFill>
-                  <a:schemeClr val="tx1">
-                    <a:lumMod val="60000"/>
-                    <a:lumOff val="40000"/>
-                  </a:schemeClr>
-                </a:solidFill>
-              </a:rPr>
-              <a:t># Create Kubernetes deployments and services</a:t>
-            </a:r>
-          </a:p>
-          <a:p>
-            <a:r>
-              <a:rPr lang="en-US" noProof="1"/>
-              <a:t>kubectl create -f azure-vote-all-in-one-redis.yaml</a:t>
-            </a:r>
-          </a:p>
-          <a:p>
-            <a:endParaRPr lang="en-US" noProof="1"/>
-          </a:p>
-          <a:p>
-            <a:r>
-              <a:rPr lang="en-US" noProof="1">
-                <a:solidFill>
-                  <a:schemeClr val="tx1">
-                    <a:lumMod val="60000"/>
-                    <a:lumOff val="40000"/>
-                  </a:schemeClr>
-                </a:solidFill>
-              </a:rPr>
-              <a:t># Watch front-end service to get public IP</a:t>
-            </a:r>
-          </a:p>
-          <a:p>
-            <a:r>
-              <a:rPr lang="en-US" noProof="1"/>
-              <a:t>kubectl get service azure-vote-front --watch</a:t>
-            </a:r>
-          </a:p>
-          <a:p>
-            <a:endParaRPr lang="en-US" noProof="1"/>
-          </a:p>
-          <a:p>
-            <a:r>
-              <a:rPr lang="en-US" noProof="1">
-                <a:solidFill>
-                  <a:schemeClr val="tx1">
-                    <a:lumMod val="60000"/>
-                    <a:lumOff val="40000"/>
-                  </a:schemeClr>
-                </a:solidFill>
-              </a:rPr>
-              <a:t># Try to reach web app via public IP</a:t>
-            </a:r>
-          </a:p>
-          <a:p>
-            <a:endParaRPr lang="en-US" noProof="1"/>
-          </a:p>
-          <a:p>
-            <a:r>
-              <a:rPr lang="pt-BR" noProof="1">
-                <a:solidFill>
-                  <a:schemeClr val="tx1">
-                    <a:lumMod val="60000"/>
-                    <a:lumOff val="40000"/>
-                  </a:schemeClr>
-                </a:solidFill>
-              </a:rPr>
-              <a:t># Start Kubernetes dashboard (CMD, not </a:t>
-            </a:r>
-            <a:r>
-              <a:rPr lang="pt-BR" i="1" noProof="1">
-                <a:solidFill>
-                  <a:schemeClr val="tx1">
-                    <a:lumMod val="60000"/>
-                    <a:lumOff val="40000"/>
-                  </a:schemeClr>
-                </a:solidFill>
-              </a:rPr>
-              <a:t>bash</a:t>
-            </a:r>
-            <a:r>
-              <a:rPr lang="pt-BR" noProof="1">
-                <a:solidFill>
-                  <a:schemeClr val="tx1">
-                    <a:lumMod val="60000"/>
-                    <a:lumOff val="40000"/>
-                  </a:schemeClr>
-                </a:solidFill>
-              </a:rPr>
-              <a:t>!)</a:t>
-            </a:r>
-          </a:p>
-          <a:p>
-            <a:r>
-              <a:rPr lang="en-US" noProof="1"/>
-              <a:t>az aks browse --resource-group azure-caas-demo \</a:t>
-            </a:r>
-          </a:p>
-          <a:p>
-            <a:r>
-              <a:rPr lang="en-US" noProof="1"/>
-              <a:t>	--name azure-caas-kube</a:t>
-            </a:r>
-          </a:p>
-          <a:p>
-            <a:endParaRPr lang="en-US" noProof="1"/>
-          </a:p>
-          <a:p>
-            <a:r>
-              <a:rPr lang="en-US" noProof="1">
-                <a:solidFill>
-                  <a:schemeClr val="tx1">
-                    <a:lumMod val="60000"/>
-                    <a:lumOff val="40000"/>
-                  </a:schemeClr>
-                </a:solidFill>
-              </a:rPr>
-              <a:t># Scale Kubernetes server</a:t>
-            </a:r>
-          </a:p>
-          <a:p>
-            <a:r>
-              <a:rPr lang="en-US" noProof="1"/>
-              <a:t>az aks scale --resource-group azure-caas-demo \</a:t>
-            </a:r>
-          </a:p>
-          <a:p>
-            <a:r>
-              <a:rPr lang="en-US" noProof="1"/>
-              <a:t>	--name azure-caas-kube --node-count 2</a:t>
-            </a:r>
-          </a:p>
-          <a:p>
-            <a:endParaRPr lang="en-US" noProof="1"/>
+              <a:t> make service available outside the cluster</a:t>
+            </a:r>
+            <a:endParaRPr lang="en-US" dirty="0"/>
+          </a:p>
+          <a:p>
+            <a:r>
+              <a:rPr lang="en-US" dirty="0"/>
+              <a:t>Replication controllers</a:t>
+            </a:r>
+          </a:p>
+          <a:p>
+            <a:pPr lvl="1"/>
+            <a:r>
+              <a:rPr lang="en-US" dirty="0"/>
+              <a:t>Number of replicas for a Pod</a:t>
+            </a:r>
+          </a:p>
+          <a:p>
+            <a:pPr lvl="1"/>
+            <a:r>
+              <a:rPr lang="en-US" i="1" dirty="0"/>
+              <a:t>Desired State</a:t>
+            </a:r>
+          </a:p>
+          <a:p>
+            <a:r>
+              <a:rPr lang="en-US" dirty="0"/>
+              <a:t>Deployments</a:t>
+            </a:r>
+          </a:p>
+          <a:p>
+            <a:pPr lvl="1"/>
+            <a:r>
+              <a:rPr lang="en-US" dirty="0"/>
+              <a:t>Replication controller + </a:t>
+            </a:r>
+            <a:r>
+              <a:rPr lang="en-US" i="1" dirty="0"/>
+              <a:t>rolling updates</a:t>
+            </a:r>
           </a:p>
         </p:txBody>
       </p:sp>
@@ -13405,7 +13196,7 @@
           <p:cNvPr id="6" name="Text Placeholder 5">
             <a:extLst>
               <a:ext uri="{FF2B5EF4-FFF2-40B4-BE49-F238E27FC236}">
-                <a16:creationId xmlns:a16="http://schemas.microsoft.com/office/drawing/2014/main" id="{F8A11F8D-0CB6-495C-B124-0A2FB159DB76}"/>
+                <a16:creationId xmlns:a16="http://schemas.microsoft.com/office/drawing/2014/main" id="{A4C76904-CE6C-4A92-AA71-AF608490E6BA}"/>
               </a:ext>
             </a:extLst>
           </p:cNvPr>
@@ -13421,128 +13212,32 @@
           <a:bodyPr/>
           <a:lstStyle/>
           <a:p>
-            <a:r>
-              <a:rPr lang="en-US" dirty="0"/>
-              <a:t>Create AKS Cluster</a:t>
-            </a:r>
-          </a:p>
-        </p:txBody>
-      </p:sp>
-      <p:sp>
-        <p:nvSpPr>
-          <p:cNvPr id="10" name="Text Placeholder 9">
-            <a:extLst>
-              <a:ext uri="{FF2B5EF4-FFF2-40B4-BE49-F238E27FC236}">
-                <a16:creationId xmlns:a16="http://schemas.microsoft.com/office/drawing/2014/main" id="{A44AEF77-FACC-4670-8D58-D0BB6F115CAA}"/>
-              </a:ext>
-            </a:extLst>
-          </p:cNvPr>
-          <p:cNvSpPr>
-            <a:spLocks noGrp="1"/>
-          </p:cNvSpPr>
-          <p:nvPr>
-            <p:ph type="body" sz="quarter" idx="24"/>
-          </p:nvPr>
-        </p:nvSpPr>
-        <p:spPr/>
-        <p:txBody>
-          <a:bodyPr/>
-          <a:lstStyle/>
-          <a:p>
-            <a:r>
-              <a:rPr lang="en-US" dirty="0"/>
-              <a:t>Deploy app to AKS</a:t>
-            </a:r>
-          </a:p>
-        </p:txBody>
-      </p:sp>
-      <p:sp>
-        <p:nvSpPr>
-          <p:cNvPr id="11" name="Text Placeholder 10">
-            <a:extLst>
-              <a:ext uri="{FF2B5EF4-FFF2-40B4-BE49-F238E27FC236}">
-                <a16:creationId xmlns:a16="http://schemas.microsoft.com/office/drawing/2014/main" id="{07D091DA-9215-420B-8F52-AF755EE465BC}"/>
-              </a:ext>
-            </a:extLst>
-          </p:cNvPr>
-          <p:cNvSpPr>
-            <a:spLocks noGrp="1"/>
-          </p:cNvSpPr>
-          <p:nvPr>
-            <p:ph type="body" sz="quarter" idx="25"/>
-          </p:nvPr>
-        </p:nvSpPr>
-        <p:spPr/>
-        <p:txBody>
-          <a:bodyPr/>
-          <a:lstStyle/>
-          <a:p>
-            <a:r>
-              <a:rPr lang="en-US" sz="700" dirty="0">
-                <a:hlinkClick r:id="rId2"/>
-              </a:rPr>
-              <a:t>https://docs.microsoft.com/en-us/azure/aks/kubernetes-walkthrough</a:t>
-            </a:r>
-            <a:br>
-              <a:rPr lang="en-US" sz="700" dirty="0"/>
-            </a:br>
-            <a:endParaRPr lang="en-US" sz="700" dirty="0"/>
-          </a:p>
-          <a:p>
-            <a:r>
-              <a:rPr lang="en-US" sz="700" dirty="0"/>
-              <a:t>Note: Due to preview limitations, location has to be </a:t>
-            </a:r>
-            <a:r>
-              <a:rPr lang="en-US" sz="700" i="1" dirty="0" err="1"/>
-              <a:t>eastus</a:t>
-            </a:r>
-            <a:r>
-              <a:rPr lang="en-US" sz="700" dirty="0"/>
-              <a:t>, for details see </a:t>
-            </a:r>
-            <a:r>
-              <a:rPr lang="en-US" sz="700" dirty="0">
-                <a:hlinkClick r:id="rId3"/>
-              </a:rPr>
-              <a:t>https://github.com/Azure/AKS/blob/master/preview_regions.md</a:t>
-            </a:r>
-            <a:r>
-              <a:rPr lang="en-US" sz="700" dirty="0"/>
-              <a:t> </a:t>
-            </a:r>
-          </a:p>
-          <a:p>
-            <a:endParaRPr lang="en-US" sz="700" dirty="0"/>
-          </a:p>
-          <a:p>
-            <a:r>
-              <a:rPr lang="en-US" sz="700" dirty="0"/>
-              <a:t>Note: Uses demo app from git clone </a:t>
-            </a:r>
-            <a:r>
-              <a:rPr lang="en-US" sz="700" dirty="0">
-                <a:hlinkClick r:id="rId4"/>
-              </a:rPr>
-              <a:t>https://github.com/Azure-Samples/azure-voting-app-redis.git</a:t>
-            </a:r>
-            <a:endParaRPr lang="en-US" sz="700" dirty="0"/>
+            <a:endParaRPr lang="en-US"/>
           </a:p>
         </p:txBody>
       </p:sp>
     </p:spTree>
     <p:extLst>
       <p:ext uri="{BB962C8B-B14F-4D97-AF65-F5344CB8AC3E}">
-        <p14:creationId xmlns:p14="http://schemas.microsoft.com/office/powerpoint/2010/main" val="505014173"/>
+        <p14:creationId xmlns:p14="http://schemas.microsoft.com/office/powerpoint/2010/main" val="1622866409"/>
       </p:ext>
     </p:extLst>
   </p:cSld>
   <p:clrMapOvr>
     <a:masterClrMapping/>
   </p:clrMapOvr>
-  <p:transition spd="slow">
-    <p:push/>
-  </p:transition>
+  <mc:AlternateContent xmlns:mc="http://schemas.openxmlformats.org/markup-compatibility/2006" xmlns:p14="http://schemas.microsoft.com/office/powerpoint/2010/main">
+    <mc:Choice Requires="p14">
+      <p:transition spd="med" p14:dur="700">
+        <p:fade/>
+      </p:transition>
+    </mc:Choice>
+    <mc:Fallback xmlns="">
+      <p:transition spd="med">
+        <p:fade/>
+      </p:transition>
+    </mc:Fallback>
+  </mc:AlternateContent>
 </p:sld>
 </file>
 
@@ -13565,10 +13260,10 @@
       </p:grpSpPr>
       <p:sp>
         <p:nvSpPr>
-          <p:cNvPr id="2" name="Title 1">
+          <p:cNvPr id="4" name="Title 3">
             <a:extLst>
               <a:ext uri="{FF2B5EF4-FFF2-40B4-BE49-F238E27FC236}">
-                <a16:creationId xmlns:a16="http://schemas.microsoft.com/office/drawing/2014/main" id="{2A0334D8-9A3E-4AD0-B816-4869B0D2EF25}"/>
+                <a16:creationId xmlns:a16="http://schemas.microsoft.com/office/drawing/2014/main" id="{071972D3-D5EE-4EFF-86B9-C2D8076365D3}"/>
               </a:ext>
             </a:extLst>
           </p:cNvPr>
@@ -13585,19 +13280,18 @@
           <a:lstStyle/>
           <a:p>
             <a:r>
-              <a:rPr lang="en-US"/>
-              <a:t>Manifest</a:t>
-            </a:r>
-            <a:endParaRPr lang="en-US" dirty="0"/>
-          </a:p>
-        </p:txBody>
-      </p:sp>
-      <p:sp>
-        <p:nvSpPr>
-          <p:cNvPr id="3" name="Content Placeholder 2">
+              <a:rPr lang="en-US" dirty="0"/>
+              <a:t>AKS</a:t>
+            </a:r>
+          </a:p>
+        </p:txBody>
+      </p:sp>
+      <p:sp>
+        <p:nvSpPr>
+          <p:cNvPr id="5" name="Content Placeholder 4">
             <a:extLst>
               <a:ext uri="{FF2B5EF4-FFF2-40B4-BE49-F238E27FC236}">
-                <a16:creationId xmlns:a16="http://schemas.microsoft.com/office/drawing/2014/main" id="{88356D5B-5E65-4CD8-B009-D24FBBB78711}"/>
+                <a16:creationId xmlns:a16="http://schemas.microsoft.com/office/drawing/2014/main" id="{8625C482-1685-437D-96BF-8685E035E320}"/>
               </a:ext>
             </a:extLst>
           </p:cNvPr>
@@ -13605,7 +13299,7 @@
             <a:spLocks noGrp="1"/>
           </p:cNvSpPr>
           <p:nvPr>
-            <p:ph sz="quarter" idx="22"/>
+            <p:ph sz="quarter" idx="12"/>
           </p:nvPr>
         </p:nvSpPr>
         <p:spPr/>
@@ -13614,204 +13308,55 @@
           <a:lstStyle/>
           <a:p>
             <a:r>
-              <a:rPr lang="en-US" sz="1100" noProof="1"/>
-              <a:t>apiVersion: apps/v1beta1</a:t>
-            </a:r>
-          </a:p>
-          <a:p>
-            <a:r>
-              <a:rPr lang="en-US" sz="1100" noProof="1"/>
-              <a:t>kind: </a:t>
-            </a:r>
-            <a:r>
-              <a:rPr lang="en-US" sz="1100" noProof="1">
-                <a:solidFill>
-                  <a:srgbClr val="FF0000"/>
-                </a:solidFill>
+              <a:rPr lang="en-US" i="1" dirty="0"/>
+              <a:t>Managed </a:t>
+            </a:r>
+            <a:r>
+              <a:rPr lang="en-US" dirty="0"/>
+              <a:t>Kubernetes in Azure</a:t>
+            </a:r>
+          </a:p>
+          <a:p>
+            <a:pPr lvl="1"/>
+            <a:r>
+              <a:rPr lang="en-US" dirty="0"/>
+              <a:t>No direct access (SSH) to the cluster</a:t>
+            </a:r>
+          </a:p>
+          <a:p>
+            <a:r>
+              <a:rPr lang="en-US" dirty="0"/>
+              <a:t>Note preview limitations</a:t>
+            </a:r>
+          </a:p>
+          <a:p>
+            <a:pPr lvl="1"/>
+            <a:r>
+              <a:rPr lang="en-US" dirty="0"/>
+              <a:t>At the time of writing, no deployments possible in West Europe</a:t>
+            </a:r>
+            <a:endParaRPr lang="en-US" dirty="0">
+              <a:hlinkClick r:id="rId2"/>
+            </a:endParaRPr>
+          </a:p>
+          <a:p>
+            <a:pPr lvl="1"/>
+            <a:r>
+              <a:rPr lang="en-US" dirty="0">
+                <a:hlinkClick r:id="rId2"/>
               </a:rPr>
-              <a:t>Deployment</a:t>
-            </a:r>
-          </a:p>
-          <a:p>
-            <a:r>
-              <a:rPr lang="en-US" sz="1100" noProof="1"/>
-              <a:t>metadata:</a:t>
-            </a:r>
-          </a:p>
-          <a:p>
-            <a:r>
-              <a:rPr lang="en-US" sz="1100" noProof="1"/>
-              <a:t>  name: azure-vote-back</a:t>
-            </a:r>
-          </a:p>
-          <a:p>
-            <a:r>
-              <a:rPr lang="en-US" sz="1100" noProof="1"/>
-              <a:t>spec:</a:t>
-            </a:r>
-          </a:p>
-          <a:p>
-            <a:r>
-              <a:rPr lang="en-US" sz="1100" noProof="1"/>
-              <a:t>  replicas: 1</a:t>
-            </a:r>
-          </a:p>
-          <a:p>
-            <a:r>
-              <a:rPr lang="en-US" sz="1100" noProof="1"/>
-              <a:t>  template:</a:t>
-            </a:r>
-          </a:p>
-          <a:p>
-            <a:r>
-              <a:rPr lang="en-US" sz="1100" noProof="1"/>
-              <a:t>    metadata:</a:t>
-            </a:r>
-          </a:p>
-          <a:p>
-            <a:r>
-              <a:rPr lang="en-US" sz="1100" noProof="1"/>
-              <a:t>      labels:</a:t>
-            </a:r>
-          </a:p>
-          <a:p>
-            <a:r>
-              <a:rPr lang="en-US" sz="1100" noProof="1"/>
-              <a:t>        app: azure-vote-back</a:t>
-            </a:r>
-          </a:p>
-          <a:p>
-            <a:r>
-              <a:rPr lang="en-US" sz="1100" noProof="1"/>
-              <a:t>    spec:</a:t>
-            </a:r>
-          </a:p>
-          <a:p>
-            <a:r>
-              <a:rPr lang="en-US" sz="1100" noProof="1"/>
-              <a:t>      containers:</a:t>
-            </a:r>
-          </a:p>
-          <a:p>
-            <a:r>
-              <a:rPr lang="en-US" sz="1100" noProof="1"/>
-              <a:t>      - name: azure-vote-back</a:t>
-            </a:r>
-          </a:p>
-          <a:p>
-            <a:r>
-              <a:rPr lang="en-US" sz="1100" noProof="1"/>
-              <a:t>        image: </a:t>
-            </a:r>
-            <a:r>
-              <a:rPr lang="en-US" sz="1100" noProof="1">
-                <a:solidFill>
-                  <a:srgbClr val="FF0000"/>
-                </a:solidFill>
-              </a:rPr>
-              <a:t>redis</a:t>
-            </a:r>
-          </a:p>
-          <a:p>
-            <a:r>
-              <a:rPr lang="en-US" sz="1100" noProof="1"/>
-              <a:t>        ports:</a:t>
-            </a:r>
-          </a:p>
-          <a:p>
-            <a:r>
-              <a:rPr lang="en-US" sz="1100" noProof="1"/>
-              <a:t>        - containerPort: 6379</a:t>
-            </a:r>
-          </a:p>
-          <a:p>
-            <a:r>
-              <a:rPr lang="en-US" sz="1100" noProof="1"/>
-              <a:t>          name: redis</a:t>
-            </a:r>
-          </a:p>
-          <a:p>
-            <a:r>
-              <a:rPr lang="en-US" sz="1100" noProof="1"/>
-              <a:t>---</a:t>
-            </a:r>
-          </a:p>
-          <a:p>
-            <a:r>
-              <a:rPr lang="en-US" sz="1100" noProof="1"/>
-              <a:t>apiVersion: v1</a:t>
-            </a:r>
-          </a:p>
-          <a:p>
-            <a:r>
-              <a:rPr lang="en-US" sz="1100" noProof="1"/>
-              <a:t>kind: </a:t>
-            </a:r>
-            <a:r>
-              <a:rPr lang="en-US" sz="1100" noProof="1">
-                <a:solidFill>
-                  <a:srgbClr val="FF0000"/>
-                </a:solidFill>
-              </a:rPr>
-              <a:t>Service</a:t>
-            </a:r>
-          </a:p>
-          <a:p>
-            <a:r>
-              <a:rPr lang="en-US" sz="1100" noProof="1"/>
-              <a:t>metadata:</a:t>
-            </a:r>
-          </a:p>
-          <a:p>
-            <a:r>
-              <a:rPr lang="en-US" sz="1100" noProof="1"/>
-              <a:t>  name: azure-vote-back</a:t>
-            </a:r>
-          </a:p>
-          <a:p>
-            <a:r>
-              <a:rPr lang="en-US" sz="1100" noProof="1"/>
-              <a:t>spec:</a:t>
-            </a:r>
-          </a:p>
-          <a:p>
-            <a:r>
-              <a:rPr lang="en-US" sz="1100" noProof="1"/>
-              <a:t>  ports:</a:t>
-            </a:r>
-          </a:p>
-          <a:p>
-            <a:r>
-              <a:rPr lang="en-US" sz="1100" noProof="1"/>
-              <a:t>  - port: 6379</a:t>
-            </a:r>
-          </a:p>
-          <a:p>
-            <a:r>
-              <a:rPr lang="en-US" sz="1100" noProof="1"/>
-              <a:t>  selector:</a:t>
-            </a:r>
-          </a:p>
-          <a:p>
-            <a:r>
-              <a:rPr lang="en-US" sz="1100" noProof="1"/>
-              <a:t>    app: azure-vote-back</a:t>
-            </a:r>
-          </a:p>
-          <a:p>
-            <a:r>
-              <a:rPr lang="en-US" sz="1100" noProof="1"/>
-              <a:t>---</a:t>
-            </a:r>
-          </a:p>
-        </p:txBody>
-      </p:sp>
-      <p:sp>
-        <p:nvSpPr>
-          <p:cNvPr id="4" name="Text Placeholder 3">
+              <a:t>Read more…</a:t>
+            </a:r>
+            <a:endParaRPr lang="en-US" dirty="0"/>
+          </a:p>
+        </p:txBody>
+      </p:sp>
+      <p:sp>
+        <p:nvSpPr>
+          <p:cNvPr id="6" name="Text Placeholder 5">
             <a:extLst>
               <a:ext uri="{FF2B5EF4-FFF2-40B4-BE49-F238E27FC236}">
-                <a16:creationId xmlns:a16="http://schemas.microsoft.com/office/drawing/2014/main" id="{1D18CB14-23F0-4C7A-AD53-4E984F2AA98F}"/>
+                <a16:creationId xmlns:a16="http://schemas.microsoft.com/office/drawing/2014/main" id="{A4C76904-CE6C-4A92-AA71-AF608490E6BA}"/>
               </a:ext>
             </a:extLst>
           </p:cNvPr>
@@ -13827,111 +13372,38 @@
           <a:bodyPr/>
           <a:lstStyle/>
           <a:p>
+            <a:r>
+              <a:rPr lang="en-US" dirty="0">
+                <a:hlinkClick r:id="rId3"/>
+              </a:rPr>
+              <a:t>https://docs.microsoft.com/en-us/azure/aks/intro-kubernetes</a:t>
+            </a:r>
             <a:endParaRPr lang="en-US" dirty="0"/>
-          </a:p>
-        </p:txBody>
-      </p:sp>
-      <p:sp>
-        <p:nvSpPr>
-          <p:cNvPr id="5" name="Text Placeholder 4">
-            <a:extLst>
-              <a:ext uri="{FF2B5EF4-FFF2-40B4-BE49-F238E27FC236}">
-                <a16:creationId xmlns:a16="http://schemas.microsoft.com/office/drawing/2014/main" id="{DC07CEAD-1093-4ADD-919E-B0C338773CDC}"/>
-              </a:ext>
-            </a:extLst>
-          </p:cNvPr>
-          <p:cNvSpPr>
-            <a:spLocks noGrp="1"/>
-          </p:cNvSpPr>
-          <p:nvPr>
-            <p:ph type="body" sz="quarter" idx="24"/>
-          </p:nvPr>
-        </p:nvSpPr>
-        <p:spPr/>
-        <p:txBody>
-          <a:bodyPr/>
-          <a:lstStyle/>
-          <a:p>
-            <a:r>
-              <a:rPr lang="en-US" dirty="0"/>
-              <a:t>Deploy </a:t>
-            </a:r>
-            <a:r>
-              <a:rPr lang="en-US" i="1" dirty="0" err="1"/>
-              <a:t>Redis</a:t>
-            </a:r>
-            <a:r>
-              <a:rPr lang="en-US" i="1" dirty="0"/>
-              <a:t> </a:t>
-            </a:r>
-            <a:r>
-              <a:rPr lang="en-US" dirty="0"/>
-              <a:t>backend</a:t>
-            </a:r>
-          </a:p>
-          <a:p>
-            <a:r>
-              <a:rPr lang="en-US" dirty="0"/>
-              <a:t>Create service with </a:t>
-            </a:r>
-            <a:r>
-              <a:rPr lang="en-US" i="1" dirty="0"/>
-              <a:t>internal</a:t>
-            </a:r>
-            <a:r>
-              <a:rPr lang="en-US" dirty="0"/>
-              <a:t> IP and DNS name</a:t>
-            </a:r>
-          </a:p>
-        </p:txBody>
-      </p:sp>
-      <p:sp>
-        <p:nvSpPr>
-          <p:cNvPr id="6" name="Text Placeholder 5">
-            <a:extLst>
-              <a:ext uri="{FF2B5EF4-FFF2-40B4-BE49-F238E27FC236}">
-                <a16:creationId xmlns:a16="http://schemas.microsoft.com/office/drawing/2014/main" id="{D1DE23CE-C3E7-4D8C-BA43-FA87BA825AF2}"/>
-              </a:ext>
-            </a:extLst>
-          </p:cNvPr>
-          <p:cNvSpPr>
-            <a:spLocks noGrp="1"/>
-          </p:cNvSpPr>
-          <p:nvPr>
-            <p:ph type="body" sz="quarter" idx="25"/>
-          </p:nvPr>
-        </p:nvSpPr>
-        <p:spPr/>
-        <p:txBody>
-          <a:bodyPr/>
-          <a:lstStyle/>
-          <a:p>
-            <a:r>
-              <a:rPr lang="en-US" dirty="0">
-                <a:hlinkClick r:id="rId2"/>
-              </a:rPr>
-              <a:t>https://hub.docker.com/_/redis/</a:t>
-            </a:r>
-            <a:r>
-              <a:rPr lang="en-US" dirty="0"/>
-              <a:t> </a:t>
-            </a:r>
           </a:p>
         </p:txBody>
       </p:sp>
     </p:spTree>
     <p:extLst>
       <p:ext uri="{BB962C8B-B14F-4D97-AF65-F5344CB8AC3E}">
-        <p14:creationId xmlns:p14="http://schemas.microsoft.com/office/powerpoint/2010/main" val="1764902305"/>
+        <p14:creationId xmlns:p14="http://schemas.microsoft.com/office/powerpoint/2010/main" val="1088021400"/>
       </p:ext>
     </p:extLst>
   </p:cSld>
   <p:clrMapOvr>
     <a:masterClrMapping/>
   </p:clrMapOvr>
-  <p:transition spd="slow">
-    <p:push/>
-  </p:transition>
+  <mc:AlternateContent xmlns:mc="http://schemas.openxmlformats.org/markup-compatibility/2006" xmlns:p14="http://schemas.microsoft.com/office/powerpoint/2010/main">
+    <mc:Choice Requires="p14">
+      <p:transition spd="med" p14:dur="700">
+        <p:fade/>
+      </p:transition>
+    </mc:Choice>
+    <mc:Fallback xmlns="">
+      <p:transition spd="med">
+        <p:fade/>
+      </p:transition>
+    </mc:Fallback>
+  </mc:AlternateContent>
 </p:sld>
 </file>
 
@@ -13957,7 +13429,7 @@
           <p:cNvPr id="2" name="Title 1">
             <a:extLst>
               <a:ext uri="{FF2B5EF4-FFF2-40B4-BE49-F238E27FC236}">
-                <a16:creationId xmlns:a16="http://schemas.microsoft.com/office/drawing/2014/main" id="{2A0334D8-9A3E-4AD0-B816-4869B0D2EF25}"/>
+                <a16:creationId xmlns:a16="http://schemas.microsoft.com/office/drawing/2014/main" id="{25AD9DA0-0FEE-4602-BE90-C190707FCC7C}"/>
               </a:ext>
             </a:extLst>
           </p:cNvPr>
@@ -13975,18 +13447,17 @@
           <a:p>
             <a:r>
               <a:rPr lang="en-US"/>
-              <a:t>Manifest</a:t>
-            </a:r>
-            <a:endParaRPr lang="en-US" dirty="0"/>
-          </a:p>
-        </p:txBody>
-      </p:sp>
-      <p:sp>
-        <p:nvSpPr>
-          <p:cNvPr id="3" name="Content Placeholder 2">
+              <a:t>Demo</a:t>
+            </a:r>
+          </a:p>
+        </p:txBody>
+      </p:sp>
+      <p:sp>
+        <p:nvSpPr>
+          <p:cNvPr id="9" name="Content Placeholder 8">
             <a:extLst>
               <a:ext uri="{FF2B5EF4-FFF2-40B4-BE49-F238E27FC236}">
-                <a16:creationId xmlns:a16="http://schemas.microsoft.com/office/drawing/2014/main" id="{88356D5B-5E65-4CD8-B009-D24FBBB78711}"/>
+                <a16:creationId xmlns:a16="http://schemas.microsoft.com/office/drawing/2014/main" id="{5E43D4B1-0BE9-4CA9-9A44-66749743FCCD}"/>
               </a:ext>
             </a:extLst>
           </p:cNvPr>
@@ -13997,218 +13468,164 @@
             <p:ph sz="quarter" idx="22"/>
           </p:nvPr>
         </p:nvSpPr>
-        <p:spPr/>
+        <p:spPr>
+          <a:xfrm>
+            <a:off x="467544" y="178629"/>
+            <a:ext cx="5328592" cy="4721065"/>
+          </a:xfrm>
+        </p:spPr>
         <p:txBody>
           <a:bodyPr/>
           <a:lstStyle/>
           <a:p>
             <a:r>
-              <a:rPr lang="en-US" sz="1050" noProof="1"/>
-              <a:t>apiVersion: apps/v1beta1</a:t>
-            </a:r>
-          </a:p>
-          <a:p>
-            <a:r>
-              <a:rPr lang="en-US" sz="1050" noProof="1"/>
-              <a:t>kind: </a:t>
-            </a:r>
-            <a:r>
-              <a:rPr lang="en-US" sz="1050" noProof="1">
-                <a:solidFill>
-                  <a:srgbClr val="FF0000"/>
+              <a:rPr lang="en-US" noProof="1">
+                <a:solidFill>
+                  <a:schemeClr val="tx1">
+                    <a:lumMod val="60000"/>
+                    <a:lumOff val="40000"/>
+                  </a:schemeClr>
                 </a:solidFill>
               </a:rPr>
-              <a:t>Deployment</a:t>
-            </a:r>
-          </a:p>
-          <a:p>
-            <a:r>
-              <a:rPr lang="en-US" sz="1050" noProof="1"/>
-              <a:t>metadata:</a:t>
-            </a:r>
-          </a:p>
-          <a:p>
-            <a:r>
-              <a:rPr lang="en-US" sz="1050" noProof="1"/>
-              <a:t>  name: azure-vote-front</a:t>
-            </a:r>
-          </a:p>
-          <a:p>
-            <a:r>
-              <a:rPr lang="en-US" sz="1050" noProof="1"/>
-              <a:t>spec:</a:t>
-            </a:r>
-          </a:p>
-          <a:p>
-            <a:r>
-              <a:rPr lang="en-US" sz="1050" noProof="1"/>
-              <a:t>  replicas: 1</a:t>
-            </a:r>
-          </a:p>
-          <a:p>
-            <a:r>
-              <a:rPr lang="en-US" sz="1050" noProof="1"/>
-              <a:t>  strategy:</a:t>
-            </a:r>
-          </a:p>
-          <a:p>
-            <a:r>
-              <a:rPr lang="en-US" sz="1050" noProof="1"/>
-              <a:t>    rollingUpdate:</a:t>
-            </a:r>
-          </a:p>
-          <a:p>
-            <a:r>
-              <a:rPr lang="en-US" sz="1050" noProof="1"/>
-              <a:t>      maxSurge: 1</a:t>
-            </a:r>
-          </a:p>
-          <a:p>
-            <a:r>
-              <a:rPr lang="en-US" sz="1050" noProof="1"/>
-              <a:t>      maxUnavailable: 1</a:t>
-            </a:r>
-          </a:p>
-          <a:p>
-            <a:r>
-              <a:rPr lang="en-US" sz="1050" noProof="1"/>
-              <a:t>  minReadySeconds: 5 </a:t>
-            </a:r>
-          </a:p>
-          <a:p>
-            <a:r>
-              <a:rPr lang="en-US" sz="1050" noProof="1"/>
-              <a:t>  template:</a:t>
-            </a:r>
-          </a:p>
-          <a:p>
-            <a:r>
-              <a:rPr lang="en-US" sz="1050" noProof="1"/>
-              <a:t>    metadata:</a:t>
-            </a:r>
-          </a:p>
-          <a:p>
-            <a:r>
-              <a:rPr lang="en-US" sz="1050" noProof="1"/>
-              <a:t>      labels:</a:t>
-            </a:r>
-          </a:p>
-          <a:p>
-            <a:r>
-              <a:rPr lang="en-US" sz="1050" noProof="1"/>
-              <a:t>        app: azure-vote-front</a:t>
-            </a:r>
-          </a:p>
-          <a:p>
-            <a:r>
-              <a:rPr lang="en-US" sz="1050" noProof="1"/>
-              <a:t>    spec:</a:t>
-            </a:r>
-          </a:p>
-          <a:p>
-            <a:r>
-              <a:rPr lang="en-US" sz="1050" noProof="1"/>
-              <a:t>      containers:</a:t>
-            </a:r>
-          </a:p>
-          <a:p>
-            <a:r>
-              <a:rPr lang="en-US" sz="1050" noProof="1"/>
-              <a:t>      - name: azure-vote-front</a:t>
-            </a:r>
-          </a:p>
-          <a:p>
-            <a:r>
-              <a:rPr lang="en-US" sz="1050" noProof="1"/>
-              <a:t>        image: </a:t>
-            </a:r>
-            <a:r>
-              <a:rPr lang="en-US" sz="1050" noProof="1">
-                <a:solidFill>
-                  <a:srgbClr val="FF0000"/>
+              <a:t># Note: Uses demo app from </a:t>
+            </a:r>
+          </a:p>
+          <a:p>
+            <a:r>
+              <a:rPr lang="en-US" noProof="1">
+                <a:solidFill>
+                  <a:schemeClr val="tx1">
+                    <a:lumMod val="60000"/>
+                    <a:lumOff val="40000"/>
+                  </a:schemeClr>
                 </a:solidFill>
               </a:rPr>
-              <a:t>azurecaas.azurecr.io</a:t>
-            </a:r>
-            <a:r>
-              <a:rPr lang="en-US" sz="1050" noProof="1"/>
-              <a:t>/azure-vote-front:v1</a:t>
-            </a:r>
-          </a:p>
-          <a:p>
-            <a:r>
-              <a:rPr lang="en-US" sz="1050" noProof="1"/>
-              <a:t>        ports:</a:t>
-            </a:r>
-          </a:p>
-          <a:p>
-            <a:r>
-              <a:rPr lang="en-US" sz="1050" noProof="1"/>
-              <a:t>        - containerPort: 80</a:t>
-            </a:r>
-          </a:p>
-          <a:p>
-            <a:r>
-              <a:rPr lang="en-US" sz="1050" noProof="1"/>
-              <a:t>        resources:</a:t>
-            </a:r>
-          </a:p>
-          <a:p>
-            <a:r>
-              <a:rPr lang="en-US" sz="1050" noProof="1"/>
-              <a:t>          requests:</a:t>
-            </a:r>
-          </a:p>
-          <a:p>
-            <a:r>
-              <a:rPr lang="en-US" sz="1050" noProof="1"/>
-              <a:t>            cpu: 250m</a:t>
-            </a:r>
-          </a:p>
-          <a:p>
-            <a:r>
-              <a:rPr lang="en-US" sz="1050" noProof="1"/>
-              <a:t>          limits:</a:t>
-            </a:r>
-          </a:p>
-          <a:p>
-            <a:r>
-              <a:rPr lang="en-US" sz="1050" noProof="1"/>
-              <a:t>            cpu: 500m</a:t>
-            </a:r>
-          </a:p>
-          <a:p>
-            <a:r>
-              <a:rPr lang="en-US" sz="1050" noProof="1"/>
-              <a:t>        env:</a:t>
-            </a:r>
-          </a:p>
-          <a:p>
-            <a:r>
-              <a:rPr lang="en-US" sz="1050" noProof="1"/>
-              <a:t>        - name: REDIS</a:t>
-            </a:r>
-          </a:p>
-          <a:p>
-            <a:r>
-              <a:rPr lang="en-US" sz="1050" noProof="1"/>
-              <a:t>          value: "azure-vote-back"</a:t>
-            </a:r>
-          </a:p>
-          <a:p>
-            <a:r>
-              <a:rPr lang="en-US" sz="1050" noProof="1"/>
-              <a:t>---</a:t>
-            </a:r>
-          </a:p>
-        </p:txBody>
-      </p:sp>
-      <p:sp>
-        <p:nvSpPr>
-          <p:cNvPr id="4" name="Text Placeholder 3">
+              <a:t># </a:t>
+            </a:r>
+            <a:r>
+              <a:rPr lang="en-US" noProof="1">
+                <a:solidFill>
+                  <a:schemeClr val="tx1">
+                    <a:lumMod val="60000"/>
+                    <a:lumOff val="40000"/>
+                  </a:schemeClr>
+                </a:solidFill>
+                <a:hlinkClick r:id="rId2"/>
+              </a:rPr>
+              <a:t>https://github.com/Azure-Samples/azure-voting-app-redis.git</a:t>
+            </a:r>
+            <a:endParaRPr lang="en-US" noProof="1">
+              <a:solidFill>
+                <a:schemeClr val="tx1">
+                  <a:lumMod val="60000"/>
+                  <a:lumOff val="40000"/>
+                </a:schemeClr>
+              </a:solidFill>
+            </a:endParaRPr>
+          </a:p>
+          <a:p>
+            <a:endParaRPr lang="en-US" noProof="1"/>
+          </a:p>
+          <a:p>
+            <a:r>
+              <a:rPr lang="en-US" noProof="1"/>
+              <a:t>cd ~/GitHub/azure-voting-app-redis</a:t>
+            </a:r>
+          </a:p>
+          <a:p>
+            <a:r>
+              <a:rPr lang="en-US" noProof="1"/>
+              <a:t>cat cat docker-compose.yaml</a:t>
+            </a:r>
+          </a:p>
+          <a:p>
+            <a:endParaRPr lang="en-US" noProof="1"/>
+          </a:p>
+          <a:p>
+            <a:r>
+              <a:rPr lang="en-US" noProof="1"/>
+              <a:t>docker-compose up -d</a:t>
+            </a:r>
+          </a:p>
+          <a:p>
+            <a:endParaRPr lang="en-US" noProof="1"/>
+          </a:p>
+          <a:p>
+            <a:r>
+              <a:rPr lang="en-US" noProof="1">
+                <a:solidFill>
+                  <a:schemeClr val="tx1">
+                    <a:lumMod val="60000"/>
+                    <a:lumOff val="40000"/>
+                  </a:schemeClr>
+                </a:solidFill>
+              </a:rPr>
+              <a:t># Try app at http://</a:t>
+            </a:r>
+            <a:r>
+              <a:rPr lang="en-US" i="1" noProof="1">
+                <a:solidFill>
+                  <a:schemeClr val="tx1">
+                    <a:lumMod val="60000"/>
+                    <a:lumOff val="40000"/>
+                  </a:schemeClr>
+                </a:solidFill>
+              </a:rPr>
+              <a:t>your-ip</a:t>
+            </a:r>
+            <a:r>
+              <a:rPr lang="en-US" noProof="1">
+                <a:solidFill>
+                  <a:schemeClr val="tx1">
+                    <a:lumMod val="60000"/>
+                    <a:lumOff val="40000"/>
+                  </a:schemeClr>
+                </a:solidFill>
+              </a:rPr>
+              <a:t>:8080</a:t>
+            </a:r>
+          </a:p>
+          <a:p>
+            <a:endParaRPr lang="en-US" noProof="1"/>
+          </a:p>
+          <a:p>
+            <a:r>
+              <a:rPr lang="en-US" noProof="1"/>
+              <a:t>docker images</a:t>
+            </a:r>
+          </a:p>
+          <a:p>
+            <a:r>
+              <a:rPr lang="en-US" noProof="1"/>
+              <a:t>docker ps</a:t>
+            </a:r>
+          </a:p>
+          <a:p>
+            <a:endParaRPr lang="en-US" noProof="1"/>
+          </a:p>
+          <a:p>
+            <a:r>
+              <a:rPr lang="en-US" noProof="1"/>
+              <a:t>docker-compose stop</a:t>
+            </a:r>
+          </a:p>
+          <a:p>
+            <a:r>
+              <a:rPr lang="en-US" noProof="1"/>
+              <a:t>docker-compose down</a:t>
+            </a:r>
+          </a:p>
+          <a:p>
+            <a:endParaRPr lang="en-US" noProof="1"/>
+          </a:p>
+        </p:txBody>
+      </p:sp>
+      <p:sp>
+        <p:nvSpPr>
+          <p:cNvPr id="6" name="Text Placeholder 5">
             <a:extLst>
               <a:ext uri="{FF2B5EF4-FFF2-40B4-BE49-F238E27FC236}">
-                <a16:creationId xmlns:a16="http://schemas.microsoft.com/office/drawing/2014/main" id="{1D18CB14-23F0-4C7A-AD53-4E984F2AA98F}"/>
+                <a16:creationId xmlns:a16="http://schemas.microsoft.com/office/drawing/2014/main" id="{F8A11F8D-0CB6-495C-B124-0A2FB159DB76}"/>
               </a:ext>
             </a:extLst>
           </p:cNvPr>
@@ -14224,16 +13641,19 @@
           <a:bodyPr/>
           <a:lstStyle/>
           <a:p>
-            <a:endParaRPr lang="en-US" dirty="0"/>
-          </a:p>
-        </p:txBody>
-      </p:sp>
-      <p:sp>
-        <p:nvSpPr>
-          <p:cNvPr id="5" name="Text Placeholder 4">
+            <a:r>
+              <a:rPr lang="en-US" dirty="0"/>
+              <a:t>Prepare image</a:t>
+            </a:r>
+          </a:p>
+        </p:txBody>
+      </p:sp>
+      <p:sp>
+        <p:nvSpPr>
+          <p:cNvPr id="10" name="Text Placeholder 9">
             <a:extLst>
               <a:ext uri="{FF2B5EF4-FFF2-40B4-BE49-F238E27FC236}">
-                <a16:creationId xmlns:a16="http://schemas.microsoft.com/office/drawing/2014/main" id="{DC07CEAD-1093-4ADD-919E-B0C338773CDC}"/>
+                <a16:creationId xmlns:a16="http://schemas.microsoft.com/office/drawing/2014/main" id="{A44AEF77-FACC-4670-8D58-D0BB6F115CAA}"/>
               </a:ext>
             </a:extLst>
           </p:cNvPr>
@@ -14250,31 +13670,24 @@
           <a:lstStyle/>
           <a:p>
             <a:r>
-              <a:rPr lang="en-US"/>
-              <a:t>Deploy front-end</a:t>
-            </a:r>
-          </a:p>
-          <a:p>
-            <a:r>
-              <a:rPr lang="en-US"/>
-              <a:t>Rolling update</a:t>
-            </a:r>
-          </a:p>
-          <a:p>
-            <a:r>
-              <a:rPr lang="en-US"/>
-              <a:t>Get image from ACR</a:t>
-            </a:r>
-            <a:endParaRPr lang="en-US" dirty="0"/>
-          </a:p>
-        </p:txBody>
-      </p:sp>
-      <p:sp>
-        <p:nvSpPr>
-          <p:cNvPr id="6" name="Text Placeholder 5">
+              <a:rPr lang="en-US" dirty="0"/>
+              <a:t>Create images locally</a:t>
+            </a:r>
+          </a:p>
+          <a:p>
+            <a:r>
+              <a:rPr lang="en-US" dirty="0"/>
+              <a:t>Test application locally</a:t>
+            </a:r>
+          </a:p>
+        </p:txBody>
+      </p:sp>
+      <p:sp>
+        <p:nvSpPr>
+          <p:cNvPr id="11" name="Text Placeholder 10">
             <a:extLst>
               <a:ext uri="{FF2B5EF4-FFF2-40B4-BE49-F238E27FC236}">
-                <a16:creationId xmlns:a16="http://schemas.microsoft.com/office/drawing/2014/main" id="{D1DE23CE-C3E7-4D8C-BA43-FA87BA825AF2}"/>
+                <a16:creationId xmlns:a16="http://schemas.microsoft.com/office/drawing/2014/main" id="{07D091DA-9215-420B-8F52-AF755EE465BC}"/>
               </a:ext>
             </a:extLst>
           </p:cNvPr>
@@ -14290,23 +13703,38 @@
           <a:bodyPr/>
           <a:lstStyle/>
           <a:p>
-            <a:endParaRPr lang="en-US" dirty="0"/>
+            <a:r>
+              <a:rPr lang="en-US" sz="700" dirty="0">
+                <a:hlinkClick r:id="rId3"/>
+              </a:rPr>
+              <a:t>https://docs.microsoft.com/en-us/azure/aks/kubernetes-walkthrough</a:t>
+            </a:r>
+            <a:endParaRPr lang="en-US" sz="700" dirty="0"/>
           </a:p>
         </p:txBody>
       </p:sp>
     </p:spTree>
     <p:extLst>
       <p:ext uri="{BB962C8B-B14F-4D97-AF65-F5344CB8AC3E}">
-        <p14:creationId xmlns:p14="http://schemas.microsoft.com/office/powerpoint/2010/main" val="2756498968"/>
+        <p14:creationId xmlns:p14="http://schemas.microsoft.com/office/powerpoint/2010/main" val="3399747740"/>
       </p:ext>
     </p:extLst>
   </p:cSld>
   <p:clrMapOvr>
     <a:masterClrMapping/>
   </p:clrMapOvr>
-  <p:transition spd="slow">
-    <p:push/>
-  </p:transition>
+  <mc:AlternateContent xmlns:mc="http://schemas.openxmlformats.org/markup-compatibility/2006" xmlns:p14="http://schemas.microsoft.com/office/powerpoint/2010/main">
+    <mc:Choice Requires="p14">
+      <p:transition spd="med" p14:dur="700">
+        <p:fade/>
+      </p:transition>
+    </mc:Choice>
+    <mc:Fallback xmlns="">
+      <p:transition spd="med">
+        <p:fade/>
+      </p:transition>
+    </mc:Fallback>
+  </mc:AlternateContent>
 </p:sld>
 </file>
 
@@ -14332,6 +13760,953 @@
           <p:cNvPr id="2" name="Title 1">
             <a:extLst>
               <a:ext uri="{FF2B5EF4-FFF2-40B4-BE49-F238E27FC236}">
+                <a16:creationId xmlns:a16="http://schemas.microsoft.com/office/drawing/2014/main" id="{25AD9DA0-0FEE-4602-BE90-C190707FCC7C}"/>
+              </a:ext>
+            </a:extLst>
+          </p:cNvPr>
+          <p:cNvSpPr>
+            <a:spLocks noGrp="1"/>
+          </p:cNvSpPr>
+          <p:nvPr>
+            <p:ph type="title"/>
+          </p:nvPr>
+        </p:nvSpPr>
+        <p:spPr/>
+        <p:txBody>
+          <a:bodyPr/>
+          <a:lstStyle/>
+          <a:p>
+            <a:r>
+              <a:rPr lang="en-US"/>
+              <a:t>Demo</a:t>
+            </a:r>
+          </a:p>
+        </p:txBody>
+      </p:sp>
+      <p:sp>
+        <p:nvSpPr>
+          <p:cNvPr id="9" name="Content Placeholder 8">
+            <a:extLst>
+              <a:ext uri="{FF2B5EF4-FFF2-40B4-BE49-F238E27FC236}">
+                <a16:creationId xmlns:a16="http://schemas.microsoft.com/office/drawing/2014/main" id="{5E43D4B1-0BE9-4CA9-9A44-66749743FCCD}"/>
+              </a:ext>
+            </a:extLst>
+          </p:cNvPr>
+          <p:cNvSpPr>
+            <a:spLocks noGrp="1"/>
+          </p:cNvSpPr>
+          <p:nvPr>
+            <p:ph sz="quarter" idx="22"/>
+          </p:nvPr>
+        </p:nvSpPr>
+        <p:spPr>
+          <a:xfrm>
+            <a:off x="467544" y="178629"/>
+            <a:ext cx="5328592" cy="4721065"/>
+          </a:xfrm>
+        </p:spPr>
+        <p:txBody>
+          <a:bodyPr/>
+          <a:lstStyle/>
+          <a:p>
+            <a:r>
+              <a:rPr lang="pt-BR" noProof="1"/>
+              <a:t>az provider register -n Microsoft.ContainerService</a:t>
+            </a:r>
+          </a:p>
+          <a:p>
+            <a:endParaRPr lang="pt-BR" noProof="1"/>
+          </a:p>
+          <a:p>
+            <a:r>
+              <a:rPr lang="pt-BR" noProof="1">
+                <a:solidFill>
+                  <a:schemeClr val="tx1">
+                    <a:lumMod val="60000"/>
+                    <a:lumOff val="40000"/>
+                  </a:schemeClr>
+                </a:solidFill>
+              </a:rPr>
+              <a:t># Push demo docker image to ACR (web frontend)</a:t>
+            </a:r>
+          </a:p>
+          <a:p>
+            <a:r>
+              <a:rPr lang="pt-BR" noProof="1"/>
+              <a:t>docker tag azure-vote-front \</a:t>
+            </a:r>
+          </a:p>
+          <a:p>
+            <a:r>
+              <a:rPr lang="pt-BR" noProof="1"/>
+              <a:t>	</a:t>
+            </a:r>
+            <a:r>
+              <a:rPr lang="en-US" noProof="1"/>
+              <a:t>azurecaas.azurecr.io</a:t>
+            </a:r>
+            <a:r>
+              <a:rPr lang="pt-BR" noProof="1"/>
+              <a:t>/azure-vote-front:v1</a:t>
+            </a:r>
+          </a:p>
+          <a:p>
+            <a:r>
+              <a:rPr lang="en-US" noProof="1"/>
+              <a:t>docker push azurecaas.azurecr.io/azure-vote-front:v1</a:t>
+            </a:r>
+          </a:p>
+          <a:p>
+            <a:endParaRPr lang="pt-BR" noProof="1"/>
+          </a:p>
+          <a:p>
+            <a:r>
+              <a:rPr lang="pt-BR" noProof="1">
+                <a:solidFill>
+                  <a:schemeClr val="tx1">
+                    <a:lumMod val="60000"/>
+                    <a:lumOff val="40000"/>
+                  </a:schemeClr>
+                </a:solidFill>
+              </a:rPr>
+              <a:t># Create service principal for AKS (or change password)</a:t>
+            </a:r>
+          </a:p>
+          <a:p>
+            <a:r>
+              <a:rPr lang="en-US" noProof="1"/>
+              <a:t>az ad sp create-for-rbac --name azurecaas \</a:t>
+            </a:r>
+          </a:p>
+          <a:p>
+            <a:r>
+              <a:rPr lang="en-US" noProof="1"/>
+              <a:t>	--password P@ssw0rd123</a:t>
+            </a:r>
+          </a:p>
+          <a:p>
+            <a:r>
+              <a:rPr lang="en-US" noProof="1"/>
+              <a:t>az ad sp credential reset --name azurecaas --password P@ssw0rd123</a:t>
+            </a:r>
+          </a:p>
+          <a:p>
+            <a:endParaRPr lang="pt-BR" noProof="1"/>
+          </a:p>
+          <a:p>
+            <a:r>
+              <a:rPr lang="pt-BR" noProof="1">
+                <a:solidFill>
+                  <a:schemeClr val="tx1">
+                    <a:lumMod val="60000"/>
+                    <a:lumOff val="40000"/>
+                  </a:schemeClr>
+                </a:solidFill>
+              </a:rPr>
+              <a:t># Assign “reader” role for ACR to AKS service principal</a:t>
+            </a:r>
+          </a:p>
+          <a:p>
+            <a:r>
+              <a:rPr lang="pt-BR" noProof="1"/>
+              <a:t>az acr show --name azurecaas --resource-group azure-caas-demo --query "id"</a:t>
+            </a:r>
+          </a:p>
+          <a:p>
+            <a:r>
+              <a:rPr lang="pt-BR" noProof="1"/>
+              <a:t>az role assignment create --assignee ...(app id) --role Reader --scope ...(ACR id)</a:t>
+            </a:r>
+          </a:p>
+          <a:p>
+            <a:endParaRPr lang="pt-BR" noProof="1"/>
+          </a:p>
+          <a:p>
+            <a:r>
+              <a:rPr lang="pt-BR" noProof="1">
+                <a:solidFill>
+                  <a:schemeClr val="tx1">
+                    <a:lumMod val="60000"/>
+                    <a:lumOff val="40000"/>
+                  </a:schemeClr>
+                </a:solidFill>
+              </a:rPr>
+              <a:t># Create AKS cluster</a:t>
+            </a:r>
+          </a:p>
+          <a:p>
+            <a:r>
+              <a:rPr lang="en-US" noProof="1"/>
+              <a:t>az aks create --resource-group softday-caas-demo --name azure-caas-kube --node-count 1 --generate-ssh-keys --location westeurope --client-secret P@ssw0rd123 --service-principal ...(app id)</a:t>
+            </a:r>
+          </a:p>
+        </p:txBody>
+      </p:sp>
+      <p:sp>
+        <p:nvSpPr>
+          <p:cNvPr id="6" name="Text Placeholder 5">
+            <a:extLst>
+              <a:ext uri="{FF2B5EF4-FFF2-40B4-BE49-F238E27FC236}">
+                <a16:creationId xmlns:a16="http://schemas.microsoft.com/office/drawing/2014/main" id="{F8A11F8D-0CB6-495C-B124-0A2FB159DB76}"/>
+              </a:ext>
+            </a:extLst>
+          </p:cNvPr>
+          <p:cNvSpPr>
+            <a:spLocks noGrp="1"/>
+          </p:cNvSpPr>
+          <p:nvPr>
+            <p:ph type="body" sz="quarter" idx="23"/>
+          </p:nvPr>
+        </p:nvSpPr>
+        <p:spPr/>
+        <p:txBody>
+          <a:bodyPr/>
+          <a:lstStyle/>
+          <a:p>
+            <a:r>
+              <a:rPr lang="en-US" dirty="0"/>
+              <a:t>Create AKS Cluster</a:t>
+            </a:r>
+          </a:p>
+        </p:txBody>
+      </p:sp>
+      <p:sp>
+        <p:nvSpPr>
+          <p:cNvPr id="10" name="Text Placeholder 9">
+            <a:extLst>
+              <a:ext uri="{FF2B5EF4-FFF2-40B4-BE49-F238E27FC236}">
+                <a16:creationId xmlns:a16="http://schemas.microsoft.com/office/drawing/2014/main" id="{A44AEF77-FACC-4670-8D58-D0BB6F115CAA}"/>
+              </a:ext>
+            </a:extLst>
+          </p:cNvPr>
+          <p:cNvSpPr>
+            <a:spLocks noGrp="1"/>
+          </p:cNvSpPr>
+          <p:nvPr>
+            <p:ph type="body" sz="quarter" idx="24"/>
+          </p:nvPr>
+        </p:nvSpPr>
+        <p:spPr/>
+        <p:txBody>
+          <a:bodyPr/>
+          <a:lstStyle/>
+          <a:p>
+            <a:r>
+              <a:rPr lang="en-US" dirty="0"/>
+              <a:t>Push demo image to ACR</a:t>
+            </a:r>
+          </a:p>
+          <a:p>
+            <a:r>
+              <a:rPr lang="en-US" dirty="0"/>
+              <a:t>Create service principal for AKS</a:t>
+            </a:r>
+          </a:p>
+          <a:p>
+            <a:r>
+              <a:rPr lang="en-US" dirty="0"/>
+              <a:t>Create AKS cluster</a:t>
+            </a:r>
+          </a:p>
+        </p:txBody>
+      </p:sp>
+      <p:sp>
+        <p:nvSpPr>
+          <p:cNvPr id="11" name="Text Placeholder 10">
+            <a:extLst>
+              <a:ext uri="{FF2B5EF4-FFF2-40B4-BE49-F238E27FC236}">
+                <a16:creationId xmlns:a16="http://schemas.microsoft.com/office/drawing/2014/main" id="{07D091DA-9215-420B-8F52-AF755EE465BC}"/>
+              </a:ext>
+            </a:extLst>
+          </p:cNvPr>
+          <p:cNvSpPr>
+            <a:spLocks noGrp="1"/>
+          </p:cNvSpPr>
+          <p:nvPr>
+            <p:ph type="body" sz="quarter" idx="25"/>
+          </p:nvPr>
+        </p:nvSpPr>
+        <p:spPr/>
+        <p:txBody>
+          <a:bodyPr/>
+          <a:lstStyle/>
+          <a:p>
+            <a:r>
+              <a:rPr lang="en-US" sz="700" dirty="0">
+                <a:hlinkClick r:id="rId2"/>
+              </a:rPr>
+              <a:t>https://docs.microsoft.com/en-us/azure/aks/kubernetes-walkthrough</a:t>
+            </a:r>
+            <a:br>
+              <a:rPr lang="en-US" sz="700" dirty="0"/>
+            </a:br>
+            <a:endParaRPr lang="en-US" sz="700" dirty="0"/>
+          </a:p>
+          <a:p>
+            <a:r>
+              <a:rPr lang="en-US" sz="700" dirty="0"/>
+              <a:t>Note: Due to preview limitations, location has to be </a:t>
+            </a:r>
+            <a:r>
+              <a:rPr lang="en-US" sz="700" i="1" dirty="0" err="1"/>
+              <a:t>eastus</a:t>
+            </a:r>
+            <a:r>
+              <a:rPr lang="en-US" sz="700" dirty="0"/>
+              <a:t>, for details see </a:t>
+            </a:r>
+            <a:r>
+              <a:rPr lang="en-US" sz="700" dirty="0">
+                <a:hlinkClick r:id="rId3"/>
+              </a:rPr>
+              <a:t>https://github.com/Azure/AKS/blob/master/preview_regions.md</a:t>
+            </a:r>
+            <a:r>
+              <a:rPr lang="en-US" sz="700" dirty="0"/>
+              <a:t> </a:t>
+            </a:r>
+          </a:p>
+        </p:txBody>
+      </p:sp>
+    </p:spTree>
+    <p:extLst>
+      <p:ext uri="{BB962C8B-B14F-4D97-AF65-F5344CB8AC3E}">
+        <p14:creationId xmlns:p14="http://schemas.microsoft.com/office/powerpoint/2010/main" val="657760228"/>
+      </p:ext>
+    </p:extLst>
+  </p:cSld>
+  <p:clrMapOvr>
+    <a:masterClrMapping/>
+  </p:clrMapOvr>
+  <mc:AlternateContent xmlns:mc="http://schemas.openxmlformats.org/markup-compatibility/2006" xmlns:p14="http://schemas.microsoft.com/office/powerpoint/2010/main">
+    <mc:Choice Requires="p14">
+      <p:transition spd="med" p14:dur="700">
+        <p:fade/>
+      </p:transition>
+    </mc:Choice>
+    <mc:Fallback xmlns="">
+      <p:transition spd="med">
+        <p:fade/>
+      </p:transition>
+    </mc:Fallback>
+  </mc:AlternateContent>
+</p:sld>
+</file>
+
+<file path=ppt/slides/slide19.xml><?xml version="1.0" encoding="utf-8"?>
+<p:sld xmlns:a="http://schemas.openxmlformats.org/drawingml/2006/main" xmlns:r="http://schemas.openxmlformats.org/officeDocument/2006/relationships" xmlns:p="http://schemas.openxmlformats.org/presentationml/2006/main">
+  <p:cSld>
+    <p:spTree>
+      <p:nvGrpSpPr>
+        <p:cNvPr id="1" name=""/>
+        <p:cNvGrpSpPr/>
+        <p:nvPr/>
+      </p:nvGrpSpPr>
+      <p:grpSpPr>
+        <a:xfrm>
+          <a:off x="0" y="0"/>
+          <a:ext cx="0" cy="0"/>
+          <a:chOff x="0" y="0"/>
+          <a:chExt cx="0" cy="0"/>
+        </a:xfrm>
+      </p:grpSpPr>
+      <p:sp>
+        <p:nvSpPr>
+          <p:cNvPr id="2" name="Title 1">
+            <a:extLst>
+              <a:ext uri="{FF2B5EF4-FFF2-40B4-BE49-F238E27FC236}">
+                <a16:creationId xmlns:a16="http://schemas.microsoft.com/office/drawing/2014/main" id="{25AD9DA0-0FEE-4602-BE90-C190707FCC7C}"/>
+              </a:ext>
+            </a:extLst>
+          </p:cNvPr>
+          <p:cNvSpPr>
+            <a:spLocks noGrp="1"/>
+          </p:cNvSpPr>
+          <p:nvPr>
+            <p:ph type="title"/>
+          </p:nvPr>
+        </p:nvSpPr>
+        <p:spPr/>
+        <p:txBody>
+          <a:bodyPr/>
+          <a:lstStyle/>
+          <a:p>
+            <a:r>
+              <a:rPr lang="en-US"/>
+              <a:t>Demo</a:t>
+            </a:r>
+          </a:p>
+        </p:txBody>
+      </p:sp>
+      <p:sp>
+        <p:nvSpPr>
+          <p:cNvPr id="9" name="Content Placeholder 8">
+            <a:extLst>
+              <a:ext uri="{FF2B5EF4-FFF2-40B4-BE49-F238E27FC236}">
+                <a16:creationId xmlns:a16="http://schemas.microsoft.com/office/drawing/2014/main" id="{5E43D4B1-0BE9-4CA9-9A44-66749743FCCD}"/>
+              </a:ext>
+            </a:extLst>
+          </p:cNvPr>
+          <p:cNvSpPr>
+            <a:spLocks noGrp="1"/>
+          </p:cNvSpPr>
+          <p:nvPr>
+            <p:ph sz="quarter" idx="22"/>
+          </p:nvPr>
+        </p:nvSpPr>
+        <p:spPr>
+          <a:xfrm>
+            <a:off x="467544" y="178629"/>
+            <a:ext cx="5328592" cy="4721065"/>
+          </a:xfrm>
+        </p:spPr>
+        <p:txBody>
+          <a:bodyPr/>
+          <a:lstStyle/>
+          <a:p>
+            <a:r>
+              <a:rPr lang="en-US" noProof="1">
+                <a:solidFill>
+                  <a:schemeClr val="tx1">
+                    <a:lumMod val="60000"/>
+                    <a:lumOff val="40000"/>
+                  </a:schemeClr>
+                </a:solidFill>
+              </a:rPr>
+              <a:t># Connect kubectl with AKS</a:t>
+            </a:r>
+          </a:p>
+          <a:p>
+            <a:r>
+              <a:rPr lang="en-US" noProof="1"/>
+              <a:t>az aks get-credentials --resource-group azure-caas-demo \</a:t>
+            </a:r>
+          </a:p>
+          <a:p>
+            <a:r>
+              <a:rPr lang="en-US" noProof="1"/>
+              <a:t>	--name azure-caas-kube</a:t>
+            </a:r>
+          </a:p>
+          <a:p>
+            <a:endParaRPr lang="en-US" noProof="1"/>
+          </a:p>
+          <a:p>
+            <a:r>
+              <a:rPr lang="en-US" noProof="1">
+                <a:solidFill>
+                  <a:schemeClr val="tx1">
+                    <a:lumMod val="60000"/>
+                    <a:lumOff val="40000"/>
+                  </a:schemeClr>
+                </a:solidFill>
+              </a:rPr>
+              <a:t># Check connection to AKS</a:t>
+            </a:r>
+          </a:p>
+          <a:p>
+            <a:r>
+              <a:rPr lang="en-US" noProof="1"/>
+              <a:t>kubectl get nodes</a:t>
+            </a:r>
+          </a:p>
+          <a:p>
+            <a:endParaRPr lang="en-US" noProof="1"/>
+          </a:p>
+          <a:p>
+            <a:r>
+              <a:rPr lang="en-US" noProof="1">
+                <a:solidFill>
+                  <a:schemeClr val="tx1">
+                    <a:lumMod val="60000"/>
+                    <a:lumOff val="40000"/>
+                  </a:schemeClr>
+                </a:solidFill>
+              </a:rPr>
+              <a:t># Create Kubernetes deployments and services</a:t>
+            </a:r>
+          </a:p>
+          <a:p>
+            <a:r>
+              <a:rPr lang="en-US" noProof="1"/>
+              <a:t>kubectl create -f azure-vote-all-in-one-redis.yaml</a:t>
+            </a:r>
+          </a:p>
+          <a:p>
+            <a:endParaRPr lang="en-US" noProof="1"/>
+          </a:p>
+          <a:p>
+            <a:r>
+              <a:rPr lang="en-US" noProof="1">
+                <a:solidFill>
+                  <a:schemeClr val="tx1">
+                    <a:lumMod val="60000"/>
+                    <a:lumOff val="40000"/>
+                  </a:schemeClr>
+                </a:solidFill>
+              </a:rPr>
+              <a:t># Watch front-end service to get public IP</a:t>
+            </a:r>
+          </a:p>
+          <a:p>
+            <a:r>
+              <a:rPr lang="en-US" noProof="1"/>
+              <a:t>kubectl get service azure-vote-front --watch</a:t>
+            </a:r>
+          </a:p>
+          <a:p>
+            <a:endParaRPr lang="en-US" noProof="1"/>
+          </a:p>
+          <a:p>
+            <a:r>
+              <a:rPr lang="en-US" noProof="1">
+                <a:solidFill>
+                  <a:schemeClr val="tx1">
+                    <a:lumMod val="60000"/>
+                    <a:lumOff val="40000"/>
+                  </a:schemeClr>
+                </a:solidFill>
+              </a:rPr>
+              <a:t># Try to reach web app via public IP</a:t>
+            </a:r>
+          </a:p>
+          <a:p>
+            <a:endParaRPr lang="en-US" noProof="1"/>
+          </a:p>
+          <a:p>
+            <a:r>
+              <a:rPr lang="pt-BR" noProof="1">
+                <a:solidFill>
+                  <a:schemeClr val="tx1">
+                    <a:lumMod val="60000"/>
+                    <a:lumOff val="40000"/>
+                  </a:schemeClr>
+                </a:solidFill>
+              </a:rPr>
+              <a:t># Start Kubernetes dashboard (CMD, not </a:t>
+            </a:r>
+            <a:r>
+              <a:rPr lang="pt-BR" i="1" noProof="1">
+                <a:solidFill>
+                  <a:schemeClr val="tx1">
+                    <a:lumMod val="60000"/>
+                    <a:lumOff val="40000"/>
+                  </a:schemeClr>
+                </a:solidFill>
+              </a:rPr>
+              <a:t>bash</a:t>
+            </a:r>
+            <a:r>
+              <a:rPr lang="pt-BR" noProof="1">
+                <a:solidFill>
+                  <a:schemeClr val="tx1">
+                    <a:lumMod val="60000"/>
+                    <a:lumOff val="40000"/>
+                  </a:schemeClr>
+                </a:solidFill>
+              </a:rPr>
+              <a:t>!)</a:t>
+            </a:r>
+          </a:p>
+          <a:p>
+            <a:r>
+              <a:rPr lang="en-US" noProof="1"/>
+              <a:t>az aks browse --resource-group azure-caas-demo \</a:t>
+            </a:r>
+          </a:p>
+          <a:p>
+            <a:r>
+              <a:rPr lang="en-US" noProof="1"/>
+              <a:t>	--name azure-caas-kube</a:t>
+            </a:r>
+          </a:p>
+          <a:p>
+            <a:endParaRPr lang="en-US" noProof="1"/>
+          </a:p>
+          <a:p>
+            <a:r>
+              <a:rPr lang="en-US" noProof="1">
+                <a:solidFill>
+                  <a:schemeClr val="tx1">
+                    <a:lumMod val="60000"/>
+                    <a:lumOff val="40000"/>
+                  </a:schemeClr>
+                </a:solidFill>
+              </a:rPr>
+              <a:t># Scale Kubernetes server</a:t>
+            </a:r>
+          </a:p>
+          <a:p>
+            <a:r>
+              <a:rPr lang="en-US" noProof="1"/>
+              <a:t>az aks scale --resource-group azure-caas-demo \</a:t>
+            </a:r>
+          </a:p>
+          <a:p>
+            <a:r>
+              <a:rPr lang="en-US" noProof="1"/>
+              <a:t>	--name azure-caas-kube --node-count 2</a:t>
+            </a:r>
+          </a:p>
+          <a:p>
+            <a:endParaRPr lang="en-US" noProof="1"/>
+          </a:p>
+        </p:txBody>
+      </p:sp>
+      <p:sp>
+        <p:nvSpPr>
+          <p:cNvPr id="6" name="Text Placeholder 5">
+            <a:extLst>
+              <a:ext uri="{FF2B5EF4-FFF2-40B4-BE49-F238E27FC236}">
+                <a16:creationId xmlns:a16="http://schemas.microsoft.com/office/drawing/2014/main" id="{F8A11F8D-0CB6-495C-B124-0A2FB159DB76}"/>
+              </a:ext>
+            </a:extLst>
+          </p:cNvPr>
+          <p:cNvSpPr>
+            <a:spLocks noGrp="1"/>
+          </p:cNvSpPr>
+          <p:nvPr>
+            <p:ph type="body" sz="quarter" idx="23"/>
+          </p:nvPr>
+        </p:nvSpPr>
+        <p:spPr/>
+        <p:txBody>
+          <a:bodyPr/>
+          <a:lstStyle/>
+          <a:p>
+            <a:r>
+              <a:rPr lang="en-US" dirty="0"/>
+              <a:t>Create AKS Cluster</a:t>
+            </a:r>
+          </a:p>
+        </p:txBody>
+      </p:sp>
+      <p:sp>
+        <p:nvSpPr>
+          <p:cNvPr id="10" name="Text Placeholder 9">
+            <a:extLst>
+              <a:ext uri="{FF2B5EF4-FFF2-40B4-BE49-F238E27FC236}">
+                <a16:creationId xmlns:a16="http://schemas.microsoft.com/office/drawing/2014/main" id="{A44AEF77-FACC-4670-8D58-D0BB6F115CAA}"/>
+              </a:ext>
+            </a:extLst>
+          </p:cNvPr>
+          <p:cNvSpPr>
+            <a:spLocks noGrp="1"/>
+          </p:cNvSpPr>
+          <p:nvPr>
+            <p:ph type="body" sz="quarter" idx="24"/>
+          </p:nvPr>
+        </p:nvSpPr>
+        <p:spPr/>
+        <p:txBody>
+          <a:bodyPr/>
+          <a:lstStyle/>
+          <a:p>
+            <a:r>
+              <a:rPr lang="en-US" dirty="0"/>
+              <a:t>Deploy app to AKS</a:t>
+            </a:r>
+          </a:p>
+        </p:txBody>
+      </p:sp>
+      <p:sp>
+        <p:nvSpPr>
+          <p:cNvPr id="11" name="Text Placeholder 10">
+            <a:extLst>
+              <a:ext uri="{FF2B5EF4-FFF2-40B4-BE49-F238E27FC236}">
+                <a16:creationId xmlns:a16="http://schemas.microsoft.com/office/drawing/2014/main" id="{07D091DA-9215-420B-8F52-AF755EE465BC}"/>
+              </a:ext>
+            </a:extLst>
+          </p:cNvPr>
+          <p:cNvSpPr>
+            <a:spLocks noGrp="1"/>
+          </p:cNvSpPr>
+          <p:nvPr>
+            <p:ph type="body" sz="quarter" idx="25"/>
+          </p:nvPr>
+        </p:nvSpPr>
+        <p:spPr/>
+        <p:txBody>
+          <a:bodyPr/>
+          <a:lstStyle/>
+          <a:p>
+            <a:endParaRPr lang="en-US" sz="700" dirty="0"/>
+          </a:p>
+        </p:txBody>
+      </p:sp>
+    </p:spTree>
+    <p:extLst>
+      <p:ext uri="{BB962C8B-B14F-4D97-AF65-F5344CB8AC3E}">
+        <p14:creationId xmlns:p14="http://schemas.microsoft.com/office/powerpoint/2010/main" val="505014173"/>
+      </p:ext>
+    </p:extLst>
+  </p:cSld>
+  <p:clrMapOvr>
+    <a:masterClrMapping/>
+  </p:clrMapOvr>
+  <mc:AlternateContent xmlns:mc="http://schemas.openxmlformats.org/markup-compatibility/2006" xmlns:p14="http://schemas.microsoft.com/office/powerpoint/2010/main">
+    <mc:Choice Requires="p14">
+      <p:transition spd="med" p14:dur="700">
+        <p:fade/>
+      </p:transition>
+    </mc:Choice>
+    <mc:Fallback xmlns="">
+      <p:transition spd="med">
+        <p:fade/>
+      </p:transition>
+    </mc:Fallback>
+  </mc:AlternateContent>
+</p:sld>
+</file>
+
+<file path=ppt/slides/slide2.xml><?xml version="1.0" encoding="utf-8"?>
+<p:sld xmlns:a="http://schemas.openxmlformats.org/drawingml/2006/main" xmlns:r="http://schemas.openxmlformats.org/officeDocument/2006/relationships" xmlns:p="http://schemas.openxmlformats.org/presentationml/2006/main" showMasterPhAnim="0">
+  <p:cSld>
+    <p:spTree>
+      <p:nvGrpSpPr>
+        <p:cNvPr id="1" name=""/>
+        <p:cNvGrpSpPr/>
+        <p:nvPr/>
+      </p:nvGrpSpPr>
+      <p:grpSpPr>
+        <a:xfrm>
+          <a:off x="0" y="0"/>
+          <a:ext cx="0" cy="0"/>
+          <a:chOff x="0" y="0"/>
+          <a:chExt cx="0" cy="0"/>
+        </a:xfrm>
+      </p:grpSpPr>
+      <p:sp>
+        <p:nvSpPr>
+          <p:cNvPr id="2" name="Titel 1"/>
+          <p:cNvSpPr>
+            <a:spLocks noGrp="1"/>
+          </p:cNvSpPr>
+          <p:nvPr>
+            <p:ph type="title"/>
+          </p:nvPr>
+        </p:nvSpPr>
+        <p:spPr/>
+        <p:txBody>
+          <a:bodyPr/>
+          <a:lstStyle/>
+          <a:p>
+            <a:r>
+              <a:rPr lang="en-US" dirty="0"/>
+              <a:t>Your Host</a:t>
+            </a:r>
+          </a:p>
+        </p:txBody>
+      </p:sp>
+      <p:sp>
+        <p:nvSpPr>
+          <p:cNvPr id="3" name="Inhaltsplatzhalter 2"/>
+          <p:cNvSpPr>
+            <a:spLocks noGrp="1"/>
+          </p:cNvSpPr>
+          <p:nvPr>
+            <p:ph sz="quarter" idx="12"/>
+          </p:nvPr>
+        </p:nvSpPr>
+        <p:spPr/>
+        <p:txBody>
+          <a:bodyPr/>
+          <a:lstStyle/>
+          <a:p>
+            <a:r>
+              <a:rPr lang="en-US" dirty="0"/>
+              <a:t>Rainer Stropek</a:t>
+            </a:r>
+          </a:p>
+          <a:p>
+            <a:pPr lvl="1"/>
+            <a:r>
+              <a:rPr lang="en-US" dirty="0"/>
+              <a:t>Developer, Entrepreneur</a:t>
+            </a:r>
+          </a:p>
+          <a:p>
+            <a:pPr lvl="1"/>
+            <a:r>
+              <a:rPr lang="en-US" dirty="0"/>
+              <a:t>MVP Microsoft Azure</a:t>
+            </a:r>
+          </a:p>
+          <a:p>
+            <a:pPr lvl="1"/>
+            <a:r>
+              <a:rPr lang="en-US" dirty="0"/>
+              <a:t>MVP Development Technologies</a:t>
+            </a:r>
+          </a:p>
+          <a:p>
+            <a:pPr lvl="1"/>
+            <a:r>
+              <a:rPr lang="en-US" dirty="0"/>
+              <a:t>MS Regional Director</a:t>
+            </a:r>
+          </a:p>
+          <a:p>
+            <a:pPr lvl="1"/>
+            <a:r>
+              <a:rPr lang="en-US" dirty="0"/>
+              <a:t>Senior Consultant IT-Visions</a:t>
+            </a:r>
+          </a:p>
+          <a:p>
+            <a:r>
+              <a:rPr lang="en-US" dirty="0"/>
+              <a:t>Contact</a:t>
+            </a:r>
+          </a:p>
+          <a:p>
+            <a:pPr lvl="1"/>
+            <a:r>
+              <a:rPr lang="en-US" dirty="0"/>
+              <a:t>software architects </a:t>
+            </a:r>
+            <a:r>
+              <a:rPr lang="en-US" dirty="0" err="1"/>
+              <a:t>gmbh</a:t>
+            </a:r>
+            <a:br>
+              <a:rPr lang="en-US" dirty="0"/>
+            </a:br>
+            <a:r>
+              <a:rPr lang="en-US" dirty="0">
+                <a:hlinkClick r:id="rId2"/>
+              </a:rPr>
+              <a:t>rainer@timecockpit.com</a:t>
+            </a:r>
+            <a:br>
+              <a:rPr lang="en-US" dirty="0"/>
+            </a:br>
+            <a:r>
+              <a:rPr lang="en-US" dirty="0"/>
+              <a:t>Twitter: @</a:t>
+            </a:r>
+            <a:r>
+              <a:rPr lang="en-US" dirty="0" err="1"/>
+              <a:t>rstropek</a:t>
+            </a:r>
+            <a:endParaRPr lang="en-US" dirty="0"/>
+          </a:p>
+        </p:txBody>
+      </p:sp>
+      <p:pic>
+        <p:nvPicPr>
+          <p:cNvPr id="16" name="Inhaltsplatzhalter 15"/>
+          <p:cNvPicPr>
+            <a:picLocks noGrp="1" noChangeAspect="1"/>
+          </p:cNvPicPr>
+          <p:nvPr>
+            <p:ph sz="quarter" idx="13"/>
+          </p:nvPr>
+        </p:nvPicPr>
+        <p:blipFill>
+          <a:blip r:embed="rId3" cstate="email">
+            <a:extLst>
+              <a:ext uri="{28A0092B-C50C-407E-A947-70E740481C1C}">
+                <a14:useLocalDpi xmlns:a14="http://schemas.microsoft.com/office/drawing/2010/main" val="0"/>
+              </a:ext>
+            </a:extLst>
+          </a:blip>
+          <a:stretch>
+            <a:fillRect/>
+          </a:stretch>
+        </p:blipFill>
+        <p:spPr>
+          <a:xfrm>
+            <a:off x="5076131" y="1275607"/>
+            <a:ext cx="3240285" cy="2160190"/>
+          </a:xfrm>
+        </p:spPr>
+      </p:pic>
+      <p:sp>
+        <p:nvSpPr>
+          <p:cNvPr id="20" name="Textplatzhalter 19"/>
+          <p:cNvSpPr>
+            <a:spLocks noGrp="1"/>
+          </p:cNvSpPr>
+          <p:nvPr>
+            <p:ph type="body" sz="quarter" idx="23"/>
+          </p:nvPr>
+        </p:nvSpPr>
+        <p:spPr/>
+        <p:txBody>
+          <a:bodyPr/>
+          <a:lstStyle/>
+          <a:p>
+            <a:endParaRPr lang="en-US"/>
+          </a:p>
+        </p:txBody>
+      </p:sp>
+      <p:sp>
+        <p:nvSpPr>
+          <p:cNvPr id="21" name="Textplatzhalter 20"/>
+          <p:cNvSpPr>
+            <a:spLocks noGrp="1"/>
+          </p:cNvSpPr>
+          <p:nvPr>
+            <p:ph type="body" sz="quarter" idx="24"/>
+          </p:nvPr>
+        </p:nvSpPr>
+        <p:spPr/>
+        <p:txBody>
+          <a:bodyPr/>
+          <a:lstStyle/>
+          <a:p>
+            <a:endParaRPr lang="en-US"/>
+          </a:p>
+        </p:txBody>
+      </p:sp>
+    </p:spTree>
+    <p:extLst>
+      <p:ext uri="{BB962C8B-B14F-4D97-AF65-F5344CB8AC3E}">
+        <p14:creationId xmlns:p14="http://schemas.microsoft.com/office/powerpoint/2010/main" val="3004141865"/>
+      </p:ext>
+    </p:extLst>
+  </p:cSld>
+  <p:clrMapOvr>
+    <a:masterClrMapping/>
+  </p:clrMapOvr>
+  <mc:AlternateContent xmlns:mc="http://schemas.openxmlformats.org/markup-compatibility/2006" xmlns:p14="http://schemas.microsoft.com/office/powerpoint/2010/main">
+    <mc:Choice Requires="p14">
+      <p:transition spd="med" p14:dur="700">
+        <p:fade/>
+      </p:transition>
+    </mc:Choice>
+    <mc:Fallback xmlns="">
+      <p:transition spd="med">
+        <p:fade/>
+      </p:transition>
+    </mc:Fallback>
+  </mc:AlternateContent>
+</p:sld>
+</file>
+
+<file path=ppt/slides/slide20.xml><?xml version="1.0" encoding="utf-8"?>
+<p:sld xmlns:a="http://schemas.openxmlformats.org/drawingml/2006/main" xmlns:r="http://schemas.openxmlformats.org/officeDocument/2006/relationships" xmlns:p="http://schemas.openxmlformats.org/presentationml/2006/main">
+  <p:cSld>
+    <p:spTree>
+      <p:nvGrpSpPr>
+        <p:cNvPr id="1" name=""/>
+        <p:cNvGrpSpPr/>
+        <p:nvPr/>
+      </p:nvGrpSpPr>
+      <p:grpSpPr>
+        <a:xfrm>
+          <a:off x="0" y="0"/>
+          <a:ext cx="0" cy="0"/>
+          <a:chOff x="0" y="0"/>
+          <a:chExt cx="0" cy="0"/>
+        </a:xfrm>
+      </p:grpSpPr>
+      <p:sp>
+        <p:nvSpPr>
+          <p:cNvPr id="2" name="Title 1">
+            <a:extLst>
+              <a:ext uri="{FF2B5EF4-FFF2-40B4-BE49-F238E27FC236}">
                 <a16:creationId xmlns:a16="http://schemas.microsoft.com/office/drawing/2014/main" id="{2A0334D8-9A3E-4AD0-B816-4869B0D2EF25}"/>
               </a:ext>
             </a:extLst>
@@ -14378,17 +14753,141 @@
           <a:lstStyle/>
           <a:p>
             <a:r>
-              <a:rPr lang="en-US" sz="1050" noProof="1"/>
+              <a:rPr lang="en-US" sz="1100" noProof="1"/>
+              <a:t>apiVersion: apps/v1beta1</a:t>
+            </a:r>
+          </a:p>
+          <a:p>
+            <a:r>
+              <a:rPr lang="en-US" sz="1100" noProof="1"/>
+              <a:t>kind: </a:t>
+            </a:r>
+            <a:r>
+              <a:rPr lang="en-US" sz="1100" noProof="1">
+                <a:solidFill>
+                  <a:srgbClr val="FF0000"/>
+                </a:solidFill>
+              </a:rPr>
+              <a:t>Deployment</a:t>
+            </a:r>
+          </a:p>
+          <a:p>
+            <a:r>
+              <a:rPr lang="en-US" sz="1100" noProof="1"/>
+              <a:t>metadata:</a:t>
+            </a:r>
+          </a:p>
+          <a:p>
+            <a:r>
+              <a:rPr lang="en-US" sz="1100" noProof="1"/>
+              <a:t>  name: azure-vote-back</a:t>
+            </a:r>
+          </a:p>
+          <a:p>
+            <a:r>
+              <a:rPr lang="en-US" sz="1100" noProof="1"/>
+              <a:t>spec:</a:t>
+            </a:r>
+          </a:p>
+          <a:p>
+            <a:r>
+              <a:rPr lang="en-US" sz="1100" noProof="1"/>
+              <a:t>  replicas: 1</a:t>
+            </a:r>
+          </a:p>
+          <a:p>
+            <a:r>
+              <a:rPr lang="en-US" sz="1100" noProof="1"/>
+              <a:t>  template:</a:t>
+            </a:r>
+          </a:p>
+          <a:p>
+            <a:r>
+              <a:rPr lang="en-US" sz="1100" noProof="1"/>
+              <a:t>    metadata:</a:t>
+            </a:r>
+          </a:p>
+          <a:p>
+            <a:r>
+              <a:rPr lang="en-US" sz="1100" noProof="1"/>
+              <a:t>      labels:</a:t>
+            </a:r>
+          </a:p>
+          <a:p>
+            <a:r>
+              <a:rPr lang="en-US" sz="1100" noProof="1"/>
+              <a:t>        app: azure-vote-back</a:t>
+            </a:r>
+          </a:p>
+          <a:p>
+            <a:r>
+              <a:rPr lang="en-US" sz="1100" noProof="1"/>
+              <a:t>    spec:</a:t>
+            </a:r>
+          </a:p>
+          <a:p>
+            <a:r>
+              <a:rPr lang="en-US" sz="1100" noProof="1"/>
+              <a:t>      containers:</a:t>
+            </a:r>
+          </a:p>
+          <a:p>
+            <a:r>
+              <a:rPr lang="en-US" sz="1100" noProof="1"/>
+              <a:t>      - name: azure-vote-back</a:t>
+            </a:r>
+          </a:p>
+          <a:p>
+            <a:r>
+              <a:rPr lang="en-US" sz="1100" noProof="1"/>
+              <a:t>        image: </a:t>
+            </a:r>
+            <a:r>
+              <a:rPr lang="en-US" sz="1100" noProof="1">
+                <a:solidFill>
+                  <a:srgbClr val="FF0000"/>
+                </a:solidFill>
+              </a:rPr>
+              <a:t>redis</a:t>
+            </a:r>
+          </a:p>
+          <a:p>
+            <a:r>
+              <a:rPr lang="en-US" sz="1100" noProof="1"/>
+              <a:t>        ports:</a:t>
+            </a:r>
+          </a:p>
+          <a:p>
+            <a:r>
+              <a:rPr lang="en-US" sz="1100" noProof="1"/>
+              <a:t>        - containerPort: 6379</a:t>
+            </a:r>
+          </a:p>
+          <a:p>
+            <a:r>
+              <a:rPr lang="en-US" sz="1100" noProof="1"/>
+              <a:t>          name: redis</a:t>
+            </a:r>
+          </a:p>
+          <a:p>
+            <a:r>
+              <a:rPr lang="en-US" sz="1100" noProof="1"/>
+              <a:t>---</a:t>
+            </a:r>
+          </a:p>
+          <a:p>
+            <a:r>
+              <a:rPr lang="en-US" sz="1100" noProof="1"/>
               <a:t>apiVersion: v1</a:t>
             </a:r>
           </a:p>
           <a:p>
             <a:r>
-              <a:rPr lang="en-US" sz="1050" noProof="1"/>
+              <a:rPr lang="en-US" sz="1100" noProof="1"/>
               <a:t>kind: </a:t>
             </a:r>
             <a:r>
-              <a:rPr lang="en-US" sz="1050" noProof="1">
+              <a:rPr lang="en-US" sz="1100" noProof="1">
                 <a:solidFill>
                   <a:srgbClr val="FF0000"/>
                 </a:solidFill>
@@ -14398,58 +14897,50 @@
           </a:p>
           <a:p>
             <a:r>
-              <a:rPr lang="en-US" sz="1050" noProof="1"/>
+              <a:rPr lang="en-US" sz="1100" noProof="1"/>
               <a:t>metadata:</a:t>
             </a:r>
           </a:p>
           <a:p>
             <a:r>
-              <a:rPr lang="en-US" sz="1050" noProof="1"/>
-              <a:t>  name: azure-vote-front</a:t>
-            </a:r>
-          </a:p>
-          <a:p>
-            <a:r>
-              <a:rPr lang="en-US" sz="1050" noProof="1"/>
+              <a:rPr lang="en-US" sz="1100" noProof="1"/>
+              <a:t>  name: azure-vote-back</a:t>
+            </a:r>
+          </a:p>
+          <a:p>
+            <a:r>
+              <a:rPr lang="en-US" sz="1100" noProof="1"/>
               <a:t>spec:</a:t>
             </a:r>
           </a:p>
           <a:p>
             <a:r>
-              <a:rPr lang="en-US" sz="1050" noProof="1"/>
-              <a:t>  type: </a:t>
-            </a:r>
-            <a:r>
-              <a:rPr lang="en-US" sz="1050" noProof="1">
-                <a:solidFill>
-                  <a:srgbClr val="FF0000"/>
-                </a:solidFill>
-              </a:rPr>
-              <a:t>LoadBalancer</a:t>
-            </a:r>
-          </a:p>
-          <a:p>
-            <a:r>
-              <a:rPr lang="en-US" sz="1050" noProof="1"/>
+              <a:rPr lang="en-US" sz="1100" noProof="1"/>
               <a:t>  ports:</a:t>
             </a:r>
           </a:p>
           <a:p>
             <a:r>
-              <a:rPr lang="en-US" sz="1050" noProof="1"/>
-              <a:t>  - port: 80</a:t>
-            </a:r>
-          </a:p>
-          <a:p>
-            <a:r>
-              <a:rPr lang="en-US" sz="1050" noProof="1"/>
+              <a:rPr lang="en-US" sz="1100" noProof="1"/>
+              <a:t>  - port: 6379</a:t>
+            </a:r>
+          </a:p>
+          <a:p>
+            <a:r>
+              <a:rPr lang="en-US" sz="1100" noProof="1"/>
               <a:t>  selector:</a:t>
             </a:r>
           </a:p>
           <a:p>
             <a:r>
-              <a:rPr lang="en-US" sz="1050" noProof="1"/>
-              <a:t>    app: azure-vote-front</a:t>
+              <a:rPr lang="en-US" sz="1100" noProof="1"/>
+              <a:t>    app: azure-vote-back</a:t>
+            </a:r>
+          </a:p>
+          <a:p>
+            <a:r>
+              <a:rPr lang="en-US" sz="1100" noProof="1"/>
+              <a:t>---</a:t>
             </a:r>
           </a:p>
         </p:txBody>
@@ -14501,10 +14992,35 @@
           <a:lstStyle/>
           <a:p>
             <a:r>
-              <a:rPr lang="en-US"/>
-              <a:t>Enable external access using load balancer</a:t>
-            </a:r>
-            <a:endParaRPr lang="en-US" dirty="0"/>
+              <a:rPr lang="en-US" dirty="0"/>
+              <a:t>Deploy </a:t>
+            </a:r>
+            <a:r>
+              <a:rPr lang="en-US" i="1" dirty="0" err="1"/>
+              <a:t>Redis</a:t>
+            </a:r>
+            <a:r>
+              <a:rPr lang="en-US" i="1" dirty="0"/>
+              <a:t> </a:t>
+            </a:r>
+            <a:r>
+              <a:rPr lang="en-US" dirty="0"/>
+              <a:t>backend</a:t>
+            </a:r>
+          </a:p>
+          <a:p>
+            <a:r>
+              <a:rPr lang="en-US" dirty="0"/>
+              <a:t>Create service with </a:t>
+            </a:r>
+            <a:r>
+              <a:rPr lang="en-US" i="1" dirty="0"/>
+              <a:t>internal</a:t>
+            </a:r>
+            <a:r>
+              <a:rPr lang="en-US" dirty="0"/>
+              <a:t> IP and DNS name</a:t>
+            </a:r>
           </a:p>
         </p:txBody>
       </p:sp>
@@ -14529,6 +15045,647 @@
           <a:bodyPr/>
           <a:lstStyle/>
           <a:p>
+            <a:r>
+              <a:rPr lang="en-US" dirty="0">
+                <a:hlinkClick r:id="rId2"/>
+              </a:rPr>
+              <a:t>https://hub.docker.com/_/redis/</a:t>
+            </a:r>
+            <a:r>
+              <a:rPr lang="en-US" dirty="0"/>
+              <a:t> </a:t>
+            </a:r>
+          </a:p>
+        </p:txBody>
+      </p:sp>
+    </p:spTree>
+    <p:extLst>
+      <p:ext uri="{BB962C8B-B14F-4D97-AF65-F5344CB8AC3E}">
+        <p14:creationId xmlns:p14="http://schemas.microsoft.com/office/powerpoint/2010/main" val="1764902305"/>
+      </p:ext>
+    </p:extLst>
+  </p:cSld>
+  <p:clrMapOvr>
+    <a:masterClrMapping/>
+  </p:clrMapOvr>
+  <mc:AlternateContent xmlns:mc="http://schemas.openxmlformats.org/markup-compatibility/2006" xmlns:p14="http://schemas.microsoft.com/office/powerpoint/2010/main">
+    <mc:Choice Requires="p14">
+      <p:transition spd="med" p14:dur="700">
+        <p:fade/>
+      </p:transition>
+    </mc:Choice>
+    <mc:Fallback xmlns="">
+      <p:transition spd="med">
+        <p:fade/>
+      </p:transition>
+    </mc:Fallback>
+  </mc:AlternateContent>
+</p:sld>
+</file>
+
+<file path=ppt/slides/slide21.xml><?xml version="1.0" encoding="utf-8"?>
+<p:sld xmlns:a="http://schemas.openxmlformats.org/drawingml/2006/main" xmlns:r="http://schemas.openxmlformats.org/officeDocument/2006/relationships" xmlns:p="http://schemas.openxmlformats.org/presentationml/2006/main">
+  <p:cSld>
+    <p:spTree>
+      <p:nvGrpSpPr>
+        <p:cNvPr id="1" name=""/>
+        <p:cNvGrpSpPr/>
+        <p:nvPr/>
+      </p:nvGrpSpPr>
+      <p:grpSpPr>
+        <a:xfrm>
+          <a:off x="0" y="0"/>
+          <a:ext cx="0" cy="0"/>
+          <a:chOff x="0" y="0"/>
+          <a:chExt cx="0" cy="0"/>
+        </a:xfrm>
+      </p:grpSpPr>
+      <p:sp>
+        <p:nvSpPr>
+          <p:cNvPr id="2" name="Title 1">
+            <a:extLst>
+              <a:ext uri="{FF2B5EF4-FFF2-40B4-BE49-F238E27FC236}">
+                <a16:creationId xmlns:a16="http://schemas.microsoft.com/office/drawing/2014/main" id="{2A0334D8-9A3E-4AD0-B816-4869B0D2EF25}"/>
+              </a:ext>
+            </a:extLst>
+          </p:cNvPr>
+          <p:cNvSpPr>
+            <a:spLocks noGrp="1"/>
+          </p:cNvSpPr>
+          <p:nvPr>
+            <p:ph type="title"/>
+          </p:nvPr>
+        </p:nvSpPr>
+        <p:spPr/>
+        <p:txBody>
+          <a:bodyPr/>
+          <a:lstStyle/>
+          <a:p>
+            <a:r>
+              <a:rPr lang="en-US"/>
+              <a:t>Manifest</a:t>
+            </a:r>
+            <a:endParaRPr lang="en-US" dirty="0"/>
+          </a:p>
+        </p:txBody>
+      </p:sp>
+      <p:sp>
+        <p:nvSpPr>
+          <p:cNvPr id="3" name="Content Placeholder 2">
+            <a:extLst>
+              <a:ext uri="{FF2B5EF4-FFF2-40B4-BE49-F238E27FC236}">
+                <a16:creationId xmlns:a16="http://schemas.microsoft.com/office/drawing/2014/main" id="{88356D5B-5E65-4CD8-B009-D24FBBB78711}"/>
+              </a:ext>
+            </a:extLst>
+          </p:cNvPr>
+          <p:cNvSpPr>
+            <a:spLocks noGrp="1"/>
+          </p:cNvSpPr>
+          <p:nvPr>
+            <p:ph sz="quarter" idx="22"/>
+          </p:nvPr>
+        </p:nvSpPr>
+        <p:spPr/>
+        <p:txBody>
+          <a:bodyPr/>
+          <a:lstStyle/>
+          <a:p>
+            <a:r>
+              <a:rPr lang="en-US" sz="1050" noProof="1"/>
+              <a:t>apiVersion: apps/v1beta1</a:t>
+            </a:r>
+          </a:p>
+          <a:p>
+            <a:r>
+              <a:rPr lang="en-US" sz="1050" noProof="1"/>
+              <a:t>kind: </a:t>
+            </a:r>
+            <a:r>
+              <a:rPr lang="en-US" sz="1050" noProof="1">
+                <a:solidFill>
+                  <a:srgbClr val="FF0000"/>
+                </a:solidFill>
+              </a:rPr>
+              <a:t>Deployment</a:t>
+            </a:r>
+          </a:p>
+          <a:p>
+            <a:r>
+              <a:rPr lang="en-US" sz="1050" noProof="1"/>
+              <a:t>metadata:</a:t>
+            </a:r>
+          </a:p>
+          <a:p>
+            <a:r>
+              <a:rPr lang="en-US" sz="1050" noProof="1"/>
+              <a:t>  name: azure-vote-front</a:t>
+            </a:r>
+          </a:p>
+          <a:p>
+            <a:r>
+              <a:rPr lang="en-US" sz="1050" noProof="1"/>
+              <a:t>spec:</a:t>
+            </a:r>
+          </a:p>
+          <a:p>
+            <a:r>
+              <a:rPr lang="en-US" sz="1050" noProof="1"/>
+              <a:t>  replicas: 1</a:t>
+            </a:r>
+          </a:p>
+          <a:p>
+            <a:r>
+              <a:rPr lang="en-US" sz="1050" noProof="1"/>
+              <a:t>  strategy:</a:t>
+            </a:r>
+          </a:p>
+          <a:p>
+            <a:r>
+              <a:rPr lang="en-US" sz="1050" noProof="1"/>
+              <a:t>    rollingUpdate:</a:t>
+            </a:r>
+          </a:p>
+          <a:p>
+            <a:r>
+              <a:rPr lang="en-US" sz="1050" noProof="1"/>
+              <a:t>      maxSurge: 1</a:t>
+            </a:r>
+          </a:p>
+          <a:p>
+            <a:r>
+              <a:rPr lang="en-US" sz="1050" noProof="1"/>
+              <a:t>      maxUnavailable: 1</a:t>
+            </a:r>
+          </a:p>
+          <a:p>
+            <a:r>
+              <a:rPr lang="en-US" sz="1050" noProof="1"/>
+              <a:t>  minReadySeconds: 5 </a:t>
+            </a:r>
+          </a:p>
+          <a:p>
+            <a:r>
+              <a:rPr lang="en-US" sz="1050" noProof="1"/>
+              <a:t>  template:</a:t>
+            </a:r>
+          </a:p>
+          <a:p>
+            <a:r>
+              <a:rPr lang="en-US" sz="1050" noProof="1"/>
+              <a:t>    metadata:</a:t>
+            </a:r>
+          </a:p>
+          <a:p>
+            <a:r>
+              <a:rPr lang="en-US" sz="1050" noProof="1"/>
+              <a:t>      labels:</a:t>
+            </a:r>
+          </a:p>
+          <a:p>
+            <a:r>
+              <a:rPr lang="en-US" sz="1050" noProof="1"/>
+              <a:t>        app: azure-vote-front</a:t>
+            </a:r>
+          </a:p>
+          <a:p>
+            <a:r>
+              <a:rPr lang="en-US" sz="1050" noProof="1"/>
+              <a:t>    spec:</a:t>
+            </a:r>
+          </a:p>
+          <a:p>
+            <a:r>
+              <a:rPr lang="en-US" sz="1050" noProof="1"/>
+              <a:t>      containers:</a:t>
+            </a:r>
+          </a:p>
+          <a:p>
+            <a:r>
+              <a:rPr lang="en-US" sz="1050" noProof="1"/>
+              <a:t>      - name: azure-vote-front</a:t>
+            </a:r>
+          </a:p>
+          <a:p>
+            <a:r>
+              <a:rPr lang="en-US" sz="1050" noProof="1"/>
+              <a:t>        image: </a:t>
+            </a:r>
+            <a:r>
+              <a:rPr lang="en-US" sz="1050" noProof="1">
+                <a:solidFill>
+                  <a:srgbClr val="FF0000"/>
+                </a:solidFill>
+              </a:rPr>
+              <a:t>azurecaas.azurecr.io</a:t>
+            </a:r>
+            <a:r>
+              <a:rPr lang="en-US" sz="1050" noProof="1"/>
+              <a:t>/azure-vote-front:v1</a:t>
+            </a:r>
+          </a:p>
+          <a:p>
+            <a:r>
+              <a:rPr lang="en-US" sz="1050" noProof="1"/>
+              <a:t>        ports:</a:t>
+            </a:r>
+          </a:p>
+          <a:p>
+            <a:r>
+              <a:rPr lang="en-US" sz="1050" noProof="1"/>
+              <a:t>        - containerPort: 80</a:t>
+            </a:r>
+          </a:p>
+          <a:p>
+            <a:r>
+              <a:rPr lang="en-US" sz="1050" noProof="1"/>
+              <a:t>        resources:</a:t>
+            </a:r>
+          </a:p>
+          <a:p>
+            <a:r>
+              <a:rPr lang="en-US" sz="1050" noProof="1"/>
+              <a:t>          requests:</a:t>
+            </a:r>
+          </a:p>
+          <a:p>
+            <a:r>
+              <a:rPr lang="en-US" sz="1050" noProof="1"/>
+              <a:t>            cpu: 250m</a:t>
+            </a:r>
+          </a:p>
+          <a:p>
+            <a:r>
+              <a:rPr lang="en-US" sz="1050" noProof="1"/>
+              <a:t>          limits:</a:t>
+            </a:r>
+          </a:p>
+          <a:p>
+            <a:r>
+              <a:rPr lang="en-US" sz="1050" noProof="1"/>
+              <a:t>            cpu: 500m</a:t>
+            </a:r>
+          </a:p>
+          <a:p>
+            <a:r>
+              <a:rPr lang="en-US" sz="1050" noProof="1"/>
+              <a:t>        env:</a:t>
+            </a:r>
+          </a:p>
+          <a:p>
+            <a:r>
+              <a:rPr lang="en-US" sz="1050" noProof="1"/>
+              <a:t>        - name: REDIS</a:t>
+            </a:r>
+          </a:p>
+          <a:p>
+            <a:r>
+              <a:rPr lang="en-US" sz="1050" noProof="1"/>
+              <a:t>          value: "azure-vote-back"</a:t>
+            </a:r>
+          </a:p>
+          <a:p>
+            <a:r>
+              <a:rPr lang="en-US" sz="1050" noProof="1"/>
+              <a:t>---</a:t>
+            </a:r>
+          </a:p>
+        </p:txBody>
+      </p:sp>
+      <p:sp>
+        <p:nvSpPr>
+          <p:cNvPr id="4" name="Text Placeholder 3">
+            <a:extLst>
+              <a:ext uri="{FF2B5EF4-FFF2-40B4-BE49-F238E27FC236}">
+                <a16:creationId xmlns:a16="http://schemas.microsoft.com/office/drawing/2014/main" id="{1D18CB14-23F0-4C7A-AD53-4E984F2AA98F}"/>
+              </a:ext>
+            </a:extLst>
+          </p:cNvPr>
+          <p:cNvSpPr>
+            <a:spLocks noGrp="1"/>
+          </p:cNvSpPr>
+          <p:nvPr>
+            <p:ph type="body" sz="quarter" idx="23"/>
+          </p:nvPr>
+        </p:nvSpPr>
+        <p:spPr/>
+        <p:txBody>
+          <a:bodyPr/>
+          <a:lstStyle/>
+          <a:p>
+            <a:endParaRPr lang="en-US" dirty="0"/>
+          </a:p>
+        </p:txBody>
+      </p:sp>
+      <p:sp>
+        <p:nvSpPr>
+          <p:cNvPr id="5" name="Text Placeholder 4">
+            <a:extLst>
+              <a:ext uri="{FF2B5EF4-FFF2-40B4-BE49-F238E27FC236}">
+                <a16:creationId xmlns:a16="http://schemas.microsoft.com/office/drawing/2014/main" id="{DC07CEAD-1093-4ADD-919E-B0C338773CDC}"/>
+              </a:ext>
+            </a:extLst>
+          </p:cNvPr>
+          <p:cNvSpPr>
+            <a:spLocks noGrp="1"/>
+          </p:cNvSpPr>
+          <p:nvPr>
+            <p:ph type="body" sz="quarter" idx="24"/>
+          </p:nvPr>
+        </p:nvSpPr>
+        <p:spPr/>
+        <p:txBody>
+          <a:bodyPr/>
+          <a:lstStyle/>
+          <a:p>
+            <a:r>
+              <a:rPr lang="en-US"/>
+              <a:t>Deploy front-end</a:t>
+            </a:r>
+          </a:p>
+          <a:p>
+            <a:r>
+              <a:rPr lang="en-US"/>
+              <a:t>Rolling update</a:t>
+            </a:r>
+          </a:p>
+          <a:p>
+            <a:r>
+              <a:rPr lang="en-US"/>
+              <a:t>Get image from ACR</a:t>
+            </a:r>
+            <a:endParaRPr lang="en-US" dirty="0"/>
+          </a:p>
+        </p:txBody>
+      </p:sp>
+      <p:sp>
+        <p:nvSpPr>
+          <p:cNvPr id="6" name="Text Placeholder 5">
+            <a:extLst>
+              <a:ext uri="{FF2B5EF4-FFF2-40B4-BE49-F238E27FC236}">
+                <a16:creationId xmlns:a16="http://schemas.microsoft.com/office/drawing/2014/main" id="{D1DE23CE-C3E7-4D8C-BA43-FA87BA825AF2}"/>
+              </a:ext>
+            </a:extLst>
+          </p:cNvPr>
+          <p:cNvSpPr>
+            <a:spLocks noGrp="1"/>
+          </p:cNvSpPr>
+          <p:nvPr>
+            <p:ph type="body" sz="quarter" idx="25"/>
+          </p:nvPr>
+        </p:nvSpPr>
+        <p:spPr/>
+        <p:txBody>
+          <a:bodyPr/>
+          <a:lstStyle/>
+          <a:p>
+            <a:endParaRPr lang="en-US" dirty="0"/>
+          </a:p>
+        </p:txBody>
+      </p:sp>
+    </p:spTree>
+    <p:extLst>
+      <p:ext uri="{BB962C8B-B14F-4D97-AF65-F5344CB8AC3E}">
+        <p14:creationId xmlns:p14="http://schemas.microsoft.com/office/powerpoint/2010/main" val="2756498968"/>
+      </p:ext>
+    </p:extLst>
+  </p:cSld>
+  <p:clrMapOvr>
+    <a:masterClrMapping/>
+  </p:clrMapOvr>
+  <mc:AlternateContent xmlns:mc="http://schemas.openxmlformats.org/markup-compatibility/2006" xmlns:p14="http://schemas.microsoft.com/office/powerpoint/2010/main">
+    <mc:Choice Requires="p14">
+      <p:transition spd="med" p14:dur="700">
+        <p:fade/>
+      </p:transition>
+    </mc:Choice>
+    <mc:Fallback xmlns="">
+      <p:transition spd="med">
+        <p:fade/>
+      </p:transition>
+    </mc:Fallback>
+  </mc:AlternateContent>
+</p:sld>
+</file>
+
+<file path=ppt/slides/slide22.xml><?xml version="1.0" encoding="utf-8"?>
+<p:sld xmlns:a="http://schemas.openxmlformats.org/drawingml/2006/main" xmlns:r="http://schemas.openxmlformats.org/officeDocument/2006/relationships" xmlns:p="http://schemas.openxmlformats.org/presentationml/2006/main">
+  <p:cSld>
+    <p:spTree>
+      <p:nvGrpSpPr>
+        <p:cNvPr id="1" name=""/>
+        <p:cNvGrpSpPr/>
+        <p:nvPr/>
+      </p:nvGrpSpPr>
+      <p:grpSpPr>
+        <a:xfrm>
+          <a:off x="0" y="0"/>
+          <a:ext cx="0" cy="0"/>
+          <a:chOff x="0" y="0"/>
+          <a:chExt cx="0" cy="0"/>
+        </a:xfrm>
+      </p:grpSpPr>
+      <p:sp>
+        <p:nvSpPr>
+          <p:cNvPr id="2" name="Title 1">
+            <a:extLst>
+              <a:ext uri="{FF2B5EF4-FFF2-40B4-BE49-F238E27FC236}">
+                <a16:creationId xmlns:a16="http://schemas.microsoft.com/office/drawing/2014/main" id="{2A0334D8-9A3E-4AD0-B816-4869B0D2EF25}"/>
+              </a:ext>
+            </a:extLst>
+          </p:cNvPr>
+          <p:cNvSpPr>
+            <a:spLocks noGrp="1"/>
+          </p:cNvSpPr>
+          <p:nvPr>
+            <p:ph type="title"/>
+          </p:nvPr>
+        </p:nvSpPr>
+        <p:spPr/>
+        <p:txBody>
+          <a:bodyPr/>
+          <a:lstStyle/>
+          <a:p>
+            <a:r>
+              <a:rPr lang="en-US"/>
+              <a:t>Manifest</a:t>
+            </a:r>
+            <a:endParaRPr lang="en-US" dirty="0"/>
+          </a:p>
+        </p:txBody>
+      </p:sp>
+      <p:sp>
+        <p:nvSpPr>
+          <p:cNvPr id="3" name="Content Placeholder 2">
+            <a:extLst>
+              <a:ext uri="{FF2B5EF4-FFF2-40B4-BE49-F238E27FC236}">
+                <a16:creationId xmlns:a16="http://schemas.microsoft.com/office/drawing/2014/main" id="{88356D5B-5E65-4CD8-B009-D24FBBB78711}"/>
+              </a:ext>
+            </a:extLst>
+          </p:cNvPr>
+          <p:cNvSpPr>
+            <a:spLocks noGrp="1"/>
+          </p:cNvSpPr>
+          <p:nvPr>
+            <p:ph sz="quarter" idx="22"/>
+          </p:nvPr>
+        </p:nvSpPr>
+        <p:spPr/>
+        <p:txBody>
+          <a:bodyPr/>
+          <a:lstStyle/>
+          <a:p>
+            <a:r>
+              <a:rPr lang="en-US" sz="1050" noProof="1"/>
+              <a:t>apiVersion: v1</a:t>
+            </a:r>
+          </a:p>
+          <a:p>
+            <a:r>
+              <a:rPr lang="en-US" sz="1050" noProof="1"/>
+              <a:t>kind: </a:t>
+            </a:r>
+            <a:r>
+              <a:rPr lang="en-US" sz="1050" noProof="1">
+                <a:solidFill>
+                  <a:srgbClr val="FF0000"/>
+                </a:solidFill>
+              </a:rPr>
+              <a:t>Service</a:t>
+            </a:r>
+          </a:p>
+          <a:p>
+            <a:r>
+              <a:rPr lang="en-US" sz="1050" noProof="1"/>
+              <a:t>metadata:</a:t>
+            </a:r>
+          </a:p>
+          <a:p>
+            <a:r>
+              <a:rPr lang="en-US" sz="1050" noProof="1"/>
+              <a:t>  name: azure-vote-front</a:t>
+            </a:r>
+          </a:p>
+          <a:p>
+            <a:r>
+              <a:rPr lang="en-US" sz="1050" noProof="1"/>
+              <a:t>spec:</a:t>
+            </a:r>
+          </a:p>
+          <a:p>
+            <a:r>
+              <a:rPr lang="en-US" sz="1050" noProof="1"/>
+              <a:t>  type: </a:t>
+            </a:r>
+            <a:r>
+              <a:rPr lang="en-US" sz="1050" noProof="1">
+                <a:solidFill>
+                  <a:srgbClr val="FF0000"/>
+                </a:solidFill>
+              </a:rPr>
+              <a:t>LoadBalancer</a:t>
+            </a:r>
+          </a:p>
+          <a:p>
+            <a:r>
+              <a:rPr lang="en-US" sz="1050" noProof="1"/>
+              <a:t>  ports:</a:t>
+            </a:r>
+          </a:p>
+          <a:p>
+            <a:r>
+              <a:rPr lang="en-US" sz="1050" noProof="1"/>
+              <a:t>  - port: 80</a:t>
+            </a:r>
+          </a:p>
+          <a:p>
+            <a:r>
+              <a:rPr lang="en-US" sz="1050" noProof="1"/>
+              <a:t>  selector:</a:t>
+            </a:r>
+          </a:p>
+          <a:p>
+            <a:r>
+              <a:rPr lang="en-US" sz="1050" noProof="1"/>
+              <a:t>    app: azure-vote-front</a:t>
+            </a:r>
+          </a:p>
+        </p:txBody>
+      </p:sp>
+      <p:sp>
+        <p:nvSpPr>
+          <p:cNvPr id="4" name="Text Placeholder 3">
+            <a:extLst>
+              <a:ext uri="{FF2B5EF4-FFF2-40B4-BE49-F238E27FC236}">
+                <a16:creationId xmlns:a16="http://schemas.microsoft.com/office/drawing/2014/main" id="{1D18CB14-23F0-4C7A-AD53-4E984F2AA98F}"/>
+              </a:ext>
+            </a:extLst>
+          </p:cNvPr>
+          <p:cNvSpPr>
+            <a:spLocks noGrp="1"/>
+          </p:cNvSpPr>
+          <p:nvPr>
+            <p:ph type="body" sz="quarter" idx="23"/>
+          </p:nvPr>
+        </p:nvSpPr>
+        <p:spPr/>
+        <p:txBody>
+          <a:bodyPr/>
+          <a:lstStyle/>
+          <a:p>
+            <a:endParaRPr lang="en-US" dirty="0"/>
+          </a:p>
+        </p:txBody>
+      </p:sp>
+      <p:sp>
+        <p:nvSpPr>
+          <p:cNvPr id="5" name="Text Placeholder 4">
+            <a:extLst>
+              <a:ext uri="{FF2B5EF4-FFF2-40B4-BE49-F238E27FC236}">
+                <a16:creationId xmlns:a16="http://schemas.microsoft.com/office/drawing/2014/main" id="{DC07CEAD-1093-4ADD-919E-B0C338773CDC}"/>
+              </a:ext>
+            </a:extLst>
+          </p:cNvPr>
+          <p:cNvSpPr>
+            <a:spLocks noGrp="1"/>
+          </p:cNvSpPr>
+          <p:nvPr>
+            <p:ph type="body" sz="quarter" idx="24"/>
+          </p:nvPr>
+        </p:nvSpPr>
+        <p:spPr/>
+        <p:txBody>
+          <a:bodyPr/>
+          <a:lstStyle/>
+          <a:p>
+            <a:r>
+              <a:rPr lang="en-US"/>
+              <a:t>Enable external access using load balancer</a:t>
+            </a:r>
+            <a:endParaRPr lang="en-US" dirty="0"/>
+          </a:p>
+        </p:txBody>
+      </p:sp>
+      <p:sp>
+        <p:nvSpPr>
+          <p:cNvPr id="6" name="Text Placeholder 5">
+            <a:extLst>
+              <a:ext uri="{FF2B5EF4-FFF2-40B4-BE49-F238E27FC236}">
+                <a16:creationId xmlns:a16="http://schemas.microsoft.com/office/drawing/2014/main" id="{D1DE23CE-C3E7-4D8C-BA43-FA87BA825AF2}"/>
+              </a:ext>
+            </a:extLst>
+          </p:cNvPr>
+          <p:cNvSpPr>
+            <a:spLocks noGrp="1"/>
+          </p:cNvSpPr>
+          <p:nvPr>
+            <p:ph type="body" sz="quarter" idx="25"/>
+          </p:nvPr>
+        </p:nvSpPr>
+        <p:spPr/>
+        <p:txBody>
+          <a:bodyPr/>
+          <a:lstStyle/>
+          <a:p>
             <a:endParaRPr lang="en-US" dirty="0"/>
           </a:p>
         </p:txBody>
@@ -14543,13 +15700,429 @@
   <p:clrMapOvr>
     <a:masterClrMapping/>
   </p:clrMapOvr>
-  <p:transition spd="slow">
-    <p:push/>
-  </p:transition>
+  <mc:AlternateContent xmlns:mc="http://schemas.openxmlformats.org/markup-compatibility/2006" xmlns:p14="http://schemas.microsoft.com/office/powerpoint/2010/main">
+    <mc:Choice Requires="p14">
+      <p:transition spd="med" p14:dur="700">
+        <p:fade/>
+      </p:transition>
+    </mc:Choice>
+    <mc:Fallback xmlns="">
+      <p:transition spd="med">
+        <p:fade/>
+      </p:transition>
+    </mc:Fallback>
+  </mc:AlternateContent>
 </p:sld>
 </file>
 
-<file path=ppt/slides/slide19.xml><?xml version="1.0" encoding="utf-8"?>
+<file path=ppt/slides/slide23.xml><?xml version="1.0" encoding="utf-8"?>
+<p:sld xmlns:a="http://schemas.openxmlformats.org/drawingml/2006/main" xmlns:r="http://schemas.openxmlformats.org/officeDocument/2006/relationships" xmlns:p="http://schemas.openxmlformats.org/presentationml/2006/main">
+  <p:cSld>
+    <p:spTree>
+      <p:nvGrpSpPr>
+        <p:cNvPr id="1" name=""/>
+        <p:cNvGrpSpPr/>
+        <p:nvPr/>
+      </p:nvGrpSpPr>
+      <p:grpSpPr>
+        <a:xfrm>
+          <a:off x="0" y="0"/>
+          <a:ext cx="0" cy="0"/>
+          <a:chOff x="0" y="0"/>
+          <a:chExt cx="0" cy="0"/>
+        </a:xfrm>
+      </p:grpSpPr>
+      <p:sp>
+        <p:nvSpPr>
+          <p:cNvPr id="2" name="Title 1">
+            <a:extLst>
+              <a:ext uri="{FF2B5EF4-FFF2-40B4-BE49-F238E27FC236}">
+                <a16:creationId xmlns:a16="http://schemas.microsoft.com/office/drawing/2014/main" id="{2DAD930F-8556-428B-A2B7-C109FE506607}"/>
+              </a:ext>
+            </a:extLst>
+          </p:cNvPr>
+          <p:cNvSpPr>
+            <a:spLocks noGrp="1"/>
+          </p:cNvSpPr>
+          <p:nvPr>
+            <p:ph type="title"/>
+          </p:nvPr>
+        </p:nvSpPr>
+        <p:spPr/>
+        <p:txBody>
+          <a:bodyPr/>
+          <a:lstStyle/>
+          <a:p>
+            <a:r>
+              <a:rPr lang="de-AT" dirty="0"/>
+              <a:t>Summary</a:t>
+            </a:r>
+          </a:p>
+        </p:txBody>
+      </p:sp>
+      <p:sp>
+        <p:nvSpPr>
+          <p:cNvPr id="4" name="Content Placeholder 3">
+            <a:extLst>
+              <a:ext uri="{FF2B5EF4-FFF2-40B4-BE49-F238E27FC236}">
+                <a16:creationId xmlns:a16="http://schemas.microsoft.com/office/drawing/2014/main" id="{9FF512B7-396F-4C4E-9712-66932D994EE3}"/>
+              </a:ext>
+            </a:extLst>
+          </p:cNvPr>
+          <p:cNvSpPr>
+            <a:spLocks noGrp="1"/>
+          </p:cNvSpPr>
+          <p:nvPr>
+            <p:ph sz="quarter" idx="12"/>
+          </p:nvPr>
+        </p:nvSpPr>
+        <p:spPr/>
+        <p:txBody>
+          <a:bodyPr/>
+          <a:lstStyle/>
+          <a:p>
+            <a:r>
+              <a:rPr lang="de-AT" dirty="0"/>
+              <a:t>Azure          Docker</a:t>
+            </a:r>
+          </a:p>
+          <a:p>
+            <a:r>
+              <a:rPr lang="de-AT" dirty="0"/>
+              <a:t>Use PaaS and </a:t>
+            </a:r>
+            <a:r>
+              <a:rPr lang="de-AT" dirty="0" err="1"/>
+              <a:t>Serverless</a:t>
+            </a:r>
+            <a:r>
+              <a:rPr lang="de-AT" dirty="0"/>
+              <a:t>…</a:t>
+            </a:r>
+          </a:p>
+          <a:p>
+            <a:pPr lvl="1"/>
+            <a:r>
+              <a:rPr lang="de-AT" dirty="0"/>
+              <a:t>…</a:t>
+            </a:r>
+            <a:r>
+              <a:rPr lang="de-AT" dirty="0" err="1"/>
+              <a:t>to</a:t>
+            </a:r>
+            <a:r>
+              <a:rPr lang="de-AT" dirty="0"/>
+              <a:t> </a:t>
+            </a:r>
+            <a:r>
+              <a:rPr lang="de-AT" dirty="0" err="1"/>
+              <a:t>get</a:t>
+            </a:r>
+            <a:r>
+              <a:rPr lang="de-AT" dirty="0"/>
+              <a:t> </a:t>
+            </a:r>
+            <a:r>
+              <a:rPr lang="de-AT" dirty="0" err="1"/>
+              <a:t>the</a:t>
+            </a:r>
+            <a:r>
+              <a:rPr lang="de-AT" dirty="0"/>
+              <a:t> </a:t>
+            </a:r>
+            <a:r>
+              <a:rPr lang="de-AT" dirty="0" err="1"/>
+              <a:t>most</a:t>
+            </a:r>
+            <a:r>
+              <a:rPr lang="de-AT" dirty="0"/>
+              <a:t> out </a:t>
+            </a:r>
+            <a:r>
+              <a:rPr lang="de-AT" dirty="0" err="1"/>
+              <a:t>of</a:t>
+            </a:r>
+            <a:r>
+              <a:rPr lang="de-AT" dirty="0"/>
+              <a:t> </a:t>
+            </a:r>
+            <a:r>
+              <a:rPr lang="de-AT" dirty="0" err="1"/>
+              <a:t>your</a:t>
+            </a:r>
+            <a:r>
+              <a:rPr lang="de-AT" dirty="0"/>
+              <a:t> </a:t>
+            </a:r>
+            <a:r>
+              <a:rPr lang="de-AT" dirty="0" err="1"/>
+              <a:t>cloud</a:t>
+            </a:r>
+            <a:r>
+              <a:rPr lang="de-AT" dirty="0"/>
+              <a:t> </a:t>
+            </a:r>
+            <a:r>
+              <a:rPr lang="de-AT" dirty="0" err="1"/>
+              <a:t>investments</a:t>
+            </a:r>
+            <a:endParaRPr lang="de-AT" dirty="0"/>
+          </a:p>
+          <a:p>
+            <a:r>
+              <a:rPr lang="de-AT" dirty="0"/>
+              <a:t>Azure PaaS and </a:t>
+            </a:r>
+            <a:r>
+              <a:rPr lang="de-AT" dirty="0" err="1"/>
+              <a:t>Serverless</a:t>
+            </a:r>
+            <a:r>
+              <a:rPr lang="de-AT" dirty="0"/>
+              <a:t> </a:t>
+            </a:r>
+            <a:r>
+              <a:rPr lang="de-AT" dirty="0" err="1"/>
+              <a:t>offerings</a:t>
+            </a:r>
+            <a:endParaRPr lang="de-AT" dirty="0"/>
+          </a:p>
+          <a:p>
+            <a:pPr lvl="1"/>
+            <a:r>
+              <a:rPr lang="de-AT" dirty="0">
+                <a:solidFill>
+                  <a:schemeClr val="accent2"/>
+                </a:solidFill>
+              </a:rPr>
+              <a:t>Azure Container Registry </a:t>
+            </a:r>
+            <a:r>
+              <a:rPr lang="de-AT" dirty="0"/>
+              <a:t>(ACR) – </a:t>
+            </a:r>
+            <a:r>
+              <a:rPr lang="de-AT" dirty="0" err="1"/>
+              <a:t>store</a:t>
+            </a:r>
+            <a:r>
+              <a:rPr lang="de-AT" dirty="0"/>
+              <a:t> </a:t>
+            </a:r>
+            <a:r>
+              <a:rPr lang="de-AT" dirty="0" err="1"/>
+              <a:t>your</a:t>
+            </a:r>
+            <a:r>
+              <a:rPr lang="de-AT" dirty="0"/>
+              <a:t> </a:t>
+            </a:r>
+            <a:r>
+              <a:rPr lang="de-AT" dirty="0" err="1"/>
+              <a:t>images</a:t>
+            </a:r>
+            <a:r>
+              <a:rPr lang="de-AT" dirty="0"/>
+              <a:t> in Azure</a:t>
+            </a:r>
+          </a:p>
+          <a:p>
+            <a:pPr lvl="1"/>
+            <a:r>
+              <a:rPr lang="de-AT" dirty="0">
+                <a:solidFill>
+                  <a:schemeClr val="accent2"/>
+                </a:solidFill>
+              </a:rPr>
+              <a:t>Azure Container </a:t>
+            </a:r>
+            <a:r>
+              <a:rPr lang="de-AT" dirty="0" err="1">
+                <a:solidFill>
+                  <a:schemeClr val="accent2"/>
+                </a:solidFill>
+              </a:rPr>
+              <a:t>Instances</a:t>
+            </a:r>
+            <a:r>
+              <a:rPr lang="de-AT" dirty="0"/>
+              <a:t> (ACI) – </a:t>
+            </a:r>
+            <a:r>
+              <a:rPr lang="de-AT" i="1" dirty="0" err="1"/>
+              <a:t>Serverless</a:t>
+            </a:r>
+            <a:r>
+              <a:rPr lang="de-AT" i="1" dirty="0"/>
+              <a:t> </a:t>
+            </a:r>
+            <a:r>
+              <a:rPr lang="de-AT" dirty="0"/>
+              <a:t>Docker Containers</a:t>
+            </a:r>
+          </a:p>
+          <a:p>
+            <a:pPr lvl="1"/>
+            <a:r>
+              <a:rPr lang="de-AT" dirty="0">
+                <a:solidFill>
+                  <a:schemeClr val="accent2"/>
+                </a:solidFill>
+              </a:rPr>
+              <a:t>Azure Container Services </a:t>
+            </a:r>
+            <a:r>
+              <a:rPr lang="de-AT" dirty="0"/>
+              <a:t>(AKS) – </a:t>
+            </a:r>
+            <a:r>
+              <a:rPr lang="de-AT" dirty="0" err="1"/>
+              <a:t>Kubernetes</a:t>
+            </a:r>
+            <a:r>
+              <a:rPr lang="de-AT" dirty="0"/>
+              <a:t> </a:t>
+            </a:r>
+            <a:r>
+              <a:rPr lang="de-AT" dirty="0" err="1"/>
+              <a:t>as</a:t>
+            </a:r>
+            <a:r>
+              <a:rPr lang="de-AT" dirty="0"/>
+              <a:t> a Service</a:t>
+            </a:r>
+          </a:p>
+          <a:p>
+            <a:r>
+              <a:rPr lang="de-AT" dirty="0" err="1"/>
+              <a:t>Have</a:t>
+            </a:r>
+            <a:r>
+              <a:rPr lang="de-AT" dirty="0"/>
+              <a:t> </a:t>
+            </a:r>
+            <a:r>
+              <a:rPr lang="de-AT" dirty="0" err="1"/>
+              <a:t>fun</a:t>
+            </a:r>
+            <a:r>
+              <a:rPr lang="de-AT" dirty="0"/>
+              <a:t> </a:t>
+            </a:r>
+            <a:r>
+              <a:rPr lang="de-AT" dirty="0" err="1"/>
+              <a:t>with</a:t>
+            </a:r>
+            <a:r>
+              <a:rPr lang="de-AT" dirty="0"/>
+              <a:t> Docker </a:t>
+            </a:r>
+            <a:r>
+              <a:rPr lang="de-AT"/>
+              <a:t>on Azure</a:t>
+            </a:r>
+            <a:endParaRPr lang="de-AT" dirty="0"/>
+          </a:p>
+        </p:txBody>
+      </p:sp>
+      <p:sp>
+        <p:nvSpPr>
+          <p:cNvPr id="5" name="Text Placeholder 4">
+            <a:extLst>
+              <a:ext uri="{FF2B5EF4-FFF2-40B4-BE49-F238E27FC236}">
+                <a16:creationId xmlns:a16="http://schemas.microsoft.com/office/drawing/2014/main" id="{CC8D767B-8692-4F64-B0FE-432A969B1730}"/>
+              </a:ext>
+            </a:extLst>
+          </p:cNvPr>
+          <p:cNvSpPr>
+            <a:spLocks noGrp="1"/>
+          </p:cNvSpPr>
+          <p:nvPr>
+            <p:ph type="body" sz="quarter" idx="23"/>
+          </p:nvPr>
+        </p:nvSpPr>
+        <p:spPr/>
+        <p:txBody>
+          <a:bodyPr/>
+          <a:lstStyle/>
+          <a:p>
+            <a:endParaRPr lang="de-AT"/>
+          </a:p>
+        </p:txBody>
+      </p:sp>
+      <p:pic>
+        <p:nvPicPr>
+          <p:cNvPr id="6" name="Picture 6" descr="Heart, Shape, Red, Love, Heart Shape, Day, Holiday">
+            <a:extLst>
+              <a:ext uri="{FF2B5EF4-FFF2-40B4-BE49-F238E27FC236}">
+                <a16:creationId xmlns:a16="http://schemas.microsoft.com/office/drawing/2014/main" id="{23970E87-5BBE-44E3-B3E8-9015608AAEA9}"/>
+              </a:ext>
+            </a:extLst>
+          </p:cNvPr>
+          <p:cNvPicPr>
+            <a:picLocks noChangeAspect="1" noChangeArrowheads="1"/>
+          </p:cNvPicPr>
+          <p:nvPr/>
+        </p:nvPicPr>
+        <p:blipFill>
+          <a:blip r:embed="rId2" cstate="print">
+            <a:extLst>
+              <a:ext uri="{28A0092B-C50C-407E-A947-70E740481C1C}">
+                <a14:useLocalDpi xmlns:a14="http://schemas.microsoft.com/office/drawing/2010/main" val="0"/>
+              </a:ext>
+            </a:extLst>
+          </a:blip>
+          <a:srcRect/>
+          <a:stretch>
+            <a:fillRect/>
+          </a:stretch>
+        </p:blipFill>
+        <p:spPr bwMode="auto">
+          <a:xfrm>
+            <a:off x="1547664" y="1059582"/>
+            <a:ext cx="643723" cy="623703"/>
+          </a:xfrm>
+          <a:prstGeom prst="rect">
+            <a:avLst/>
+          </a:prstGeom>
+          <a:noFill/>
+          <a:extLst>
+            <a:ext uri="{909E8E84-426E-40DD-AFC4-6F175D3DCCD1}">
+              <a14:hiddenFill xmlns:a14="http://schemas.microsoft.com/office/drawing/2010/main">
+                <a:solidFill>
+                  <a:srgbClr val="FFFFFF"/>
+                </a:solidFill>
+              </a14:hiddenFill>
+            </a:ext>
+          </a:extLst>
+        </p:spPr>
+      </p:pic>
+    </p:spTree>
+    <p:extLst>
+      <p:ext uri="{BB962C8B-B14F-4D97-AF65-F5344CB8AC3E}">
+        <p14:creationId xmlns:p14="http://schemas.microsoft.com/office/powerpoint/2010/main" val="1499997789"/>
+      </p:ext>
+    </p:extLst>
+  </p:cSld>
+  <p:clrMapOvr>
+    <a:masterClrMapping/>
+  </p:clrMapOvr>
+  <mc:AlternateContent xmlns:mc="http://schemas.openxmlformats.org/markup-compatibility/2006" xmlns:p14="http://schemas.microsoft.com/office/powerpoint/2010/main">
+    <mc:Choice Requires="p14">
+      <p:transition spd="med" p14:dur="700">
+        <p:fade/>
+      </p:transition>
+    </mc:Choice>
+    <mc:Fallback xmlns="">
+      <p:transition spd="med">
+        <p:fade/>
+      </p:transition>
+    </mc:Fallback>
+  </mc:AlternateContent>
+</p:sld>
+</file>
+
+<file path=ppt/slides/slide24.xml><?xml version="1.0" encoding="utf-8"?>
 <p:sld xmlns:a="http://schemas.openxmlformats.org/drawingml/2006/main" xmlns:r="http://schemas.openxmlformats.org/officeDocument/2006/relationships" xmlns:p="http://schemas.openxmlformats.org/presentationml/2006/main">
   <p:cSld>
     <p:spTree>
@@ -14812,7 +16385,7 @@
 </p:sld>
 </file>
 
-<file path=ppt/slides/slide2.xml><?xml version="1.0" encoding="utf-8"?>
+<file path=ppt/slides/slide3.xml><?xml version="1.0" encoding="utf-8"?>
 <p:sld xmlns:a="http://schemas.openxmlformats.org/drawingml/2006/main" xmlns:r="http://schemas.openxmlformats.org/officeDocument/2006/relationships" xmlns:p="http://schemas.openxmlformats.org/presentationml/2006/main">
   <p:cSld>
     <p:spTree>
@@ -14957,176 +16530,6 @@
 </p:sld>
 </file>
 
-<file path=ppt/slides/slide3.xml><?xml version="1.0" encoding="utf-8"?>
-<p:sld xmlns:a="http://schemas.openxmlformats.org/drawingml/2006/main" xmlns:r="http://schemas.openxmlformats.org/officeDocument/2006/relationships" xmlns:p="http://schemas.openxmlformats.org/presentationml/2006/main">
-  <p:cSld>
-    <p:spTree>
-      <p:nvGrpSpPr>
-        <p:cNvPr id="1" name=""/>
-        <p:cNvGrpSpPr/>
-        <p:nvPr/>
-      </p:nvGrpSpPr>
-      <p:grpSpPr>
-        <a:xfrm>
-          <a:off x="0" y="0"/>
-          <a:ext cx="0" cy="0"/>
-          <a:chOff x="0" y="0"/>
-          <a:chExt cx="0" cy="0"/>
-        </a:xfrm>
-      </p:grpSpPr>
-      <p:sp>
-        <p:nvSpPr>
-          <p:cNvPr id="6" name="Title 5">
-            <a:extLst>
-              <a:ext uri="{FF2B5EF4-FFF2-40B4-BE49-F238E27FC236}">
-                <a16:creationId xmlns:a16="http://schemas.microsoft.com/office/drawing/2014/main" id="{E1E73C1C-14E2-4894-8948-DC121CC051A9}"/>
-              </a:ext>
-            </a:extLst>
-          </p:cNvPr>
-          <p:cNvSpPr>
-            <a:spLocks noGrp="1"/>
-          </p:cNvSpPr>
-          <p:nvPr>
-            <p:ph type="title"/>
-          </p:nvPr>
-        </p:nvSpPr>
-        <p:spPr/>
-        <p:txBody>
-          <a:bodyPr/>
-          <a:lstStyle/>
-          <a:p>
-            <a:r>
-              <a:rPr lang="en-US"/>
-              <a:t>Azure Container Registry</a:t>
-            </a:r>
-          </a:p>
-        </p:txBody>
-      </p:sp>
-      <p:sp>
-        <p:nvSpPr>
-          <p:cNvPr id="7" name="Content Placeholder 6">
-            <a:extLst>
-              <a:ext uri="{FF2B5EF4-FFF2-40B4-BE49-F238E27FC236}">
-                <a16:creationId xmlns:a16="http://schemas.microsoft.com/office/drawing/2014/main" id="{2F3CA63A-D312-40F3-AD9D-B164B1A6B861}"/>
-              </a:ext>
-            </a:extLst>
-          </p:cNvPr>
-          <p:cNvSpPr>
-            <a:spLocks noGrp="1"/>
-          </p:cNvSpPr>
-          <p:nvPr>
-            <p:ph sz="quarter" idx="12"/>
-          </p:nvPr>
-        </p:nvSpPr>
-        <p:spPr/>
-        <p:txBody>
-          <a:bodyPr/>
-          <a:lstStyle/>
-          <a:p>
-            <a:r>
-              <a:rPr lang="en-US" dirty="0"/>
-              <a:t>Store and manage Docker images</a:t>
-            </a:r>
-          </a:p>
-          <a:p>
-            <a:pPr lvl="1"/>
-            <a:r>
-              <a:rPr lang="en-US" dirty="0"/>
-              <a:t>Windows and Linux</a:t>
-            </a:r>
-          </a:p>
-          <a:p>
-            <a:r>
-              <a:rPr lang="en-US" dirty="0"/>
-              <a:t>Managed service</a:t>
-            </a:r>
-          </a:p>
-          <a:p>
-            <a:pPr lvl="1"/>
-            <a:r>
-              <a:rPr lang="en-US" dirty="0"/>
-              <a:t>Based on open-source Docker Registry</a:t>
-            </a:r>
-          </a:p>
-          <a:p>
-            <a:r>
-              <a:rPr lang="en-US" dirty="0"/>
-              <a:t>Controlled access with Azure AD</a:t>
-            </a:r>
-          </a:p>
-          <a:p>
-            <a:pPr lvl="1"/>
-            <a:r>
-              <a:rPr lang="en-US" dirty="0"/>
-              <a:t>Azure AD-backed service principals</a:t>
-            </a:r>
-          </a:p>
-          <a:p>
-            <a:pPr lvl="1"/>
-            <a:r>
-              <a:rPr lang="en-US" dirty="0"/>
-              <a:t>Admin account</a:t>
-            </a:r>
-          </a:p>
-          <a:p>
-            <a:pPr lvl="1"/>
-            <a:r>
-              <a:rPr lang="en-US" dirty="0">
-                <a:hlinkClick r:id="rId2"/>
-              </a:rPr>
-              <a:t>Read more…</a:t>
-            </a:r>
-            <a:endParaRPr lang="en-US" dirty="0"/>
-          </a:p>
-        </p:txBody>
-      </p:sp>
-      <p:sp>
-        <p:nvSpPr>
-          <p:cNvPr id="8" name="Text Placeholder 7">
-            <a:extLst>
-              <a:ext uri="{FF2B5EF4-FFF2-40B4-BE49-F238E27FC236}">
-                <a16:creationId xmlns:a16="http://schemas.microsoft.com/office/drawing/2014/main" id="{1A745433-C1A4-41A3-88A7-1CEA27C76071}"/>
-              </a:ext>
-            </a:extLst>
-          </p:cNvPr>
-          <p:cNvSpPr>
-            <a:spLocks noGrp="1"/>
-          </p:cNvSpPr>
-          <p:nvPr>
-            <p:ph type="body" sz="quarter" idx="23"/>
-          </p:nvPr>
-        </p:nvSpPr>
-        <p:spPr/>
-        <p:txBody>
-          <a:bodyPr/>
-          <a:lstStyle/>
-          <a:p>
-            <a:r>
-              <a:rPr lang="en-US">
-                <a:hlinkClick r:id="rId3"/>
-              </a:rPr>
-              <a:t>https://azure.microsoft.com/en-us/services/container-registry/</a:t>
-            </a:r>
-            <a:endParaRPr lang="en-US"/>
-          </a:p>
-        </p:txBody>
-      </p:sp>
-    </p:spTree>
-    <p:extLst>
-      <p:ext uri="{BB962C8B-B14F-4D97-AF65-F5344CB8AC3E}">
-        <p14:creationId xmlns:p14="http://schemas.microsoft.com/office/powerpoint/2010/main" val="982654220"/>
-      </p:ext>
-    </p:extLst>
-  </p:cSld>
-  <p:clrMapOvr>
-    <a:masterClrMapping/>
-  </p:clrMapOvr>
-  <p:transition spd="slow">
-    <p:push/>
-  </p:transition>
-</p:sld>
-</file>
-
 <file path=ppt/slides/slide4.xml><?xml version="1.0" encoding="utf-8"?>
 <p:sld xmlns:a="http://schemas.openxmlformats.org/drawingml/2006/main" xmlns:r="http://schemas.openxmlformats.org/officeDocument/2006/relationships" xmlns:p="http://schemas.openxmlformats.org/presentationml/2006/main">
   <p:cSld>
@@ -15195,45 +16598,57 @@
           <a:p>
             <a:r>
               <a:rPr lang="en-US" dirty="0"/>
-              <a:t>Multilevel namespaces for repositories</a:t>
+              <a:t>Store and manage Docker images</a:t>
             </a:r>
           </a:p>
           <a:p>
             <a:pPr lvl="1"/>
             <a:r>
               <a:rPr lang="en-US" dirty="0"/>
-              <a:t>E.g. myregistry.azurecr.io/</a:t>
-            </a:r>
-            <a:r>
-              <a:rPr lang="en-US" dirty="0" err="1"/>
-              <a:t>hrdept</a:t>
-            </a:r>
+              <a:t>Windows and Linux</a:t>
+            </a:r>
+          </a:p>
+          <a:p>
             <a:r>
               <a:rPr lang="en-US" dirty="0"/>
-              <a:t>/web:3.0.1</a:t>
-            </a:r>
-          </a:p>
-          <a:p>
+              <a:t>Managed service</a:t>
+            </a:r>
+          </a:p>
+          <a:p>
+            <a:pPr lvl="1"/>
             <a:r>
               <a:rPr lang="en-US" dirty="0"/>
-              <a:t>Support for </a:t>
-            </a:r>
+              <a:t>Based on open-source Docker Registry</a:t>
+            </a:r>
+          </a:p>
+          <a:p>
+            <a:r>
+              <a:rPr lang="en-US" dirty="0"/>
+              <a:t>Controlled access with Azure AD</a:t>
+            </a:r>
+          </a:p>
+          <a:p>
+            <a:pPr lvl="1"/>
+            <a:r>
+              <a:rPr lang="en-US" dirty="0"/>
+              <a:t>Azure AD-backed service principals</a:t>
+            </a:r>
+          </a:p>
+          <a:p>
+            <a:pPr lvl="1"/>
+            <a:r>
+              <a:rPr lang="en-US" dirty="0"/>
+              <a:t>Admin account</a:t>
+            </a:r>
+          </a:p>
+          <a:p>
+            <a:pPr lvl="1"/>
             <a:r>
               <a:rPr lang="en-US" dirty="0">
                 <a:hlinkClick r:id="rId2"/>
               </a:rPr>
-              <a:t>Webhooks</a:t>
-            </a:r>
-            <a:endParaRPr lang="en-US" dirty="0"/>
-          </a:p>
-          <a:p>
-            <a:pPr lvl="1"/>
-            <a:r>
-              <a:rPr lang="en-US" dirty="0"/>
-              <a:t>Push, delete</a:t>
-            </a:r>
-          </a:p>
-          <a:p>
+              <a:t>Read more…</a:t>
+            </a:r>
             <a:endParaRPr lang="en-US" dirty="0"/>
           </a:p>
         </p:txBody>
@@ -15272,16 +16687,25 @@
     </p:spTree>
     <p:extLst>
       <p:ext uri="{BB962C8B-B14F-4D97-AF65-F5344CB8AC3E}">
-        <p14:creationId xmlns:p14="http://schemas.microsoft.com/office/powerpoint/2010/main" val="2492628593"/>
+        <p14:creationId xmlns:p14="http://schemas.microsoft.com/office/powerpoint/2010/main" val="982654220"/>
       </p:ext>
     </p:extLst>
   </p:cSld>
   <p:clrMapOvr>
     <a:masterClrMapping/>
   </p:clrMapOvr>
-  <p:transition spd="slow">
-    <p:push/>
-  </p:transition>
+  <mc:AlternateContent xmlns:mc="http://schemas.openxmlformats.org/markup-compatibility/2006" xmlns:p14="http://schemas.microsoft.com/office/powerpoint/2010/main">
+    <mc:Choice Requires="p14">
+      <p:transition spd="med" p14:dur="700">
+        <p:fade/>
+      </p:transition>
+    </mc:Choice>
+    <mc:Fallback xmlns="">
+      <p:transition spd="med">
+        <p:fade/>
+      </p:transition>
+    </mc:Fallback>
+  </mc:AlternateContent>
 </p:sld>
 </file>
 
@@ -15304,6 +16728,173 @@
       </p:grpSpPr>
       <p:sp>
         <p:nvSpPr>
+          <p:cNvPr id="6" name="Title 5">
+            <a:extLst>
+              <a:ext uri="{FF2B5EF4-FFF2-40B4-BE49-F238E27FC236}">
+                <a16:creationId xmlns:a16="http://schemas.microsoft.com/office/drawing/2014/main" id="{E1E73C1C-14E2-4894-8948-DC121CC051A9}"/>
+              </a:ext>
+            </a:extLst>
+          </p:cNvPr>
+          <p:cNvSpPr>
+            <a:spLocks noGrp="1"/>
+          </p:cNvSpPr>
+          <p:nvPr>
+            <p:ph type="title"/>
+          </p:nvPr>
+        </p:nvSpPr>
+        <p:spPr/>
+        <p:txBody>
+          <a:bodyPr/>
+          <a:lstStyle/>
+          <a:p>
+            <a:r>
+              <a:rPr lang="en-US"/>
+              <a:t>Azure Container Registry</a:t>
+            </a:r>
+          </a:p>
+        </p:txBody>
+      </p:sp>
+      <p:sp>
+        <p:nvSpPr>
+          <p:cNvPr id="7" name="Content Placeholder 6">
+            <a:extLst>
+              <a:ext uri="{FF2B5EF4-FFF2-40B4-BE49-F238E27FC236}">
+                <a16:creationId xmlns:a16="http://schemas.microsoft.com/office/drawing/2014/main" id="{2F3CA63A-D312-40F3-AD9D-B164B1A6B861}"/>
+              </a:ext>
+            </a:extLst>
+          </p:cNvPr>
+          <p:cNvSpPr>
+            <a:spLocks noGrp="1"/>
+          </p:cNvSpPr>
+          <p:nvPr>
+            <p:ph sz="quarter" idx="12"/>
+          </p:nvPr>
+        </p:nvSpPr>
+        <p:spPr/>
+        <p:txBody>
+          <a:bodyPr/>
+          <a:lstStyle/>
+          <a:p>
+            <a:r>
+              <a:rPr lang="en-US" dirty="0"/>
+              <a:t>Multilevel namespaces for repositories</a:t>
+            </a:r>
+          </a:p>
+          <a:p>
+            <a:pPr lvl="1"/>
+            <a:r>
+              <a:rPr lang="en-US" dirty="0"/>
+              <a:t>E.g. myregistry.azurecr.io/</a:t>
+            </a:r>
+            <a:r>
+              <a:rPr lang="en-US" dirty="0" err="1"/>
+              <a:t>hrdept</a:t>
+            </a:r>
+            <a:r>
+              <a:rPr lang="en-US" dirty="0"/>
+              <a:t>/web:3.0.1</a:t>
+            </a:r>
+          </a:p>
+          <a:p>
+            <a:r>
+              <a:rPr lang="en-US" dirty="0"/>
+              <a:t>Support for </a:t>
+            </a:r>
+            <a:r>
+              <a:rPr lang="en-US" dirty="0">
+                <a:hlinkClick r:id="rId2"/>
+              </a:rPr>
+              <a:t>Webhooks</a:t>
+            </a:r>
+            <a:endParaRPr lang="en-US" dirty="0"/>
+          </a:p>
+          <a:p>
+            <a:pPr lvl="1"/>
+            <a:r>
+              <a:rPr lang="en-US" dirty="0"/>
+              <a:t>Push, delete</a:t>
+            </a:r>
+          </a:p>
+          <a:p>
+            <a:endParaRPr lang="en-US" dirty="0"/>
+          </a:p>
+        </p:txBody>
+      </p:sp>
+      <p:sp>
+        <p:nvSpPr>
+          <p:cNvPr id="8" name="Text Placeholder 7">
+            <a:extLst>
+              <a:ext uri="{FF2B5EF4-FFF2-40B4-BE49-F238E27FC236}">
+                <a16:creationId xmlns:a16="http://schemas.microsoft.com/office/drawing/2014/main" id="{1A745433-C1A4-41A3-88A7-1CEA27C76071}"/>
+              </a:ext>
+            </a:extLst>
+          </p:cNvPr>
+          <p:cNvSpPr>
+            <a:spLocks noGrp="1"/>
+          </p:cNvSpPr>
+          <p:nvPr>
+            <p:ph type="body" sz="quarter" idx="23"/>
+          </p:nvPr>
+        </p:nvSpPr>
+        <p:spPr/>
+        <p:txBody>
+          <a:bodyPr/>
+          <a:lstStyle/>
+          <a:p>
+            <a:r>
+              <a:rPr lang="en-US">
+                <a:hlinkClick r:id="rId3"/>
+              </a:rPr>
+              <a:t>https://azure.microsoft.com/en-us/services/container-registry/</a:t>
+            </a:r>
+            <a:endParaRPr lang="en-US"/>
+          </a:p>
+        </p:txBody>
+      </p:sp>
+    </p:spTree>
+    <p:extLst>
+      <p:ext uri="{BB962C8B-B14F-4D97-AF65-F5344CB8AC3E}">
+        <p14:creationId xmlns:p14="http://schemas.microsoft.com/office/powerpoint/2010/main" val="2492628593"/>
+      </p:ext>
+    </p:extLst>
+  </p:cSld>
+  <p:clrMapOvr>
+    <a:masterClrMapping/>
+  </p:clrMapOvr>
+  <mc:AlternateContent xmlns:mc="http://schemas.openxmlformats.org/markup-compatibility/2006" xmlns:p14="http://schemas.microsoft.com/office/powerpoint/2010/main">
+    <mc:Choice Requires="p14">
+      <p:transition spd="med" p14:dur="700">
+        <p:fade/>
+      </p:transition>
+    </mc:Choice>
+    <mc:Fallback xmlns="">
+      <p:transition spd="med">
+        <p:fade/>
+      </p:transition>
+    </mc:Fallback>
+  </mc:AlternateContent>
+</p:sld>
+</file>
+
+<file path=ppt/slides/slide6.xml><?xml version="1.0" encoding="utf-8"?>
+<p:sld xmlns:a="http://schemas.openxmlformats.org/drawingml/2006/main" xmlns:r="http://schemas.openxmlformats.org/officeDocument/2006/relationships" xmlns:p="http://schemas.openxmlformats.org/presentationml/2006/main">
+  <p:cSld>
+    <p:spTree>
+      <p:nvGrpSpPr>
+        <p:cNvPr id="1" name=""/>
+        <p:cNvGrpSpPr/>
+        <p:nvPr/>
+      </p:nvGrpSpPr>
+      <p:grpSpPr>
+        <a:xfrm>
+          <a:off x="0" y="0"/>
+          <a:ext cx="0" cy="0"/>
+          <a:chOff x="0" y="0"/>
+          <a:chExt cx="0" cy="0"/>
+        </a:xfrm>
+      </p:grpSpPr>
+      <p:sp>
+        <p:nvSpPr>
           <p:cNvPr id="2" name="Title 1">
             <a:extLst>
               <a:ext uri="{FF2B5EF4-FFF2-40B4-BE49-F238E27FC236}">
@@ -15424,13 +17015,7 @@
           <a:p>
             <a:r>
               <a:rPr lang="en-US" noProof="1"/>
-              <a:t>az acr create --resource-group azure-caas-demo \</a:t>
-            </a:r>
-          </a:p>
-          <a:p>
-            <a:r>
-              <a:rPr lang="en-US" noProof="1"/>
-              <a:t>  --name azurecaas --sku Basic --admin-enabled</a:t>
+              <a:t>az acr create --resource-group azure-caas-demo --name azurecaas --sku Premium --admin-enabled</a:t>
             </a:r>
           </a:p>
           <a:p>
@@ -15560,13 +17145,7 @@
           <a:p>
             <a:r>
               <a:rPr lang="en-US" noProof="1"/>
-              <a:t>az acr repository show-tags --name azurecaas \</a:t>
-            </a:r>
-          </a:p>
-          <a:p>
-            <a:r>
-              <a:rPr lang="en-US" noProof="1"/>
-              <a:t>	--repository web-demo --output table</a:t>
+              <a:t>az acr repository show-tags --name azurecaas --repository web-demo --output table</a:t>
             </a:r>
           </a:p>
           <a:p>
@@ -15692,13 +17271,22 @@
   <p:clrMapOvr>
     <a:masterClrMapping/>
   </p:clrMapOvr>
-  <p:transition spd="slow">
-    <p:push/>
-  </p:transition>
+  <mc:AlternateContent xmlns:mc="http://schemas.openxmlformats.org/markup-compatibility/2006" xmlns:p14="http://schemas.microsoft.com/office/powerpoint/2010/main">
+    <mc:Choice Requires="p14">
+      <p:transition spd="med" p14:dur="700">
+        <p:fade/>
+      </p:transition>
+    </mc:Choice>
+    <mc:Fallback xmlns="">
+      <p:transition spd="med">
+        <p:fade/>
+      </p:transition>
+    </mc:Fallback>
+  </mc:AlternateContent>
 </p:sld>
 </file>
 
-<file path=ppt/slides/slide6.xml><?xml version="1.0" encoding="utf-8"?>
+<file path=ppt/slides/slide7.xml><?xml version="1.0" encoding="utf-8"?>
 <p:sld xmlns:a="http://schemas.openxmlformats.org/drawingml/2006/main" xmlns:r="http://schemas.openxmlformats.org/officeDocument/2006/relationships" xmlns:p="http://schemas.openxmlformats.org/presentationml/2006/main">
   <p:cSld>
     <p:spTree>
@@ -15919,13 +17507,22 @@
   <p:clrMapOvr>
     <a:masterClrMapping/>
   </p:clrMapOvr>
-  <p:transition spd="slow">
-    <p:push/>
-  </p:transition>
+  <mc:AlternateContent xmlns:mc="http://schemas.openxmlformats.org/markup-compatibility/2006" xmlns:p14="http://schemas.microsoft.com/office/powerpoint/2010/main">
+    <mc:Choice Requires="p14">
+      <p:transition spd="med" p14:dur="700">
+        <p:fade/>
+      </p:transition>
+    </mc:Choice>
+    <mc:Fallback xmlns="">
+      <p:transition spd="med">
+        <p:fade/>
+      </p:transition>
+    </mc:Fallback>
+  </mc:AlternateContent>
 </p:sld>
 </file>
 
-<file path=ppt/slides/slide7.xml><?xml version="1.0" encoding="utf-8"?>
+<file path=ppt/slides/slide8.xml><?xml version="1.0" encoding="utf-8"?>
 <p:sld xmlns:a="http://schemas.openxmlformats.org/drawingml/2006/main" xmlns:r="http://schemas.openxmlformats.org/officeDocument/2006/relationships" xmlns:p="http://schemas.openxmlformats.org/presentationml/2006/main">
   <p:cSld>
     <p:spTree>
@@ -16070,226 +17667,6 @@
 </p:sld>
 </file>
 
-<file path=ppt/slides/slide8.xml><?xml version="1.0" encoding="utf-8"?>
-<p:sld xmlns:a="http://schemas.openxmlformats.org/drawingml/2006/main" xmlns:r="http://schemas.openxmlformats.org/officeDocument/2006/relationships" xmlns:p="http://schemas.openxmlformats.org/presentationml/2006/main">
-  <p:cSld>
-    <p:spTree>
-      <p:nvGrpSpPr>
-        <p:cNvPr id="1" name=""/>
-        <p:cNvGrpSpPr/>
-        <p:nvPr/>
-      </p:nvGrpSpPr>
-      <p:grpSpPr>
-        <a:xfrm>
-          <a:off x="0" y="0"/>
-          <a:ext cx="0" cy="0"/>
-          <a:chOff x="0" y="0"/>
-          <a:chExt cx="0" cy="0"/>
-        </a:xfrm>
-      </p:grpSpPr>
-      <p:sp>
-        <p:nvSpPr>
-          <p:cNvPr id="6" name="Title 5">
-            <a:extLst>
-              <a:ext uri="{FF2B5EF4-FFF2-40B4-BE49-F238E27FC236}">
-                <a16:creationId xmlns:a16="http://schemas.microsoft.com/office/drawing/2014/main" id="{E1E73C1C-14E2-4894-8948-DC121CC051A9}"/>
-              </a:ext>
-            </a:extLst>
-          </p:cNvPr>
-          <p:cNvSpPr>
-            <a:spLocks noGrp="1"/>
-          </p:cNvSpPr>
-          <p:nvPr>
-            <p:ph type="title"/>
-          </p:nvPr>
-        </p:nvSpPr>
-        <p:spPr/>
-        <p:txBody>
-          <a:bodyPr/>
-          <a:lstStyle/>
-          <a:p>
-            <a:r>
-              <a:rPr lang="en-US"/>
-              <a:t>Azure Container Registry</a:t>
-            </a:r>
-          </a:p>
-        </p:txBody>
-      </p:sp>
-      <p:sp>
-        <p:nvSpPr>
-          <p:cNvPr id="7" name="Content Placeholder 6">
-            <a:extLst>
-              <a:ext uri="{FF2B5EF4-FFF2-40B4-BE49-F238E27FC236}">
-                <a16:creationId xmlns:a16="http://schemas.microsoft.com/office/drawing/2014/main" id="{2F3CA63A-D312-40F3-AD9D-B164B1A6B861}"/>
-              </a:ext>
-            </a:extLst>
-          </p:cNvPr>
-          <p:cNvSpPr>
-            <a:spLocks noGrp="1"/>
-          </p:cNvSpPr>
-          <p:nvPr>
-            <p:ph sz="quarter" idx="12"/>
-          </p:nvPr>
-        </p:nvSpPr>
-        <p:spPr/>
-        <p:txBody>
-          <a:bodyPr/>
-          <a:lstStyle/>
-          <a:p>
-            <a:r>
-              <a:rPr lang="en-US" dirty="0"/>
-              <a:t>Preview!</a:t>
-            </a:r>
-          </a:p>
-          <a:p>
-            <a:pPr lvl="1"/>
-            <a:r>
-              <a:rPr lang="en-US" dirty="0"/>
-              <a:t>Note limitations (e.g. no </a:t>
-            </a:r>
-            <a:r>
-              <a:rPr lang="en-US" dirty="0" err="1"/>
-              <a:t>VNet</a:t>
-            </a:r>
-            <a:r>
-              <a:rPr lang="en-US" dirty="0"/>
-              <a:t> support, </a:t>
-            </a:r>
-            <a:r>
-              <a:rPr lang="en-US" dirty="0">
-                <a:hlinkClick r:id="rId2"/>
-              </a:rPr>
-              <a:t>quotas and regional limits</a:t>
-            </a:r>
-            <a:r>
-              <a:rPr lang="en-US" dirty="0"/>
-              <a:t>)</a:t>
-            </a:r>
-          </a:p>
-          <a:p>
-            <a:r>
-              <a:rPr lang="en-US" dirty="0"/>
-              <a:t>Fastest and simplest way to run a container in Azure</a:t>
-            </a:r>
-          </a:p>
-          <a:p>
-            <a:pPr lvl="1"/>
-            <a:r>
-              <a:rPr lang="en-US" dirty="0"/>
-              <a:t>Isolated containers with simple applications, task automations, build jobs, etc.</a:t>
-            </a:r>
-          </a:p>
-          <a:p>
-            <a:pPr lvl="1"/>
-            <a:r>
-              <a:rPr lang="en-US" dirty="0"/>
-              <a:t>Use </a:t>
-            </a:r>
-            <a:r>
-              <a:rPr lang="en-US" dirty="0">
-                <a:hlinkClick r:id="rId3"/>
-              </a:rPr>
-              <a:t>Container Groups</a:t>
-            </a:r>
-            <a:r>
-              <a:rPr lang="en-US" dirty="0"/>
-              <a:t> to put containers on same host machine (e.g. shared network)</a:t>
-            </a:r>
-          </a:p>
-          <a:p>
-            <a:pPr lvl="1"/>
-            <a:r>
-              <a:rPr lang="en-US" u="sng" dirty="0"/>
-              <a:t>Not</a:t>
-            </a:r>
-            <a:r>
-              <a:rPr lang="en-US" dirty="0"/>
-              <a:t> fully-featured container orchestrator</a:t>
-            </a:r>
-          </a:p>
-          <a:p>
-            <a:r>
-              <a:rPr lang="en-US" dirty="0"/>
-              <a:t>Serverless</a:t>
-            </a:r>
-          </a:p>
-          <a:p>
-            <a:pPr lvl="1"/>
-            <a:r>
-              <a:rPr lang="en-US" dirty="0"/>
-              <a:t>Linux and Windows</a:t>
-            </a:r>
-          </a:p>
-          <a:p>
-            <a:pPr lvl="1"/>
-            <a:r>
-              <a:rPr lang="en-US" dirty="0"/>
-              <a:t>Priced by container creations, Core-s, and GB-s</a:t>
-            </a:r>
-          </a:p>
-          <a:p>
-            <a:pPr lvl="1"/>
-            <a:r>
-              <a:rPr lang="en-US" dirty="0">
-                <a:hlinkClick r:id="rId4"/>
-              </a:rPr>
-              <a:t>Read more…</a:t>
-            </a:r>
-            <a:endParaRPr lang="en-US" dirty="0"/>
-          </a:p>
-          <a:p>
-            <a:pPr lvl="1"/>
-            <a:endParaRPr lang="en-US" dirty="0"/>
-          </a:p>
-        </p:txBody>
-      </p:sp>
-      <p:sp>
-        <p:nvSpPr>
-          <p:cNvPr id="8" name="Text Placeholder 7">
-            <a:extLst>
-              <a:ext uri="{FF2B5EF4-FFF2-40B4-BE49-F238E27FC236}">
-                <a16:creationId xmlns:a16="http://schemas.microsoft.com/office/drawing/2014/main" id="{1A745433-C1A4-41A3-88A7-1CEA27C76071}"/>
-              </a:ext>
-            </a:extLst>
-          </p:cNvPr>
-          <p:cNvSpPr>
-            <a:spLocks noGrp="1"/>
-          </p:cNvSpPr>
-          <p:nvPr>
-            <p:ph type="body" sz="quarter" idx="23"/>
-          </p:nvPr>
-        </p:nvSpPr>
-        <p:spPr/>
-        <p:txBody>
-          <a:bodyPr/>
-          <a:lstStyle/>
-          <a:p>
-            <a:r>
-              <a:rPr lang="en-US" dirty="0">
-                <a:hlinkClick r:id="rId5"/>
-              </a:rPr>
-              <a:t>https://docs.microsoft.com/en-us/azure/container-instances/container-instances-overview</a:t>
-            </a:r>
-            <a:endParaRPr lang="en-US" dirty="0"/>
-          </a:p>
-        </p:txBody>
-      </p:sp>
-    </p:spTree>
-    <p:extLst>
-      <p:ext uri="{BB962C8B-B14F-4D97-AF65-F5344CB8AC3E}">
-        <p14:creationId xmlns:p14="http://schemas.microsoft.com/office/powerpoint/2010/main" val="1445783790"/>
-      </p:ext>
-    </p:extLst>
-  </p:cSld>
-  <p:clrMapOvr>
-    <a:masterClrMapping/>
-  </p:clrMapOvr>
-  <p:transition spd="slow">
-    <p:push/>
-  </p:transition>
-</p:sld>
-</file>
-
 <file path=ppt/slides/slide9.xml><?xml version="1.0" encoding="utf-8"?>
 <p:sld xmlns:a="http://schemas.openxmlformats.org/drawingml/2006/main" xmlns:r="http://schemas.openxmlformats.org/officeDocument/2006/relationships" xmlns:p="http://schemas.openxmlformats.org/presentationml/2006/main">
   <p:cSld>
@@ -16309,10 +17686,10 @@
       </p:grpSpPr>
       <p:sp>
         <p:nvSpPr>
-          <p:cNvPr id="2" name="Title 1">
+          <p:cNvPr id="6" name="Title 5">
             <a:extLst>
               <a:ext uri="{FF2B5EF4-FFF2-40B4-BE49-F238E27FC236}">
-                <a16:creationId xmlns:a16="http://schemas.microsoft.com/office/drawing/2014/main" id="{25AD9DA0-0FEE-4602-BE90-C190707FCC7C}"/>
+                <a16:creationId xmlns:a16="http://schemas.microsoft.com/office/drawing/2014/main" id="{E1E73C1C-14E2-4894-8948-DC121CC051A9}"/>
               </a:ext>
             </a:extLst>
           </p:cNvPr>
@@ -16329,18 +17706,23 @@
           <a:lstStyle/>
           <a:p>
             <a:r>
+              <a:rPr lang="en-US" dirty="0"/>
+              <a:t>Azure </a:t>
+            </a:r>
+            <a:r>
               <a:rPr lang="en-US"/>
-              <a:t>Demo</a:t>
-            </a:r>
-          </a:p>
-        </p:txBody>
-      </p:sp>
-      <p:sp>
-        <p:nvSpPr>
-          <p:cNvPr id="9" name="Content Placeholder 8">
+              <a:t>Container Instances</a:t>
+            </a:r>
+            <a:endParaRPr lang="en-US" dirty="0"/>
+          </a:p>
+        </p:txBody>
+      </p:sp>
+      <p:sp>
+        <p:nvSpPr>
+          <p:cNvPr id="7" name="Content Placeholder 6">
             <a:extLst>
               <a:ext uri="{FF2B5EF4-FFF2-40B4-BE49-F238E27FC236}">
-                <a16:creationId xmlns:a16="http://schemas.microsoft.com/office/drawing/2014/main" id="{5E43D4B1-0BE9-4CA9-9A44-66749743FCCD}"/>
+                <a16:creationId xmlns:a16="http://schemas.microsoft.com/office/drawing/2014/main" id="{2F3CA63A-D312-40F3-AD9D-B164B1A6B861}"/>
               </a:ext>
             </a:extLst>
           </p:cNvPr>
@@ -16348,7 +17730,7 @@
             <a:spLocks noGrp="1"/>
           </p:cNvSpPr>
           <p:nvPr>
-            <p:ph sz="quarter" idx="22"/>
+            <p:ph sz="quarter" idx="12"/>
           </p:nvPr>
         </p:nvSpPr>
         <p:spPr/>
@@ -16357,103 +17739,118 @@
           <a:lstStyle/>
           <a:p>
             <a:r>
-              <a:rPr lang="en-US" noProof="1">
-                <a:solidFill>
-                  <a:schemeClr val="tx1">
-                    <a:lumMod val="60000"/>
-                    <a:lumOff val="40000"/>
-                  </a:schemeClr>
-                </a:solidFill>
+              <a:rPr lang="en-US" dirty="0"/>
+              <a:t>Preview!</a:t>
+            </a:r>
+          </a:p>
+          <a:p>
+            <a:pPr lvl="1"/>
+            <a:r>
+              <a:rPr lang="en-US" dirty="0"/>
+              <a:t>Note limitations (e.g. no </a:t>
+            </a:r>
+            <a:r>
+              <a:rPr lang="en-US" dirty="0" err="1"/>
+              <a:t>VNet</a:t>
+            </a:r>
+            <a:r>
+              <a:rPr lang="en-US" dirty="0"/>
+              <a:t> support, </a:t>
+            </a:r>
+            <a:r>
+              <a:rPr lang="en-US" dirty="0">
+                <a:hlinkClick r:id="rId2"/>
               </a:rPr>
-              <a:t># Get ACR password</a:t>
-            </a:r>
-          </a:p>
-          <a:p>
-            <a:r>
-              <a:rPr lang="en-US" noProof="1"/>
-              <a:t>az acr credential show --name azurecaas \</a:t>
-            </a:r>
-          </a:p>
-          <a:p>
-            <a:r>
-              <a:rPr lang="en-US" noProof="1"/>
-              <a:t>	--query "passwords[0].value"</a:t>
-            </a:r>
-          </a:p>
-          <a:p>
-            <a:endParaRPr lang="en-US" noProof="1"/>
-          </a:p>
-          <a:p>
-            <a:r>
-              <a:rPr lang="en-US" noProof="1"/>
-              <a:t># Create container from </a:t>
-            </a:r>
-          </a:p>
-          <a:p>
-            <a:r>
-              <a:rPr lang="en-US" noProof="1"/>
-              <a:t>az container create --resource-group azure-caas-demo \</a:t>
-            </a:r>
-          </a:p>
-          <a:p>
-            <a:r>
-              <a:rPr lang="en-US" noProof="1"/>
-              <a:t>	--name web-demo --image azurecaas.azurecr.io/web-demo:1 \</a:t>
-            </a:r>
-          </a:p>
-          <a:p>
-            <a:r>
-              <a:rPr lang="en-US" noProof="1"/>
-              <a:t>	--cpu 1 --memory 1 --ip-address public --ports 80 \</a:t>
-            </a:r>
-          </a:p>
-          <a:p>
-            <a:r>
-              <a:rPr lang="en-US" noProof="1"/>
-              <a:t>	 --registry-password ...</a:t>
-            </a:r>
-          </a:p>
-          <a:p>
-            <a:endParaRPr lang="en-US" noProof="1"/>
-          </a:p>
-          <a:p>
-            <a:r>
-              <a:rPr lang="en-US" noProof="1"/>
-              <a:t>az container show --resource-group azure-caas-demo \</a:t>
-            </a:r>
-          </a:p>
-          <a:p>
-            <a:r>
-              <a:rPr lang="en-US" noProof="1"/>
-              <a:t>	--name web-demo --query ipAddress.ip</a:t>
-            </a:r>
-          </a:p>
-          <a:p>
-            <a:endParaRPr lang="en-US" noProof="1"/>
-          </a:p>
-          <a:p>
-            <a:r>
-              <a:rPr lang="en-US" noProof="1"/>
-              <a:t>az container logs --resource-group azure-caas-demo \</a:t>
-            </a:r>
-          </a:p>
-          <a:p>
-            <a:r>
-              <a:rPr lang="en-US" noProof="1"/>
-              <a:t>	--name web-demo</a:t>
-            </a:r>
-          </a:p>
-          <a:p>
-            <a:endParaRPr lang="en-US" noProof="1"/>
-          </a:p>
-        </p:txBody>
-      </p:sp>
-      <p:sp>
-        <p:nvSpPr>
-          <p:cNvPr id="6" name="Text Placeholder 5">
+              <a:t>quotas and regional limits</a:t>
+            </a:r>
+            <a:r>
+              <a:rPr lang="en-US" dirty="0"/>
+              <a:t>)</a:t>
+            </a:r>
+          </a:p>
+          <a:p>
+            <a:r>
+              <a:rPr lang="en-US" dirty="0"/>
+              <a:t>Fastest and simplest way to run a container in Azure</a:t>
+            </a:r>
+          </a:p>
+          <a:p>
+            <a:pPr lvl="1"/>
+            <a:r>
+              <a:rPr lang="en-US" dirty="0"/>
+              <a:t>Isolated containers with simple applications, task automations, build jobs, etc.</a:t>
+            </a:r>
+          </a:p>
+          <a:p>
+            <a:pPr lvl="1"/>
+            <a:r>
+              <a:rPr lang="en-US" dirty="0"/>
+              <a:t>Use </a:t>
+            </a:r>
+            <a:r>
+              <a:rPr lang="en-US" dirty="0">
+                <a:hlinkClick r:id="rId3"/>
+              </a:rPr>
+              <a:t>Container Groups</a:t>
+            </a:r>
+            <a:r>
+              <a:rPr lang="en-US" dirty="0"/>
+              <a:t> to put containers on same host machine (e.g. shared network)</a:t>
+            </a:r>
+          </a:p>
+          <a:p>
+            <a:pPr lvl="1"/>
+            <a:r>
+              <a:rPr lang="en-US" u="sng" dirty="0"/>
+              <a:t>Not</a:t>
+            </a:r>
+            <a:r>
+              <a:rPr lang="en-US" dirty="0"/>
+              <a:t> fully-featured container orchestrator</a:t>
+            </a:r>
+          </a:p>
+          <a:p>
+            <a:r>
+              <a:rPr lang="en-US" dirty="0"/>
+              <a:t>Serverless</a:t>
+            </a:r>
+          </a:p>
+          <a:p>
+            <a:pPr lvl="1"/>
+            <a:r>
+              <a:rPr lang="en-US" dirty="0"/>
+              <a:t>Linux and Windows</a:t>
+            </a:r>
+          </a:p>
+          <a:p>
+            <a:pPr lvl="1"/>
+            <a:r>
+              <a:rPr lang="en-US" dirty="0"/>
+              <a:t>Priced by container creations, Core-s, and GB-s</a:t>
+            </a:r>
+          </a:p>
+          <a:p>
+            <a:pPr lvl="1"/>
+            <a:r>
+              <a:rPr lang="en-US" dirty="0">
+                <a:hlinkClick r:id="rId4"/>
+              </a:rPr>
+              <a:t>Read more…</a:t>
+            </a:r>
+            <a:endParaRPr lang="en-US" dirty="0"/>
+          </a:p>
+          <a:p>
+            <a:pPr lvl="1"/>
+            <a:endParaRPr lang="en-US" dirty="0"/>
+          </a:p>
+        </p:txBody>
+      </p:sp>
+      <p:sp>
+        <p:nvSpPr>
+          <p:cNvPr id="8" name="Text Placeholder 7">
             <a:extLst>
               <a:ext uri="{FF2B5EF4-FFF2-40B4-BE49-F238E27FC236}">
-                <a16:creationId xmlns:a16="http://schemas.microsoft.com/office/drawing/2014/main" id="{F8A11F8D-0CB6-495C-B124-0A2FB159DB76}"/>
+                <a16:creationId xmlns:a16="http://schemas.microsoft.com/office/drawing/2014/main" id="{1A745433-C1A4-41A3-88A7-1CEA27C76071}"/>
               </a:ext>
             </a:extLst>
           </p:cNvPr>
@@ -16470,85 +17867,10 @@
           <a:lstStyle/>
           <a:p>
             <a:r>
-              <a:rPr lang="en-US" dirty="0"/>
-              <a:t>Create Container in ACI</a:t>
-            </a:r>
-          </a:p>
-        </p:txBody>
-      </p:sp>
-      <p:sp>
-        <p:nvSpPr>
-          <p:cNvPr id="10" name="Text Placeholder 9">
-            <a:extLst>
-              <a:ext uri="{FF2B5EF4-FFF2-40B4-BE49-F238E27FC236}">
-                <a16:creationId xmlns:a16="http://schemas.microsoft.com/office/drawing/2014/main" id="{A44AEF77-FACC-4670-8D58-D0BB6F115CAA}"/>
-              </a:ext>
-            </a:extLst>
-          </p:cNvPr>
-          <p:cNvSpPr>
-            <a:spLocks noGrp="1"/>
-          </p:cNvSpPr>
-          <p:nvPr>
-            <p:ph type="body" sz="quarter" idx="24"/>
-          </p:nvPr>
-        </p:nvSpPr>
-        <p:spPr/>
-        <p:txBody>
-          <a:bodyPr/>
-          <a:lstStyle/>
-          <a:p>
-            <a:r>
-              <a:rPr lang="en-US" dirty="0"/>
-              <a:t>Create container</a:t>
-            </a:r>
-          </a:p>
-          <a:p>
-            <a:pPr lvl="1"/>
-            <a:r>
-              <a:rPr lang="en-US" dirty="0"/>
-              <a:t>From image in ACR</a:t>
-            </a:r>
-          </a:p>
-          <a:p>
-            <a:r>
-              <a:rPr lang="en-US" dirty="0"/>
-              <a:t>Access container</a:t>
-            </a:r>
-          </a:p>
-          <a:p>
-            <a:r>
-              <a:rPr lang="en-US" dirty="0"/>
-              <a:t>View logs</a:t>
-            </a:r>
-          </a:p>
-        </p:txBody>
-      </p:sp>
-      <p:sp>
-        <p:nvSpPr>
-          <p:cNvPr id="11" name="Text Placeholder 10">
-            <a:extLst>
-              <a:ext uri="{FF2B5EF4-FFF2-40B4-BE49-F238E27FC236}">
-                <a16:creationId xmlns:a16="http://schemas.microsoft.com/office/drawing/2014/main" id="{07D091DA-9215-420B-8F52-AF755EE465BC}"/>
-              </a:ext>
-            </a:extLst>
-          </p:cNvPr>
-          <p:cNvSpPr>
-            <a:spLocks noGrp="1"/>
-          </p:cNvSpPr>
-          <p:nvPr>
-            <p:ph type="body" sz="quarter" idx="25"/>
-          </p:nvPr>
-        </p:nvSpPr>
-        <p:spPr/>
-        <p:txBody>
-          <a:bodyPr/>
-          <a:lstStyle/>
-          <a:p>
-            <a:r>
               <a:rPr lang="en-US" dirty="0">
-                <a:hlinkClick r:id="rId2"/>
+                <a:hlinkClick r:id="rId5"/>
               </a:rPr>
-              <a:t>https://docs.microsoft.com/en-us/azure/container-instances/container-instances-quickstart</a:t>
+              <a:t>https://docs.microsoft.com/en-us/azure/container-instances/container-instances-overview</a:t>
             </a:r>
             <a:endParaRPr lang="en-US" dirty="0"/>
           </a:p>
@@ -16557,16 +17879,25 @@
     </p:spTree>
     <p:extLst>
       <p:ext uri="{BB962C8B-B14F-4D97-AF65-F5344CB8AC3E}">
-        <p14:creationId xmlns:p14="http://schemas.microsoft.com/office/powerpoint/2010/main" val="1150745866"/>
+        <p14:creationId xmlns:p14="http://schemas.microsoft.com/office/powerpoint/2010/main" val="1445783790"/>
       </p:ext>
     </p:extLst>
   </p:cSld>
   <p:clrMapOvr>
     <a:masterClrMapping/>
   </p:clrMapOvr>
-  <p:transition spd="slow">
-    <p:push/>
-  </p:transition>
+  <mc:AlternateContent xmlns:mc="http://schemas.openxmlformats.org/markup-compatibility/2006" xmlns:p14="http://schemas.microsoft.com/office/powerpoint/2010/main">
+    <mc:Choice Requires="p14">
+      <p:transition spd="med" p14:dur="700">
+        <p:fade/>
+      </p:transition>
+    </mc:Choice>
+    <mc:Fallback xmlns="">
+      <p:transition spd="med">
+        <p:fade/>
+      </p:transition>
+    </mc:Fallback>
+  </mc:AlternateContent>
 </p:sld>
 </file>
 
@@ -17367,6 +18698,12 @@
 </file>
 
 <file path=customXml/item1.xml><?xml version="1.0" encoding="utf-8"?>
+<p:properties xmlns:p="http://schemas.microsoft.com/office/2006/metadata/properties" xmlns:xsi="http://www.w3.org/2001/XMLSchema-instance">
+  <documentManagement/>
+</p:properties>
+</file>
+
+<file path=customXml/item2.xml><?xml version="1.0" encoding="utf-8"?>
 <ct:contentTypeSchema xmlns:ct="http://schemas.microsoft.com/office/2006/metadata/contentType" xmlns:ma="http://schemas.microsoft.com/office/2006/metadata/properties/metaAttributes" ct:_="" ma:_="" ma:contentTypeName="Document" ma:contentTypeID="0x0101006C90029AD581154692170791F90B0BA6" ma:contentTypeVersion="0" ma:contentTypeDescription="Create a new document." ma:contentTypeScope="" ma:versionID="453f2a28f59e13bb333d4563bd7e6ec5">
   <xsd:schema xmlns:xsd="http://www.w3.org/2001/XMLSchema" xmlns:p="http://schemas.microsoft.com/office/2006/metadata/properties" targetNamespace="http://schemas.microsoft.com/office/2006/metadata/properties" ma:root="true" ma:fieldsID="4aeb20c0e3442673af7ee10786458764">
     <xsd:element name="properties">
@@ -17415,12 +18752,6 @@
 </ct:contentTypeSchema>
 </file>
 
-<file path=customXml/item2.xml><?xml version="1.0" encoding="utf-8"?>
-<p:properties xmlns:p="http://schemas.microsoft.com/office/2006/metadata/properties" xmlns:xsi="http://www.w3.org/2001/XMLSchema-instance">
-  <documentManagement/>
-</p:properties>
-</file>
-
 <file path=customXml/item3.xml><?xml version="1.0" encoding="utf-8"?>
 <?mso-contentType ?>
 <FormTemplates xmlns="http://schemas.microsoft.com/sharepoint/v3/contenttype/forms">
@@ -17431,6 +18762,20 @@
 </file>
 
 <file path=customXml/itemProps1.xml><?xml version="1.0" encoding="utf-8"?>
+<ds:datastoreItem xmlns:ds="http://schemas.openxmlformats.org/officeDocument/2006/customXml" ds:itemID="{03D43D4A-F5F8-47F6-A4EC-521F433C91BF}">
+  <ds:schemaRefs>
+    <ds:schemaRef ds:uri="http://purl.org/dc/terms/"/>
+    <ds:schemaRef ds:uri="http://schemas.microsoft.com/office/2006/documentManagement/types"/>
+    <ds:schemaRef ds:uri="http://purl.org/dc/dcmitype/"/>
+    <ds:schemaRef ds:uri="http://purl.org/dc/elements/1.1/"/>
+    <ds:schemaRef ds:uri="http://schemas.microsoft.com/office/2006/metadata/properties"/>
+    <ds:schemaRef ds:uri="http://schemas.openxmlformats.org/package/2006/metadata/core-properties"/>
+    <ds:schemaRef ds:uri="http://www.w3.org/XML/1998/namespace"/>
+  </ds:schemaRefs>
+</ds:datastoreItem>
+</file>
+
+<file path=customXml/itemProps2.xml><?xml version="1.0" encoding="utf-8"?>
 <ds:datastoreItem xmlns:ds="http://schemas.openxmlformats.org/officeDocument/2006/customXml" ds:itemID="{14A11C81-3A20-458B-AC33-D8C9DB9BBB4A}">
   <ds:schemaRefs>
     <ds:schemaRef ds:uri="http://schemas.microsoft.com/office/2006/metadata/contentType"/>
@@ -17445,20 +18790,6 @@
 </ds:datastoreItem>
 </file>
 
-<file path=customXml/itemProps2.xml><?xml version="1.0" encoding="utf-8"?>
-<ds:datastoreItem xmlns:ds="http://schemas.openxmlformats.org/officeDocument/2006/customXml" ds:itemID="{03D43D4A-F5F8-47F6-A4EC-521F433C91BF}">
-  <ds:schemaRefs>
-    <ds:schemaRef ds:uri="http://purl.org/dc/elements/1.1/"/>
-    <ds:schemaRef ds:uri="http://schemas.microsoft.com/office/2006/metadata/properties"/>
-    <ds:schemaRef ds:uri="http://purl.org/dc/terms/"/>
-    <ds:schemaRef ds:uri="http://schemas.openxmlformats.org/package/2006/metadata/core-properties"/>
-    <ds:schemaRef ds:uri="http://schemas.microsoft.com/office/2006/documentManagement/types"/>
-    <ds:schemaRef ds:uri="http://www.w3.org/XML/1998/namespace"/>
-    <ds:schemaRef ds:uri="http://purl.org/dc/dcmitype/"/>
-  </ds:schemaRefs>
-</ds:datastoreItem>
-</file>
-
 <file path=customXml/itemProps3.xml><?xml version="1.0" encoding="utf-8"?>
 <ds:datastoreItem xmlns:ds="http://schemas.openxmlformats.org/officeDocument/2006/customXml" ds:itemID="{B978F6DD-25A2-48DB-A93B-386E9DA01ECA}">
   <ds:schemaRefs>
